--- a/Week08/FunctionParameters.pptx
+++ b/Week08/FunctionParameters.pptx
@@ -5,7 +5,7 @@
     <p:sldMasterId id="2147483648" r:id="rId1"/>
   </p:sldMasterIdLst>
   <p:notesMasterIdLst>
-    <p:notesMasterId r:id="rId11"/>
+    <p:notesMasterId r:id="rId16"/>
   </p:notesMasterIdLst>
   <p:sldIdLst>
     <p:sldId id="258" r:id="rId2"/>
@@ -17,6 +17,11 @@
     <p:sldId id="312" r:id="rId8"/>
     <p:sldId id="313" r:id="rId9"/>
     <p:sldId id="306" r:id="rId10"/>
+    <p:sldId id="314" r:id="rId11"/>
+    <p:sldId id="315" r:id="rId12"/>
+    <p:sldId id="316" r:id="rId13"/>
+    <p:sldId id="317" r:id="rId14"/>
+    <p:sldId id="318" r:id="rId15"/>
   </p:sldIdLst>
   <p:sldSz cx="12192000" cy="6858000"/>
   <p:notesSz cx="6858000" cy="9144000"/>
@@ -216,7 +221,7 @@
           <a:p>
             <a:fld id="{19104133-B5B0-4351-8158-4F0E5EB1E2BF}" type="datetimeFigureOut">
               <a:rPr lang="en-US" smtClean="0"/>
-              <a:t>3/27/2020</a:t>
+              <a:t>9/7/2022</a:t>
             </a:fld>
             <a:endParaRPr lang="en-US"/>
           </a:p>
@@ -280,38 +285,37 @@
           <a:p>
             <a:pPr lvl="0"/>
             <a:r>
-              <a:rPr lang="en-US" smtClean="0"/>
+              <a:rPr lang="en-US"/>
               <a:t>Edit Master text styles</a:t>
             </a:r>
           </a:p>
           <a:p>
             <a:pPr lvl="1"/>
             <a:r>
-              <a:rPr lang="en-US" smtClean="0"/>
+              <a:rPr lang="en-US"/>
               <a:t>Second level</a:t>
             </a:r>
           </a:p>
           <a:p>
             <a:pPr lvl="2"/>
             <a:r>
-              <a:rPr lang="en-US" smtClean="0"/>
+              <a:rPr lang="en-US"/>
               <a:t>Third level</a:t>
             </a:r>
           </a:p>
           <a:p>
             <a:pPr lvl="3"/>
             <a:r>
-              <a:rPr lang="en-US" smtClean="0"/>
+              <a:rPr lang="en-US"/>
               <a:t>Fourth level</a:t>
             </a:r>
           </a:p>
           <a:p>
             <a:pPr lvl="4"/>
             <a:r>
-              <a:rPr lang="en-US" smtClean="0"/>
+              <a:rPr lang="en-US"/>
               <a:t>Fifth level</a:t>
             </a:r>
-            <a:endParaRPr lang="en-US"/>
           </a:p>
         </p:txBody>
       </p:sp>
@@ -529,20 +533,20 @@
           <a:lstStyle/>
           <a:p>
             <a:r>
-              <a:rPr lang="en-US" dirty="0" smtClean="0"/>
+              <a:rPr lang="en-US" dirty="0"/>
               <a:t>Go</a:t>
             </a:r>
             <a:r>
-              <a:rPr lang="en-US" baseline="0" dirty="0" smtClean="0"/>
+              <a:rPr lang="en-US" baseline="0" dirty="0"/>
               <a:t> over an example of a function and button…</a:t>
             </a:r>
           </a:p>
           <a:p>
-            <a:endParaRPr lang="en-US" baseline="0" dirty="0" smtClean="0"/>
-          </a:p>
-          <a:p>
-            <a:r>
-              <a:rPr lang="en-US" baseline="0" dirty="0" smtClean="0"/>
+            <a:endParaRPr lang="en-US" baseline="0" dirty="0"/>
+          </a:p>
+          <a:p>
+            <a:r>
+              <a:rPr lang="en-US" baseline="0" dirty="0"/>
               <a:t>Ask the students what will happen when the user clicks the button that says “Hello”</a:t>
             </a:r>
           </a:p>
@@ -552,15 +556,15 @@
               <a:buChar char="-"/>
             </a:pPr>
             <a:r>
-              <a:rPr lang="en-US" baseline="0" dirty="0" smtClean="0"/>
+              <a:rPr lang="en-US" baseline="0" dirty="0"/>
               <a:t>The </a:t>
             </a:r>
             <a:r>
-              <a:rPr lang="en-US" b="1" baseline="0" dirty="0" smtClean="0"/>
+              <a:rPr lang="en-US" b="1" baseline="0" dirty="0"/>
               <a:t>hello</a:t>
             </a:r>
             <a:r>
-              <a:rPr lang="en-US" b="0" baseline="0" dirty="0" smtClean="0"/>
+              <a:rPr lang="en-US" b="0" baseline="0" dirty="0"/>
               <a:t> function will execute</a:t>
             </a:r>
           </a:p>
@@ -570,17 +574,17 @@
               <a:buChar char="-"/>
             </a:pPr>
             <a:r>
-              <a:rPr lang="en-US" b="0" baseline="0" dirty="0" smtClean="0"/>
+              <a:rPr lang="en-US" b="0" baseline="0" dirty="0"/>
               <a:t>A message of “Hello!” will be shown to the user</a:t>
             </a:r>
-            <a:endParaRPr lang="en-US" baseline="0" dirty="0" smtClean="0"/>
-          </a:p>
-          <a:p>
-            <a:endParaRPr lang="en-US" baseline="0" dirty="0" smtClean="0"/>
-          </a:p>
-          <a:p>
-            <a:r>
-              <a:rPr lang="en-US" baseline="0" dirty="0" smtClean="0"/>
+            <a:endParaRPr lang="en-US" baseline="0" dirty="0"/>
+          </a:p>
+          <a:p>
+            <a:endParaRPr lang="en-US" baseline="0" dirty="0"/>
+          </a:p>
+          <a:p>
+            <a:r>
+              <a:rPr lang="en-US" baseline="0" dirty="0"/>
               <a:t>Important notes:</a:t>
             </a:r>
           </a:p>
@@ -590,15 +594,15 @@
               <a:buChar char="-"/>
             </a:pPr>
             <a:r>
-              <a:rPr lang="en-US" baseline="0" dirty="0" smtClean="0"/>
+              <a:rPr lang="en-US" baseline="0" dirty="0"/>
               <a:t>The </a:t>
             </a:r>
             <a:r>
-              <a:rPr lang="en-US" baseline="0" dirty="0" err="1" smtClean="0"/>
+              <a:rPr lang="en-US" baseline="0" dirty="0" err="1"/>
               <a:t>onclick</a:t>
             </a:r>
             <a:r>
-              <a:rPr lang="en-US" baseline="0" dirty="0" smtClean="0"/>
+              <a:rPr lang="en-US" baseline="0" dirty="0"/>
               <a:t> attribute on the button</a:t>
             </a:r>
           </a:p>
@@ -608,7 +612,7 @@
               <a:buChar char="-"/>
             </a:pPr>
             <a:r>
-              <a:rPr lang="en-US" baseline="0" dirty="0" smtClean="0"/>
+              <a:rPr lang="en-US" baseline="0" dirty="0"/>
               <a:t>The function name has to match in the definition and the call</a:t>
             </a:r>
           </a:p>
@@ -618,25 +622,25 @@
               <a:buChar char="-"/>
             </a:pPr>
             <a:r>
-              <a:rPr lang="en-US" baseline="0" dirty="0" smtClean="0"/>
+              <a:rPr lang="en-US" baseline="0" dirty="0"/>
               <a:t>All together, this means that the </a:t>
             </a:r>
             <a:r>
-              <a:rPr lang="en-US" b="1" baseline="0" dirty="0" smtClean="0"/>
+              <a:rPr lang="en-US" b="1" baseline="0" dirty="0"/>
               <a:t>hello</a:t>
             </a:r>
             <a:r>
-              <a:rPr lang="en-US" b="0" baseline="0" dirty="0" smtClean="0"/>
+              <a:rPr lang="en-US" b="0" baseline="0" dirty="0"/>
               <a:t> function executes when the user clicks the button.</a:t>
             </a:r>
-            <a:endParaRPr lang="en-US" baseline="0" dirty="0" smtClean="0"/>
+            <a:endParaRPr lang="en-US" baseline="0" dirty="0"/>
           </a:p>
           <a:p>
             <a:pPr marL="171450" indent="-171450">
               <a:buFontTx/>
               <a:buChar char="-"/>
             </a:pPr>
-            <a:endParaRPr lang="en-US" baseline="0" dirty="0" smtClean="0"/>
+            <a:endParaRPr lang="en-US" baseline="0" dirty="0"/>
           </a:p>
         </p:txBody>
       </p:sp>
@@ -667,6 +671,258 @@
     <p:extLst>
       <p:ext uri="{BB962C8B-B14F-4D97-AF65-F5344CB8AC3E}">
         <p14:creationId xmlns:p14="http://schemas.microsoft.com/office/powerpoint/2010/main" val="475802944"/>
+      </p:ext>
+    </p:extLst>
+  </p:cSld>
+  <p:clrMapOvr>
+    <a:masterClrMapping/>
+  </p:clrMapOvr>
+</p:notes>
+</file>
+
+<file path=ppt/notesSlides/notesSlide10.xml><?xml version="1.0" encoding="utf-8"?>
+<p:notes xmlns:a="http://schemas.openxmlformats.org/drawingml/2006/main" xmlns:r="http://schemas.openxmlformats.org/officeDocument/2006/relationships" xmlns:p="http://schemas.openxmlformats.org/presentationml/2006/main">
+  <p:cSld>
+    <p:spTree>
+      <p:nvGrpSpPr>
+        <p:cNvPr id="1" name=""/>
+        <p:cNvGrpSpPr/>
+        <p:nvPr/>
+      </p:nvGrpSpPr>
+      <p:grpSpPr>
+        <a:xfrm>
+          <a:off x="0" y="0"/>
+          <a:ext cx="0" cy="0"/>
+          <a:chOff x="0" y="0"/>
+          <a:chExt cx="0" cy="0"/>
+        </a:xfrm>
+      </p:grpSpPr>
+      <p:sp>
+        <p:nvSpPr>
+          <p:cNvPr id="2" name="Slide Image Placeholder 1"/>
+          <p:cNvSpPr>
+            <a:spLocks noGrp="1" noRot="1" noChangeAspect="1"/>
+          </p:cNvSpPr>
+          <p:nvPr>
+            <p:ph type="sldImg"/>
+          </p:nvPr>
+        </p:nvSpPr>
+        <p:spPr/>
+      </p:sp>
+      <p:sp>
+        <p:nvSpPr>
+          <p:cNvPr id="3" name="Notes Placeholder 2"/>
+          <p:cNvSpPr>
+            <a:spLocks noGrp="1"/>
+          </p:cNvSpPr>
+          <p:nvPr>
+            <p:ph type="body" idx="1"/>
+          </p:nvPr>
+        </p:nvSpPr>
+        <p:spPr/>
+        <p:txBody>
+          <a:bodyPr/>
+          <a:lstStyle/>
+          <a:p>
+            <a:endParaRPr lang="en-US" u="sng" baseline="0" dirty="0"/>
+          </a:p>
+        </p:txBody>
+      </p:sp>
+      <p:sp>
+        <p:nvSpPr>
+          <p:cNvPr id="4" name="Slide Number Placeholder 3"/>
+          <p:cNvSpPr>
+            <a:spLocks noGrp="1"/>
+          </p:cNvSpPr>
+          <p:nvPr>
+            <p:ph type="sldNum" sz="quarter" idx="10"/>
+          </p:nvPr>
+        </p:nvSpPr>
+        <p:spPr/>
+        <p:txBody>
+          <a:bodyPr/>
+          <a:lstStyle/>
+          <a:p>
+            <a:fld id="{DEC8F7F9-57EC-49CF-9FCD-2B781E4B449F}" type="slidenum">
+              <a:rPr lang="en-US" smtClean="0"/>
+              <a:t>11</a:t>
+            </a:fld>
+            <a:endParaRPr lang="en-US"/>
+          </a:p>
+        </p:txBody>
+      </p:sp>
+    </p:spTree>
+    <p:extLst>
+      <p:ext uri="{BB962C8B-B14F-4D97-AF65-F5344CB8AC3E}">
+        <p14:creationId xmlns:p14="http://schemas.microsoft.com/office/powerpoint/2010/main" val="775440914"/>
+      </p:ext>
+    </p:extLst>
+  </p:cSld>
+  <p:clrMapOvr>
+    <a:masterClrMapping/>
+  </p:clrMapOvr>
+</p:notes>
+</file>
+
+<file path=ppt/notesSlides/notesSlide11.xml><?xml version="1.0" encoding="utf-8"?>
+<p:notes xmlns:a="http://schemas.openxmlformats.org/drawingml/2006/main" xmlns:r="http://schemas.openxmlformats.org/officeDocument/2006/relationships" xmlns:p="http://schemas.openxmlformats.org/presentationml/2006/main">
+  <p:cSld>
+    <p:spTree>
+      <p:nvGrpSpPr>
+        <p:cNvPr id="1" name=""/>
+        <p:cNvGrpSpPr/>
+        <p:nvPr/>
+      </p:nvGrpSpPr>
+      <p:grpSpPr>
+        <a:xfrm>
+          <a:off x="0" y="0"/>
+          <a:ext cx="0" cy="0"/>
+          <a:chOff x="0" y="0"/>
+          <a:chExt cx="0" cy="0"/>
+        </a:xfrm>
+      </p:grpSpPr>
+      <p:sp>
+        <p:nvSpPr>
+          <p:cNvPr id="2" name="Slide Image Placeholder 1"/>
+          <p:cNvSpPr>
+            <a:spLocks noGrp="1" noRot="1" noChangeAspect="1"/>
+          </p:cNvSpPr>
+          <p:nvPr>
+            <p:ph type="sldImg"/>
+          </p:nvPr>
+        </p:nvSpPr>
+        <p:spPr/>
+      </p:sp>
+      <p:sp>
+        <p:nvSpPr>
+          <p:cNvPr id="3" name="Notes Placeholder 2"/>
+          <p:cNvSpPr>
+            <a:spLocks noGrp="1"/>
+          </p:cNvSpPr>
+          <p:nvPr>
+            <p:ph type="body" idx="1"/>
+          </p:nvPr>
+        </p:nvSpPr>
+        <p:spPr/>
+        <p:txBody>
+          <a:bodyPr/>
+          <a:lstStyle/>
+          <a:p>
+            <a:endParaRPr lang="en-US" dirty="0"/>
+          </a:p>
+        </p:txBody>
+      </p:sp>
+      <p:sp>
+        <p:nvSpPr>
+          <p:cNvPr id="4" name="Slide Number Placeholder 3"/>
+          <p:cNvSpPr>
+            <a:spLocks noGrp="1"/>
+          </p:cNvSpPr>
+          <p:nvPr>
+            <p:ph type="sldNum" sz="quarter" idx="10"/>
+          </p:nvPr>
+        </p:nvSpPr>
+        <p:spPr/>
+        <p:txBody>
+          <a:bodyPr/>
+          <a:lstStyle/>
+          <a:p>
+            <a:fld id="{DEC8F7F9-57EC-49CF-9FCD-2B781E4B449F}" type="slidenum">
+              <a:rPr lang="en-US" smtClean="0"/>
+              <a:t>12</a:t>
+            </a:fld>
+            <a:endParaRPr lang="en-US"/>
+          </a:p>
+        </p:txBody>
+      </p:sp>
+    </p:spTree>
+    <p:extLst>
+      <p:ext uri="{BB962C8B-B14F-4D97-AF65-F5344CB8AC3E}">
+        <p14:creationId xmlns:p14="http://schemas.microsoft.com/office/powerpoint/2010/main" val="4194615644"/>
+      </p:ext>
+    </p:extLst>
+  </p:cSld>
+  <p:clrMapOvr>
+    <a:masterClrMapping/>
+  </p:clrMapOvr>
+</p:notes>
+</file>
+
+<file path=ppt/notesSlides/notesSlide12.xml><?xml version="1.0" encoding="utf-8"?>
+<p:notes xmlns:a="http://schemas.openxmlformats.org/drawingml/2006/main" xmlns:r="http://schemas.openxmlformats.org/officeDocument/2006/relationships" xmlns:p="http://schemas.openxmlformats.org/presentationml/2006/main">
+  <p:cSld>
+    <p:spTree>
+      <p:nvGrpSpPr>
+        <p:cNvPr id="1" name=""/>
+        <p:cNvGrpSpPr/>
+        <p:nvPr/>
+      </p:nvGrpSpPr>
+      <p:grpSpPr>
+        <a:xfrm>
+          <a:off x="0" y="0"/>
+          <a:ext cx="0" cy="0"/>
+          <a:chOff x="0" y="0"/>
+          <a:chExt cx="0" cy="0"/>
+        </a:xfrm>
+      </p:grpSpPr>
+      <p:sp>
+        <p:nvSpPr>
+          <p:cNvPr id="2" name="Slide Image Placeholder 1"/>
+          <p:cNvSpPr>
+            <a:spLocks noGrp="1" noRot="1" noChangeAspect="1"/>
+          </p:cNvSpPr>
+          <p:nvPr>
+            <p:ph type="sldImg"/>
+          </p:nvPr>
+        </p:nvSpPr>
+        <p:spPr/>
+      </p:sp>
+      <p:sp>
+        <p:nvSpPr>
+          <p:cNvPr id="3" name="Notes Placeholder 2"/>
+          <p:cNvSpPr>
+            <a:spLocks noGrp="1"/>
+          </p:cNvSpPr>
+          <p:nvPr>
+            <p:ph type="body" idx="1"/>
+          </p:nvPr>
+        </p:nvSpPr>
+        <p:spPr/>
+        <p:txBody>
+          <a:bodyPr/>
+          <a:lstStyle/>
+          <a:p>
+            <a:endParaRPr lang="en-US" i="1" baseline="0" dirty="0"/>
+          </a:p>
+        </p:txBody>
+      </p:sp>
+      <p:sp>
+        <p:nvSpPr>
+          <p:cNvPr id="4" name="Slide Number Placeholder 3"/>
+          <p:cNvSpPr>
+            <a:spLocks noGrp="1"/>
+          </p:cNvSpPr>
+          <p:nvPr>
+            <p:ph type="sldNum" sz="quarter" idx="10"/>
+          </p:nvPr>
+        </p:nvSpPr>
+        <p:spPr/>
+        <p:txBody>
+          <a:bodyPr/>
+          <a:lstStyle/>
+          <a:p>
+            <a:fld id="{DEC8F7F9-57EC-49CF-9FCD-2B781E4B449F}" type="slidenum">
+              <a:rPr lang="en-US" smtClean="0"/>
+              <a:t>13</a:t>
+            </a:fld>
+            <a:endParaRPr lang="en-US"/>
+          </a:p>
+        </p:txBody>
+      </p:sp>
+    </p:spTree>
+    <p:extLst>
+      <p:ext uri="{BB962C8B-B14F-4D97-AF65-F5344CB8AC3E}">
+        <p14:creationId xmlns:p14="http://schemas.microsoft.com/office/powerpoint/2010/main" val="2271388612"/>
       </p:ext>
     </p:extLst>
   </p:cSld>
@@ -721,36 +977,36 @@
           <a:lstStyle/>
           <a:p>
             <a:r>
-              <a:rPr lang="en-US" dirty="0" smtClean="0"/>
+              <a:rPr lang="en-US" dirty="0"/>
               <a:t>Go over all the pieces</a:t>
             </a:r>
             <a:r>
-              <a:rPr lang="en-US" baseline="0" dirty="0" smtClean="0"/>
+              <a:rPr lang="en-US" baseline="0" dirty="0"/>
               <a:t> necessary to define a function.</a:t>
             </a:r>
           </a:p>
           <a:p>
-            <a:endParaRPr lang="en-US" baseline="0" dirty="0" smtClean="0"/>
-          </a:p>
-          <a:p>
-            <a:r>
-              <a:rPr lang="en-US" baseline="0" dirty="0" smtClean="0"/>
+            <a:endParaRPr lang="en-US" baseline="0" dirty="0"/>
+          </a:p>
+          <a:p>
+            <a:r>
+              <a:rPr lang="en-US" baseline="0" dirty="0"/>
               <a:t>Emphasize that defining a function </a:t>
             </a:r>
             <a:r>
-              <a:rPr lang="en-US" i="1" baseline="0" dirty="0" smtClean="0"/>
+              <a:rPr lang="en-US" i="1" baseline="0" dirty="0"/>
               <a:t>does not</a:t>
             </a:r>
             <a:r>
-              <a:rPr lang="en-US" i="0" baseline="0" dirty="0" smtClean="0"/>
+              <a:rPr lang="en-US" i="0" baseline="0" dirty="0"/>
               <a:t> actually run any code – it simply tells the computer what to do when the function is </a:t>
             </a:r>
             <a:r>
-              <a:rPr lang="en-US" i="1" baseline="0" dirty="0" smtClean="0"/>
+              <a:rPr lang="en-US" i="1" baseline="0" dirty="0"/>
               <a:t>called</a:t>
             </a:r>
             <a:r>
-              <a:rPr lang="en-US" i="0" baseline="0" dirty="0" smtClean="0"/>
+              <a:rPr lang="en-US" i="0" baseline="0" dirty="0"/>
               <a:t>.</a:t>
             </a:r>
             <a:endParaRPr lang="en-US" dirty="0"/>
@@ -838,24 +1094,24 @@
           <a:lstStyle/>
           <a:p>
             <a:r>
-              <a:rPr lang="en-US" dirty="0" smtClean="0"/>
+              <a:rPr lang="en-US" dirty="0"/>
               <a:t>Go over all the pieces</a:t>
             </a:r>
             <a:r>
-              <a:rPr lang="en-US" baseline="0" dirty="0" smtClean="0"/>
+              <a:rPr lang="en-US" baseline="0" dirty="0"/>
               <a:t> necessary to call a function.</a:t>
             </a:r>
           </a:p>
           <a:p>
-            <a:endParaRPr lang="en-US" baseline="0" dirty="0" smtClean="0"/>
-          </a:p>
-          <a:p>
-            <a:r>
-              <a:rPr lang="en-US" baseline="0" dirty="0" smtClean="0"/>
+            <a:endParaRPr lang="en-US" baseline="0" dirty="0"/>
+          </a:p>
+          <a:p>
+            <a:r>
+              <a:rPr lang="en-US" baseline="0" dirty="0"/>
               <a:t>Emphasize that calling a function </a:t>
             </a:r>
             <a:r>
-              <a:rPr lang="en-US" i="0" u="none" baseline="0" dirty="0" smtClean="0"/>
+              <a:rPr lang="en-US" i="0" u="none" baseline="0" dirty="0"/>
               <a:t>runs the code from the body of the function.</a:t>
             </a:r>
             <a:endParaRPr lang="en-US" dirty="0"/>
@@ -943,37 +1199,37 @@
           <a:lstStyle/>
           <a:p>
             <a:r>
-              <a:rPr lang="en-US" dirty="0" smtClean="0"/>
+              <a:rPr lang="en-US" dirty="0"/>
               <a:t>Show the students some examples of code we have used already. Ask them what each of the functions do.</a:t>
             </a:r>
           </a:p>
           <a:p>
-            <a:endParaRPr lang="en-US" dirty="0" smtClean="0"/>
-          </a:p>
-          <a:p>
-            <a:r>
-              <a:rPr lang="en-US" dirty="0" smtClean="0"/>
+            <a:endParaRPr lang="en-US" dirty="0"/>
+          </a:p>
+          <a:p>
+            <a:r>
+              <a:rPr lang="en-US" dirty="0"/>
               <a:t>Explain that these</a:t>
             </a:r>
             <a:r>
-              <a:rPr lang="en-US" baseline="0" dirty="0" smtClean="0"/>
+              <a:rPr lang="en-US" baseline="0" dirty="0"/>
               <a:t> statements </a:t>
             </a:r>
             <a:r>
-              <a:rPr lang="en-US" i="1" baseline="0" dirty="0" smtClean="0"/>
+              <a:rPr lang="en-US" i="1" baseline="0" dirty="0"/>
               <a:t>call</a:t>
             </a:r>
             <a:r>
-              <a:rPr lang="en-US" i="0" baseline="0" dirty="0" smtClean="0"/>
+              <a:rPr lang="en-US" i="0" baseline="0" dirty="0"/>
               <a:t> existing functions. They also have something in common – they need some extra information to execute. How does that work?</a:t>
             </a:r>
           </a:p>
           <a:p>
-            <a:endParaRPr lang="en-US" i="0" baseline="0" dirty="0" smtClean="0"/>
-          </a:p>
-          <a:p>
-            <a:r>
-              <a:rPr lang="en-US" i="0" baseline="0" dirty="0" smtClean="0"/>
+            <a:endParaRPr lang="en-US" i="0" baseline="0" dirty="0"/>
+          </a:p>
+          <a:p>
+            <a:r>
+              <a:rPr lang="en-US" i="0" baseline="0" dirty="0"/>
               <a:t>Ask the students for examples of other built-in functions:</a:t>
             </a:r>
           </a:p>
@@ -983,7 +1239,7 @@
               <a:buChar char="-"/>
             </a:pPr>
             <a:r>
-              <a:rPr lang="en-US" i="0" baseline="0" dirty="0" smtClean="0"/>
+              <a:rPr lang="en-US" i="0" baseline="0" dirty="0"/>
               <a:t>prompt</a:t>
             </a:r>
           </a:p>
@@ -993,17 +1249,17 @@
               <a:buChar char="-"/>
             </a:pPr>
             <a:r>
-              <a:rPr lang="en-US" i="0" baseline="0" dirty="0" err="1" smtClean="0"/>
+              <a:rPr lang="en-US" i="0" baseline="0" dirty="0" err="1"/>
               <a:t>appendChild</a:t>
             </a:r>
-            <a:endParaRPr lang="en-US" i="0" baseline="0" dirty="0" smtClean="0"/>
+            <a:endParaRPr lang="en-US" i="0" baseline="0" dirty="0"/>
           </a:p>
           <a:p>
             <a:pPr marL="0" indent="0">
               <a:buFontTx/>
               <a:buNone/>
             </a:pPr>
-            <a:endParaRPr lang="en-US" i="0" baseline="0" dirty="0" smtClean="0"/>
+            <a:endParaRPr lang="en-US" i="0" baseline="0" dirty="0"/>
           </a:p>
           <a:p>
             <a:pPr marL="0" indent="0">
@@ -1011,15 +1267,15 @@
               <a:buNone/>
             </a:pPr>
             <a:r>
-              <a:rPr lang="en-US" i="0" baseline="0" dirty="0" smtClean="0"/>
+              <a:rPr lang="en-US" i="0" baseline="0" dirty="0"/>
               <a:t>Note that </a:t>
             </a:r>
             <a:r>
-              <a:rPr lang="en-US" b="1" i="0" baseline="0" dirty="0" smtClean="0"/>
+              <a:rPr lang="en-US" b="1" i="0" baseline="0" dirty="0"/>
               <a:t>if</a:t>
             </a:r>
             <a:r>
-              <a:rPr lang="en-US" b="0" i="0" baseline="0" dirty="0" smtClean="0"/>
+              <a:rPr lang="en-US" b="0" i="0" baseline="0" dirty="0"/>
               <a:t> statements are NOT functions.</a:t>
             </a:r>
           </a:p>
@@ -1106,19 +1362,19 @@
           <a:lstStyle/>
           <a:p>
             <a:r>
-              <a:rPr lang="en-US" dirty="0" smtClean="0"/>
+              <a:rPr lang="en-US" dirty="0"/>
               <a:t>Explain that functions use a thing called </a:t>
             </a:r>
             <a:r>
-              <a:rPr lang="en-US" i="1" dirty="0" smtClean="0"/>
+              <a:rPr lang="en-US" i="1" dirty="0"/>
               <a:t>parameters</a:t>
             </a:r>
             <a:r>
-              <a:rPr lang="en-US" i="0" dirty="0" smtClean="0"/>
+              <a:rPr lang="en-US" i="0" dirty="0"/>
               <a:t> to get information when</a:t>
             </a:r>
             <a:r>
-              <a:rPr lang="en-US" i="0" baseline="0" dirty="0" smtClean="0"/>
+              <a:rPr lang="en-US" i="0" baseline="0" dirty="0"/>
               <a:t> they are called.</a:t>
             </a:r>
             <a:endParaRPr lang="en-US" dirty="0"/>
@@ -1206,47 +1462,47 @@
           <a:lstStyle/>
           <a:p>
             <a:r>
-              <a:rPr lang="en-US" dirty="0" smtClean="0"/>
+              <a:rPr lang="en-US" dirty="0"/>
               <a:t>Go over all the pieces</a:t>
             </a:r>
             <a:r>
-              <a:rPr lang="en-US" baseline="0" dirty="0" smtClean="0"/>
+              <a:rPr lang="en-US" baseline="0" dirty="0"/>
               <a:t> necessary to define a function – this time with parameters too.</a:t>
             </a:r>
           </a:p>
           <a:p>
-            <a:endParaRPr lang="en-US" baseline="0" dirty="0" smtClean="0"/>
-          </a:p>
-          <a:p>
-            <a:r>
-              <a:rPr lang="en-US" baseline="0" dirty="0" smtClean="0"/>
+            <a:endParaRPr lang="en-US" baseline="0" dirty="0"/>
+          </a:p>
+          <a:p>
+            <a:r>
+              <a:rPr lang="en-US" baseline="0" dirty="0"/>
               <a:t>Note that the </a:t>
             </a:r>
             <a:r>
-              <a:rPr lang="en-US" i="1" baseline="0" dirty="0" err="1" smtClean="0"/>
+              <a:rPr lang="en-US" i="1" baseline="0" dirty="0" err="1"/>
               <a:t>num</a:t>
             </a:r>
             <a:r>
-              <a:rPr lang="en-US" i="0" baseline="0" dirty="0" smtClean="0"/>
+              <a:rPr lang="en-US" i="0" baseline="0" dirty="0"/>
               <a:t> parameter will be treated just like a </a:t>
             </a:r>
             <a:r>
-              <a:rPr lang="en-US" b="1" i="0" baseline="0" dirty="0" smtClean="0"/>
+              <a:rPr lang="en-US" b="1" i="0" baseline="0" dirty="0"/>
               <a:t>variable</a:t>
             </a:r>
             <a:r>
-              <a:rPr lang="en-US" i="0" baseline="0" dirty="0" smtClean="0"/>
+              <a:rPr lang="en-US" i="0" baseline="0" dirty="0"/>
               <a:t> in the body of the function – </a:t>
             </a:r>
             <a:r>
-              <a:rPr lang="en-US" i="0" u="none" baseline="0" dirty="0" smtClean="0"/>
+              <a:rPr lang="en-US" i="0" u="none" baseline="0" dirty="0"/>
               <a:t>the trick is that </a:t>
             </a:r>
             <a:r>
-              <a:rPr lang="en-US" i="0" u="sng" baseline="0" dirty="0" smtClean="0"/>
+              <a:rPr lang="en-US" i="0" u="sng" baseline="0" dirty="0"/>
               <a:t>the variable is set by the function call (not in the definition)!</a:t>
             </a:r>
-            <a:endParaRPr lang="en-US" u="sng" baseline="0" dirty="0" smtClean="0"/>
+            <a:endParaRPr lang="en-US" u="sng" baseline="0" dirty="0"/>
           </a:p>
         </p:txBody>
       </p:sp>
@@ -1331,64 +1587,81 @@
           <a:lstStyle/>
           <a:p>
             <a:r>
-              <a:rPr lang="en-US" dirty="0" smtClean="0"/>
+              <a:rPr lang="en-US" dirty="0"/>
               <a:t>Go over all the pieces</a:t>
             </a:r>
             <a:r>
-              <a:rPr lang="en-US" baseline="0" dirty="0" smtClean="0"/>
-              <a:t> necessary to call a function – with a parameter!</a:t>
-            </a:r>
-          </a:p>
-          <a:p>
-            <a:endParaRPr lang="en-US" baseline="0" dirty="0" smtClean="0"/>
-          </a:p>
-          <a:p>
-            <a:r>
-              <a:rPr lang="en-US" baseline="0" dirty="0" smtClean="0"/>
+              <a:rPr lang="en-US" baseline="0" dirty="0"/>
+              <a:t> necessary to call a function – with an argument! Note that in terms of terminology, an </a:t>
+            </a:r>
+            <a:r>
+              <a:rPr lang="en-US" i="1" baseline="0" dirty="0"/>
+              <a:t>argument</a:t>
+            </a:r>
+            <a:r>
+              <a:rPr lang="en-US" i="0" baseline="0" dirty="0"/>
+              <a:t> is the actual value passed into a function. The </a:t>
+            </a:r>
+            <a:r>
+              <a:rPr lang="en-US" i="1" baseline="0" dirty="0"/>
+              <a:t>parameter</a:t>
+            </a:r>
+            <a:r>
+              <a:rPr lang="en-US" i="0" baseline="0" dirty="0"/>
+              <a:t> is the variable in the function definition.</a:t>
+            </a:r>
+            <a:endParaRPr lang="en-US" baseline="0" dirty="0"/>
+          </a:p>
+          <a:p>
+            <a:endParaRPr lang="en-US" baseline="0" dirty="0"/>
+          </a:p>
+          <a:p>
+            <a:r>
+              <a:rPr lang="en-US" baseline="0" dirty="0"/>
               <a:t>Note that by passing in </a:t>
             </a:r>
             <a:r>
-              <a:rPr lang="en-US" b="1" baseline="0" dirty="0" smtClean="0"/>
+              <a:rPr lang="en-US" b="1" baseline="0" dirty="0"/>
               <a:t>8</a:t>
             </a:r>
             <a:r>
-              <a:rPr lang="en-US" b="0" baseline="0" dirty="0" smtClean="0"/>
+              <a:rPr lang="en-US" b="0" baseline="0" dirty="0"/>
               <a:t> in the function call, the </a:t>
             </a:r>
             <a:r>
-              <a:rPr lang="en-US" b="1" baseline="0" dirty="0" err="1" smtClean="0"/>
+              <a:rPr lang="en-US" b="1" baseline="0" dirty="0" err="1"/>
               <a:t>num</a:t>
             </a:r>
             <a:r>
-              <a:rPr lang="en-US" b="0" baseline="0" dirty="0" smtClean="0"/>
+              <a:rPr lang="en-US" b="0" baseline="0" dirty="0"/>
               <a:t> variable gets set to </a:t>
             </a:r>
             <a:r>
-              <a:rPr lang="en-US" b="1" baseline="0" dirty="0" smtClean="0"/>
+              <a:rPr lang="en-US" b="1" baseline="0" dirty="0"/>
               <a:t>8</a:t>
             </a:r>
             <a:r>
-              <a:rPr lang="en-US" b="0" baseline="0" dirty="0" smtClean="0"/>
+              <a:rPr lang="en-US" b="0" baseline="0" dirty="0"/>
               <a:t>. The statements in the body of the function will execute as if </a:t>
             </a:r>
             <a:r>
-              <a:rPr lang="en-US" b="1" baseline="0" dirty="0" err="1" smtClean="0"/>
+              <a:rPr lang="en-US" b="1" baseline="0" dirty="0" err="1"/>
               <a:t>var</a:t>
             </a:r>
             <a:r>
-              <a:rPr lang="en-US" b="1" baseline="0" dirty="0" smtClean="0"/>
+              <a:rPr lang="en-US" b="1" baseline="0" dirty="0"/>
               <a:t> </a:t>
             </a:r>
             <a:r>
-              <a:rPr lang="en-US" b="1" baseline="0" dirty="0" err="1" smtClean="0"/>
+              <a:rPr lang="en-US" b="1" baseline="0" dirty="0" err="1"/>
               <a:t>num</a:t>
             </a:r>
             <a:r>
-              <a:rPr lang="en-US" b="1" baseline="0" dirty="0" smtClean="0"/>
+              <a:rPr lang="en-US" b="1" baseline="0" dirty="0"/>
               <a:t> = 8</a:t>
             </a:r>
             <a:r>
-              <a:rPr lang="en-US" b="0" baseline="0" dirty="0" smtClean="0"/>
+              <a:rPr lang="en-US" b="0" baseline="0" dirty="0"/>
               <a:t> was at the top.</a:t>
             </a:r>
             <a:endParaRPr lang="en-US" dirty="0"/>
@@ -1476,81 +1749,14 @@
           <a:lstStyle/>
           <a:p>
             <a:r>
-              <a:rPr lang="en-US" dirty="0" smtClean="0"/>
-              <a:t>For the </a:t>
-            </a:r>
-            <a:r>
-              <a:rPr lang="en-US" dirty="0" err="1" smtClean="0"/>
-              <a:t>Repl</a:t>
-            </a:r>
-            <a:r>
-              <a:rPr lang="en-US" dirty="0" smtClean="0"/>
-              <a:t>,</a:t>
-            </a:r>
-            <a:r>
-              <a:rPr lang="en-US" baseline="0" dirty="0" smtClean="0"/>
-              <a:t> </a:t>
-            </a:r>
-            <a:r>
-              <a:rPr lang="en-US" baseline="0" dirty="0" smtClean="0"/>
-              <a:t>follow the steps outlined in the code comments. Work with the students to come up with the code. This will help show how parameters work.</a:t>
-            </a:r>
-          </a:p>
-          <a:p>
-            <a:endParaRPr lang="en-US" baseline="0" dirty="0" smtClean="0"/>
-          </a:p>
-          <a:p>
-            <a:pPr marL="171450" indent="-171450">
-              <a:buFontTx/>
-              <a:buChar char="-"/>
-            </a:pPr>
-            <a:r>
-              <a:rPr lang="en-US" i="1" baseline="0" dirty="0" smtClean="0"/>
-              <a:t>Define</a:t>
-            </a:r>
-            <a:r>
-              <a:rPr lang="en-US" baseline="0" dirty="0" smtClean="0"/>
-              <a:t> a new function named </a:t>
-            </a:r>
-            <a:r>
-              <a:rPr lang="en-US" b="1" baseline="0" dirty="0" smtClean="0"/>
-              <a:t>divideBy2</a:t>
-            </a:r>
-            <a:r>
-              <a:rPr lang="en-US" b="0" baseline="0" dirty="0" smtClean="0"/>
-              <a:t> that takes a number parameter and alerts half that number</a:t>
-            </a:r>
-          </a:p>
-          <a:p>
-            <a:pPr marL="171450" indent="-171450">
-              <a:buFontTx/>
-              <a:buChar char="-"/>
-            </a:pPr>
-            <a:r>
-              <a:rPr lang="en-US" b="0" i="1" baseline="0" dirty="0" smtClean="0"/>
-              <a:t>Call</a:t>
-            </a:r>
-            <a:r>
-              <a:rPr lang="en-US" b="0" i="0" baseline="0" dirty="0" smtClean="0"/>
-              <a:t> the </a:t>
-            </a:r>
-            <a:r>
-              <a:rPr lang="en-US" b="1" i="0" baseline="0" dirty="0" smtClean="0"/>
-              <a:t>divideBy2</a:t>
-            </a:r>
-            <a:r>
-              <a:rPr lang="en-US" b="0" i="0" baseline="0" dirty="0" smtClean="0"/>
-              <a:t> function within the </a:t>
-            </a:r>
-            <a:r>
-              <a:rPr lang="en-US" b="1" i="0" baseline="0" dirty="0" smtClean="0"/>
-              <a:t>start</a:t>
-            </a:r>
-            <a:r>
-              <a:rPr lang="en-US" b="0" i="0" baseline="0" dirty="0" smtClean="0"/>
-              <a:t> function a couple times to see how it changes with different parameter values</a:t>
-            </a:r>
-            <a:endParaRPr lang="en-US" i="1" baseline="0" dirty="0" smtClean="0"/>
+              <a:rPr lang="en-US" dirty="0"/>
+              <a:t>For the Repl,</a:t>
+            </a:r>
+            <a:r>
+              <a:rPr lang="en-US" baseline="0" dirty="0"/>
+              <a:t> show how it is possible to define and call a function with parameters/arguments</a:t>
+            </a:r>
+            <a:endParaRPr lang="en-US" i="1" baseline="0" dirty="0"/>
           </a:p>
         </p:txBody>
       </p:sp>
@@ -1581,6 +1787,90 @@
     <p:extLst>
       <p:ext uri="{BB962C8B-B14F-4D97-AF65-F5344CB8AC3E}">
         <p14:creationId xmlns:p14="http://schemas.microsoft.com/office/powerpoint/2010/main" val="4123238520"/>
+      </p:ext>
+    </p:extLst>
+  </p:cSld>
+  <p:clrMapOvr>
+    <a:masterClrMapping/>
+  </p:clrMapOvr>
+</p:notes>
+</file>
+
+<file path=ppt/notesSlides/notesSlide9.xml><?xml version="1.0" encoding="utf-8"?>
+<p:notes xmlns:a="http://schemas.openxmlformats.org/drawingml/2006/main" xmlns:r="http://schemas.openxmlformats.org/officeDocument/2006/relationships" xmlns:p="http://schemas.openxmlformats.org/presentationml/2006/main">
+  <p:cSld>
+    <p:spTree>
+      <p:nvGrpSpPr>
+        <p:cNvPr id="1" name=""/>
+        <p:cNvGrpSpPr/>
+        <p:nvPr/>
+      </p:nvGrpSpPr>
+      <p:grpSpPr>
+        <a:xfrm>
+          <a:off x="0" y="0"/>
+          <a:ext cx="0" cy="0"/>
+          <a:chOff x="0" y="0"/>
+          <a:chExt cx="0" cy="0"/>
+        </a:xfrm>
+      </p:grpSpPr>
+      <p:sp>
+        <p:nvSpPr>
+          <p:cNvPr id="2" name="Slide Image Placeholder 1"/>
+          <p:cNvSpPr>
+            <a:spLocks noGrp="1" noRot="1" noChangeAspect="1"/>
+          </p:cNvSpPr>
+          <p:nvPr>
+            <p:ph type="sldImg"/>
+          </p:nvPr>
+        </p:nvSpPr>
+        <p:spPr/>
+      </p:sp>
+      <p:sp>
+        <p:nvSpPr>
+          <p:cNvPr id="3" name="Notes Placeholder 2"/>
+          <p:cNvSpPr>
+            <a:spLocks noGrp="1"/>
+          </p:cNvSpPr>
+          <p:nvPr>
+            <p:ph type="body" idx="1"/>
+          </p:nvPr>
+        </p:nvSpPr>
+        <p:spPr/>
+        <p:txBody>
+          <a:bodyPr/>
+          <a:lstStyle/>
+          <a:p>
+            <a:endParaRPr lang="en-US" b="0" i="0" baseline="0" dirty="0"/>
+          </a:p>
+        </p:txBody>
+      </p:sp>
+      <p:sp>
+        <p:nvSpPr>
+          <p:cNvPr id="4" name="Slide Number Placeholder 3"/>
+          <p:cNvSpPr>
+            <a:spLocks noGrp="1"/>
+          </p:cNvSpPr>
+          <p:nvPr>
+            <p:ph type="sldNum" sz="quarter" idx="10"/>
+          </p:nvPr>
+        </p:nvSpPr>
+        <p:spPr/>
+        <p:txBody>
+          <a:bodyPr/>
+          <a:lstStyle/>
+          <a:p>
+            <a:fld id="{DEC8F7F9-57EC-49CF-9FCD-2B781E4B449F}" type="slidenum">
+              <a:rPr lang="en-US" smtClean="0"/>
+              <a:t>10</a:t>
+            </a:fld>
+            <a:endParaRPr lang="en-US"/>
+          </a:p>
+        </p:txBody>
+      </p:sp>
+    </p:spTree>
+    <p:extLst>
+      <p:ext uri="{BB962C8B-B14F-4D97-AF65-F5344CB8AC3E}">
+        <p14:creationId xmlns:p14="http://schemas.microsoft.com/office/powerpoint/2010/main" val="2771750092"/>
       </p:ext>
     </p:extLst>
   </p:cSld>
@@ -1730,15 +2020,7 @@
           <a:p>
             <a:r>
               <a:rPr lang="en-US" dirty="0"/>
-              <a:t>Click to edit Master </a:t>
-            </a:r>
-            <a:r>
-              <a:rPr lang="en-US" dirty="0" smtClean="0"/>
-              <a:t>subtitle </a:t>
-            </a:r>
-            <a:r>
-              <a:rPr lang="en-US" dirty="0"/>
-              <a:t>style</a:t>
+              <a:t>Click to edit Master subtitle style</a:t>
             </a:r>
           </a:p>
         </p:txBody>
@@ -1780,7 +2062,7 @@
             <a:fld id="{1C2D31DE-C454-491C-B5C3-F097855E3DF7}" type="datetime4">
               <a:rPr lang="en-US" smtClean="0"/>
               <a:pPr/>
-              <a:t>March 27, 2020</a:t>
+              <a:t>September 7, 2022</a:t>
             </a:fld>
             <a:endParaRPr lang="en-US" dirty="0"/>
           </a:p>
@@ -4854,17 +5136,16 @@
           <a:p>
             <a:pPr lvl="0"/>
             <a:r>
-              <a:rPr lang="en-US" dirty="0" smtClean="0"/>
+              <a:rPr lang="en-US" dirty="0"/>
               <a:t>Presenter Name</a:t>
             </a:r>
             <a:br>
-              <a:rPr lang="en-US" dirty="0" smtClean="0"/>
+              <a:rPr lang="en-US" dirty="0"/>
             </a:br>
             <a:r>
-              <a:rPr lang="en-US" dirty="0" smtClean="0"/>
+              <a:rPr lang="en-US" dirty="0"/>
               <a:t>Presenter Title</a:t>
             </a:r>
-            <a:endParaRPr lang="en-US" dirty="0"/>
           </a:p>
         </p:txBody>
       </p:sp>
@@ -4881,13 +5162,6 @@
   <p:transition>
     <p:fade/>
   </p:transition>
-  <p:timing>
-    <p:tnLst>
-      <p:par>
-        <p:cTn id="1" dur="indefinite" restart="never" nodeType="tmRoot"/>
-      </p:par>
-    </p:tnLst>
-  </p:timing>
   <p:hf sldNum="0" hdr="0" ftr="0"/>
 </p:sldLayout>
 </file>
@@ -5180,7 +5454,7 @@
           <a:p>
             <a:fld id="{5958763E-B898-436D-883D-03711491D54A}" type="datetimeFigureOut">
               <a:rPr lang="en-US" smtClean="0"/>
-              <a:t>3/27/2020</a:t>
+              <a:t>9/7/2022</a:t>
             </a:fld>
             <a:endParaRPr lang="en-US"/>
           </a:p>
@@ -5253,13 +5527,6 @@
   <p:transition>
     <p:fade/>
   </p:transition>
-  <p:timing>
-    <p:tnLst>
-      <p:par>
-        <p:cTn id="1" dur="indefinite" restart="never" nodeType="tmRoot"/>
-      </p:par>
-    </p:tnLst>
-  </p:timing>
 </p:sldLayout>
 </file>
 
@@ -5308,10 +5575,9 @@
           </a:lstStyle>
           <a:p>
             <a:r>
-              <a:rPr lang="en-US" dirty="0" smtClean="0"/>
+              <a:rPr lang="en-US" dirty="0"/>
               <a:t>Click icon to add picture</a:t>
             </a:r>
-            <a:endParaRPr lang="en-US" dirty="0"/>
           </a:p>
         </p:txBody>
       </p:sp>
@@ -5381,7 +5647,7 @@
           <a:p>
             <a:fld id="{5958763E-B898-436D-883D-03711491D54A}" type="datetimeFigureOut">
               <a:rPr lang="en-US" smtClean="0"/>
-              <a:t>3/27/2020</a:t>
+              <a:t>9/7/2022</a:t>
             </a:fld>
             <a:endParaRPr lang="en-US"/>
           </a:p>
@@ -5454,13 +5720,6 @@
   <p:transition>
     <p:fade/>
   </p:transition>
-  <p:timing>
-    <p:tnLst>
-      <p:par>
-        <p:cTn id="1" dur="indefinite" restart="never" nodeType="tmRoot"/>
-      </p:par>
-    </p:tnLst>
-  </p:timing>
 </p:sldLayout>
 </file>
 
@@ -5638,7 +5897,7 @@
           <a:p>
             <a:fld id="{5958763E-B898-436D-883D-03711491D54A}" type="datetimeFigureOut">
               <a:rPr lang="en-US" smtClean="0"/>
-              <a:t>3/27/2020</a:t>
+              <a:t>9/7/2022</a:t>
             </a:fld>
             <a:endParaRPr lang="en-US"/>
           </a:p>
@@ -5711,13 +5970,6 @@
   <p:transition>
     <p:fade/>
   </p:transition>
-  <p:timing>
-    <p:tnLst>
-      <p:par>
-        <p:cTn id="1" dur="indefinite" restart="never" nodeType="tmRoot"/>
-      </p:par>
-    </p:tnLst>
-  </p:timing>
 </p:sldLayout>
 </file>
 
@@ -5993,7 +6245,7 @@
           <a:p>
             <a:fld id="{5958763E-B898-436D-883D-03711491D54A}" type="datetimeFigureOut">
               <a:rPr lang="en-US" smtClean="0"/>
-              <a:t>3/27/2020</a:t>
+              <a:t>9/7/2022</a:t>
             </a:fld>
             <a:endParaRPr lang="en-US"/>
           </a:p>
@@ -6054,13 +6306,6 @@
   <p:transition>
     <p:fade/>
   </p:transition>
-  <p:timing>
-    <p:tnLst>
-      <p:par>
-        <p:cTn id="1" dur="indefinite" restart="never" nodeType="tmRoot"/>
-      </p:par>
-    </p:tnLst>
-  </p:timing>
 </p:sldLayout>
 </file>
 
@@ -6416,7 +6661,7 @@
           <a:p>
             <a:fld id="{5958763E-B898-436D-883D-03711491D54A}" type="datetimeFigureOut">
               <a:rPr lang="en-US" smtClean="0"/>
-              <a:t>3/27/2020</a:t>
+              <a:t>9/7/2022</a:t>
             </a:fld>
             <a:endParaRPr lang="en-US"/>
           </a:p>
@@ -6477,13 +6722,6 @@
   <p:transition>
     <p:fade/>
   </p:transition>
-  <p:timing>
-    <p:tnLst>
-      <p:par>
-        <p:cTn id="1" dur="indefinite" restart="never" nodeType="tmRoot"/>
-      </p:par>
-    </p:tnLst>
-  </p:timing>
 </p:sldLayout>
 </file>
 
@@ -6924,7 +7162,7 @@
           <a:p>
             <a:fld id="{5958763E-B898-436D-883D-03711491D54A}" type="datetimeFigureOut">
               <a:rPr lang="en-US" smtClean="0"/>
-              <a:t>3/27/2020</a:t>
+              <a:t>9/7/2022</a:t>
             </a:fld>
             <a:endParaRPr lang="en-US"/>
           </a:p>
@@ -6985,13 +7223,6 @@
   <p:transition>
     <p:fade/>
   </p:transition>
-  <p:timing>
-    <p:tnLst>
-      <p:par>
-        <p:cTn id="1" dur="indefinite" restart="never" nodeType="tmRoot"/>
-      </p:par>
-    </p:tnLst>
-  </p:timing>
 </p:sldLayout>
 </file>
 
@@ -7382,7 +7613,7 @@
           <a:p>
             <a:fld id="{5958763E-B898-436D-883D-03711491D54A}" type="datetimeFigureOut">
               <a:rPr lang="en-US" smtClean="0"/>
-              <a:t>3/27/2020</a:t>
+              <a:t>9/7/2022</a:t>
             </a:fld>
             <a:endParaRPr lang="en-US"/>
           </a:p>
@@ -7443,13 +7674,6 @@
   <p:transition>
     <p:fade/>
   </p:transition>
-  <p:timing>
-    <p:tnLst>
-      <p:par>
-        <p:cTn id="1" dur="indefinite" restart="never" nodeType="tmRoot"/>
-      </p:par>
-    </p:tnLst>
-  </p:timing>
 </p:sldLayout>
 </file>
 
@@ -8000,7 +8224,7 @@
           <a:p>
             <a:fld id="{5958763E-B898-436D-883D-03711491D54A}" type="datetimeFigureOut">
               <a:rPr lang="en-US" smtClean="0"/>
-              <a:t>3/27/2020</a:t>
+              <a:t>9/7/2022</a:t>
             </a:fld>
             <a:endParaRPr lang="en-US"/>
           </a:p>
@@ -8061,13 +8285,6 @@
   <p:transition>
     <p:fade/>
   </p:transition>
-  <p:timing>
-    <p:tnLst>
-      <p:par>
-        <p:cTn id="1" dur="indefinite" restart="never" nodeType="tmRoot"/>
-      </p:par>
-    </p:tnLst>
-  </p:timing>
 </p:sldLayout>
 </file>
 
@@ -8778,7 +8995,7 @@
           <a:p>
             <a:fld id="{5958763E-B898-436D-883D-03711491D54A}" type="datetimeFigureOut">
               <a:rPr lang="en-US" smtClean="0"/>
-              <a:t>3/27/2020</a:t>
+              <a:t>9/7/2022</a:t>
             </a:fld>
             <a:endParaRPr lang="en-US"/>
           </a:p>
@@ -8839,13 +9056,6 @@
   <p:transition>
     <p:fade/>
   </p:transition>
-  <p:timing>
-    <p:tnLst>
-      <p:par>
-        <p:cTn id="1" dur="indefinite" restart="never" nodeType="tmRoot"/>
-      </p:par>
-    </p:tnLst>
-  </p:timing>
 </p:sldLayout>
 </file>
 
@@ -8889,7 +9099,7 @@
           <a:p>
             <a:fld id="{5958763E-B898-436D-883D-03711491D54A}" type="datetimeFigureOut">
               <a:rPr lang="en-US" smtClean="0"/>
-              <a:t>3/27/2020</a:t>
+              <a:t>9/7/2022</a:t>
             </a:fld>
             <a:endParaRPr lang="en-US"/>
           </a:p>
@@ -8962,13 +9172,6 @@
   <p:transition>
     <p:fade/>
   </p:transition>
-  <p:timing>
-    <p:tnLst>
-      <p:par>
-        <p:cTn id="1" dur="indefinite" restart="never" nodeType="tmRoot"/>
-      </p:par>
-    </p:tnLst>
-  </p:timing>
 </p:sldLayout>
 </file>
 
@@ -9048,7 +9251,7 @@
                 <a:spcPct val="0"/>
               </a:spcAft>
             </a:pPr>
-            <a:endParaRPr lang="en-US" sz="2400" dirty="0" err="1" smtClean="0">
+            <a:endParaRPr lang="en-US" sz="2400" dirty="0" err="1">
               <a:gradFill>
                 <a:gsLst>
                   <a:gs pos="0">
@@ -9181,15 +9384,7 @@
           <a:p>
             <a:r>
               <a:rPr lang="en-US" dirty="0"/>
-              <a:t>Click to edit Master </a:t>
-            </a:r>
-            <a:r>
-              <a:rPr lang="en-US" dirty="0" smtClean="0"/>
-              <a:t>subtitle </a:t>
-            </a:r>
-            <a:r>
-              <a:rPr lang="en-US" dirty="0"/>
-              <a:t>style</a:t>
+              <a:t>Click to edit Master subtitle style</a:t>
             </a:r>
           </a:p>
         </p:txBody>
@@ -9231,7 +9426,7 @@
             <a:fld id="{1C2D31DE-C454-491C-B5C3-F097855E3DF7}" type="datetime4">
               <a:rPr lang="en-US" smtClean="0"/>
               <a:pPr/>
-              <a:t>March 27, 2020</a:t>
+              <a:t>September 7, 2022</a:t>
             </a:fld>
             <a:endParaRPr lang="en-US" dirty="0"/>
           </a:p>
@@ -12305,17 +12500,16 @@
           <a:p>
             <a:pPr lvl="0"/>
             <a:r>
-              <a:rPr lang="en-US" dirty="0" smtClean="0"/>
+              <a:rPr lang="en-US" dirty="0"/>
               <a:t>Presenter Name</a:t>
             </a:r>
             <a:br>
-              <a:rPr lang="en-US" dirty="0" smtClean="0"/>
+              <a:rPr lang="en-US" dirty="0"/>
             </a:br>
             <a:r>
-              <a:rPr lang="en-US" dirty="0" smtClean="0"/>
+              <a:rPr lang="en-US" dirty="0"/>
               <a:t>Presenter Title</a:t>
             </a:r>
-            <a:endParaRPr lang="en-US" dirty="0"/>
           </a:p>
         </p:txBody>
       </p:sp>
@@ -12332,13 +12526,6 @@
   <p:transition>
     <p:fade/>
   </p:transition>
-  <p:timing>
-    <p:tnLst>
-      <p:par>
-        <p:cTn id="1" dur="indefinite" restart="never" nodeType="tmRoot"/>
-      </p:par>
-    </p:tnLst>
-  </p:timing>
   <p:hf sldNum="0" hdr="0" ftr="0"/>
 </p:sldLayout>
 </file>
@@ -12391,7 +12578,7 @@
           <a:p>
             <a:fld id="{5958763E-B898-436D-883D-03711491D54A}" type="datetimeFigureOut">
               <a:rPr lang="en-US" smtClean="0"/>
-              <a:t>3/27/2020</a:t>
+              <a:t>9/7/2022</a:t>
             </a:fld>
             <a:endParaRPr lang="en-US"/>
           </a:p>
@@ -12464,13 +12651,6 @@
   <p:transition>
     <p:fade/>
   </p:transition>
-  <p:timing>
-    <p:tnLst>
-      <p:par>
-        <p:cTn id="1" dur="indefinite" restart="never" nodeType="tmRoot"/>
-      </p:par>
-    </p:tnLst>
-  </p:timing>
 </p:sldLayout>
 </file>
 
@@ -12522,7 +12702,7 @@
           <a:p>
             <a:fld id="{5958763E-B898-436D-883D-03711491D54A}" type="datetimeFigureOut">
               <a:rPr lang="en-US" smtClean="0"/>
-              <a:t>3/27/2020</a:t>
+              <a:t>9/7/2022</a:t>
             </a:fld>
             <a:endParaRPr lang="en-US"/>
           </a:p>
@@ -12595,13 +12775,6 @@
   <p:transition>
     <p:fade/>
   </p:transition>
-  <p:timing>
-    <p:tnLst>
-      <p:par>
-        <p:cTn id="1" dur="indefinite" restart="never" nodeType="tmRoot"/>
-      </p:par>
-    </p:tnLst>
-  </p:timing>
 </p:sldLayout>
 </file>
 
@@ -12653,7 +12826,7 @@
           <a:p>
             <a:fld id="{5958763E-B898-436D-883D-03711491D54A}" type="datetimeFigureOut">
               <a:rPr lang="en-US" smtClean="0"/>
-              <a:t>3/27/2020</a:t>
+              <a:t>9/7/2022</a:t>
             </a:fld>
             <a:endParaRPr lang="en-US"/>
           </a:p>
@@ -12726,13 +12899,6 @@
   <p:transition>
     <p:fade/>
   </p:transition>
-  <p:timing>
-    <p:tnLst>
-      <p:par>
-        <p:cTn id="1" dur="indefinite" restart="never" nodeType="tmRoot"/>
-      </p:par>
-    </p:tnLst>
-  </p:timing>
 </p:sldLayout>
 </file>
 
@@ -12784,7 +12950,7 @@
           <a:p>
             <a:fld id="{5958763E-B898-436D-883D-03711491D54A}" type="datetimeFigureOut">
               <a:rPr lang="en-US" smtClean="0"/>
-              <a:t>3/27/2020</a:t>
+              <a:t>9/7/2022</a:t>
             </a:fld>
             <a:endParaRPr lang="en-US"/>
           </a:p>
@@ -12857,13 +13023,6 @@
   <p:transition>
     <p:fade/>
   </p:transition>
-  <p:timing>
-    <p:tnLst>
-      <p:par>
-        <p:cTn id="1" dur="indefinite" restart="never" nodeType="tmRoot"/>
-      </p:par>
-    </p:tnLst>
-  </p:timing>
 </p:sldLayout>
 </file>
 
@@ -12915,7 +13074,7 @@
           <a:p>
             <a:fld id="{5958763E-B898-436D-883D-03711491D54A}" type="datetimeFigureOut">
               <a:rPr lang="en-US" smtClean="0"/>
-              <a:t>3/27/2020</a:t>
+              <a:t>9/7/2022</a:t>
             </a:fld>
             <a:endParaRPr lang="en-US"/>
           </a:p>
@@ -12988,13 +13147,6 @@
   <p:transition>
     <p:fade/>
   </p:transition>
-  <p:timing>
-    <p:tnLst>
-      <p:par>
-        <p:cTn id="1" dur="indefinite" restart="never" nodeType="tmRoot"/>
-      </p:par>
-    </p:tnLst>
-  </p:timing>
 </p:sldLayout>
 </file>
 
@@ -13046,7 +13198,7 @@
           <a:p>
             <a:fld id="{5958763E-B898-436D-883D-03711491D54A}" type="datetimeFigureOut">
               <a:rPr lang="en-US" smtClean="0"/>
-              <a:t>3/27/2020</a:t>
+              <a:t>9/7/2022</a:t>
             </a:fld>
             <a:endParaRPr lang="en-US"/>
           </a:p>
@@ -13119,13 +13271,6 @@
   <p:transition>
     <p:fade/>
   </p:transition>
-  <p:timing>
-    <p:tnLst>
-      <p:par>
-        <p:cTn id="1" dur="indefinite" restart="never" nodeType="tmRoot"/>
-      </p:par>
-    </p:tnLst>
-  </p:timing>
 </p:sldLayout>
 </file>
 
@@ -13177,7 +13322,7 @@
           <a:p>
             <a:fld id="{5958763E-B898-436D-883D-03711491D54A}" type="datetimeFigureOut">
               <a:rPr lang="en-US" smtClean="0"/>
-              <a:t>3/27/2020</a:t>
+              <a:t>9/7/2022</a:t>
             </a:fld>
             <a:endParaRPr lang="en-US"/>
           </a:p>
@@ -13250,13 +13395,6 @@
   <p:transition>
     <p:fade/>
   </p:transition>
-  <p:timing>
-    <p:tnLst>
-      <p:par>
-        <p:cTn id="1" dur="indefinite" restart="never" nodeType="tmRoot"/>
-      </p:par>
-    </p:tnLst>
-  </p:timing>
 </p:sldLayout>
 </file>
 
@@ -13308,7 +13446,7 @@
           <a:p>
             <a:fld id="{5958763E-B898-436D-883D-03711491D54A}" type="datetimeFigureOut">
               <a:rPr lang="en-US" smtClean="0"/>
-              <a:t>3/27/2020</a:t>
+              <a:t>9/7/2022</a:t>
             </a:fld>
             <a:endParaRPr lang="en-US"/>
           </a:p>
@@ -13381,13 +13519,6 @@
   <p:transition>
     <p:fade/>
   </p:transition>
-  <p:timing>
-    <p:tnLst>
-      <p:par>
-        <p:cTn id="1" dur="indefinite" restart="never" nodeType="tmRoot"/>
-      </p:par>
-    </p:tnLst>
-  </p:timing>
 </p:sldLayout>
 </file>
 
@@ -13448,7 +13579,7 @@
           <a:p>
             <a:fld id="{5958763E-B898-436D-883D-03711491D54A}" type="datetimeFigureOut">
               <a:rPr lang="en-US" smtClean="0"/>
-              <a:t>3/27/2020</a:t>
+              <a:t>9/7/2022</a:t>
             </a:fld>
             <a:endParaRPr lang="en-US"/>
           </a:p>
@@ -13521,13 +13652,6 @@
   <p:transition>
     <p:fade/>
   </p:transition>
-  <p:timing>
-    <p:tnLst>
-      <p:par>
-        <p:cTn id="1" dur="indefinite" restart="never" nodeType="tmRoot"/>
-      </p:par>
-    </p:tnLst>
-  </p:timing>
 </p:sldLayout>
 </file>
 
@@ -16529,13 +16653,6 @@
   <p:transition>
     <p:fade/>
   </p:transition>
-  <p:timing>
-    <p:tnLst>
-      <p:par>
-        <p:cTn id="1" dur="indefinite" restart="never" nodeType="tmRoot"/>
-      </p:par>
-    </p:tnLst>
-  </p:timing>
 </p:sldLayout>
 </file>
 
@@ -16623,7 +16740,7 @@
                 <a:spcPct val="0"/>
               </a:spcAft>
             </a:pPr>
-            <a:endParaRPr lang="en-US" sz="2400" dirty="0" err="1" smtClean="0">
+            <a:endParaRPr lang="en-US" sz="2400" dirty="0" err="1">
               <a:gradFill>
                 <a:gsLst>
                   <a:gs pos="0">
@@ -16759,15 +16876,7 @@
           <a:p>
             <a:r>
               <a:rPr lang="en-US" dirty="0"/>
-              <a:t>Click to edit Master </a:t>
-            </a:r>
-            <a:r>
-              <a:rPr lang="en-US" dirty="0" smtClean="0"/>
-              <a:t>subtitle </a:t>
-            </a:r>
-            <a:r>
-              <a:rPr lang="en-US" dirty="0"/>
-              <a:t>style</a:t>
+              <a:t>Click to edit Master subtitle style</a:t>
             </a:r>
           </a:p>
         </p:txBody>
@@ -16809,7 +16918,7 @@
             <a:fld id="{1C2D31DE-C454-491C-B5C3-F097855E3DF7}" type="datetime4">
               <a:rPr lang="en-US" smtClean="0"/>
               <a:pPr/>
-              <a:t>March 27, 2020</a:t>
+              <a:t>September 7, 2022</a:t>
             </a:fld>
             <a:endParaRPr lang="en-US" dirty="0"/>
           </a:p>
@@ -19891,17 +20000,16 @@
           <a:p>
             <a:pPr lvl="0"/>
             <a:r>
-              <a:rPr lang="en-US" dirty="0" smtClean="0"/>
+              <a:rPr lang="en-US" dirty="0"/>
               <a:t>Presenter Name</a:t>
             </a:r>
             <a:br>
-              <a:rPr lang="en-US" dirty="0" smtClean="0"/>
+              <a:rPr lang="en-US" dirty="0"/>
             </a:br>
             <a:r>
-              <a:rPr lang="en-US" dirty="0" smtClean="0"/>
+              <a:rPr lang="en-US" dirty="0"/>
               <a:t>Presenter Title</a:t>
             </a:r>
-            <a:endParaRPr lang="en-US" dirty="0"/>
           </a:p>
         </p:txBody>
       </p:sp>
@@ -19918,13 +20026,6 @@
   <p:transition>
     <p:fade/>
   </p:transition>
-  <p:timing>
-    <p:tnLst>
-      <p:par>
-        <p:cTn id="1" dur="indefinite" restart="never" nodeType="tmRoot"/>
-      </p:par>
-    </p:tnLst>
-  </p:timing>
   <p:hf sldNum="0" hdr="0" ftr="0"/>
 </p:sldLayout>
 </file>
@@ -27434,10 +27535,9 @@
           <a:p>
             <a:pPr lvl="0"/>
             <a:r>
-              <a:rPr lang="en-US" dirty="0" smtClean="0"/>
+              <a:rPr lang="en-US" dirty="0"/>
               <a:t>&lt;Call to action&gt;</a:t>
             </a:r>
-            <a:endParaRPr lang="en-US" dirty="0"/>
           </a:p>
         </p:txBody>
       </p:sp>
@@ -29054,7 +29154,7 @@
           <a:p>
             <a:fld id="{5958763E-B898-436D-883D-03711491D54A}" type="datetimeFigureOut">
               <a:rPr lang="en-US" smtClean="0"/>
-              <a:t>3/27/2020</a:t>
+              <a:t>9/7/2022</a:t>
             </a:fld>
             <a:endParaRPr lang="en-US"/>
           </a:p>
@@ -29181,7 +29281,7 @@
                 <a:spcPct val="0"/>
               </a:spcAft>
             </a:pPr>
-            <a:endParaRPr lang="en-US" sz="2400" dirty="0" err="1" smtClean="0">
+            <a:endParaRPr lang="en-US" sz="2400" dirty="0" err="1">
               <a:gradFill>
                 <a:gsLst>
                   <a:gs pos="0">
@@ -29212,13 +29312,6 @@
   <p:transition>
     <p:fade/>
   </p:transition>
-  <p:timing>
-    <p:tnLst>
-      <p:par>
-        <p:cTn id="1" dur="indefinite" restart="never" nodeType="tmRoot"/>
-      </p:par>
-    </p:tnLst>
-  </p:timing>
 </p:sldLayout>
 </file>
 
@@ -29463,7 +29556,7 @@
           <a:p>
             <a:fld id="{5958763E-B898-436D-883D-03711491D54A}" type="datetimeFigureOut">
               <a:rPr lang="en-US" smtClean="0"/>
-              <a:t>3/27/2020</a:t>
+              <a:t>9/7/2022</a:t>
             </a:fld>
             <a:endParaRPr lang="en-US"/>
           </a:p>
@@ -29536,13 +29629,6 @@
   <p:transition>
     <p:fade/>
   </p:transition>
-  <p:timing>
-    <p:tnLst>
-      <p:par>
-        <p:cTn id="1" dur="indefinite" restart="never" nodeType="tmRoot"/>
-      </p:par>
-    </p:tnLst>
-  </p:timing>
 </p:sldLayout>
 </file>
 
@@ -29764,7 +29850,7 @@
           <a:p>
             <a:fld id="{5958763E-B898-436D-883D-03711491D54A}" type="datetimeFigureOut">
               <a:rPr lang="en-US" smtClean="0"/>
-              <a:t>3/27/2020</a:t>
+              <a:t>9/7/2022</a:t>
             </a:fld>
             <a:endParaRPr lang="en-US"/>
           </a:p>
@@ -29837,13 +29923,6 @@
   <p:transition>
     <p:fade/>
   </p:transition>
-  <p:timing>
-    <p:tnLst>
-      <p:par>
-        <p:cTn id="1" dur="indefinite" restart="never" nodeType="tmRoot"/>
-      </p:par>
-    </p:tnLst>
-  </p:timing>
 </p:sldLayout>
 </file>
 
@@ -29972,7 +30051,7 @@
           <a:p>
             <a:fld id="{5958763E-B898-436D-883D-03711491D54A}" type="datetimeFigureOut">
               <a:rPr lang="en-US" smtClean="0"/>
-              <a:t>3/27/2020</a:t>
+              <a:t>9/7/2022</a:t>
             </a:fld>
             <a:endParaRPr lang="en-US"/>
           </a:p>
@@ -30095,13 +30174,6 @@
   <p:transition>
     <p:fade/>
   </p:transition>
-  <p:timing>
-    <p:tnLst>
-      <p:par>
-        <p:cTn id="1" dur="indefinite" restart="never" nodeType="tmRoot"/>
-      </p:par>
-    </p:tnLst>
-  </p:timing>
 </p:sldLayout>
 </file>
 
@@ -30240,7 +30312,7 @@
           <a:p>
             <a:fld id="{5958763E-B898-436D-883D-03711491D54A}" type="datetimeFigureOut">
               <a:rPr lang="en-US" smtClean="0"/>
-              <a:t>3/27/2020</a:t>
+              <a:t>9/7/2022</a:t>
             </a:fld>
             <a:endParaRPr lang="en-US"/>
           </a:p>
@@ -30367,13 +30439,6 @@
   <p:transition>
     <p:fade/>
   </p:transition>
-  <p:timing>
-    <p:tnLst>
-      <p:par>
-        <p:cTn id="1" dur="indefinite" restart="never" nodeType="tmRoot"/>
-      </p:par>
-    </p:tnLst>
-  </p:timing>
 </p:sldLayout>
 </file>
 
@@ -30535,7 +30600,7 @@
                 <a:spcPct val="0"/>
               </a:spcAft>
             </a:pPr>
-            <a:endParaRPr lang="en-US" sz="2400" dirty="0" err="1" smtClean="0">
+            <a:endParaRPr lang="en-US" sz="2400" dirty="0" err="1">
               <a:gradFill>
                 <a:gsLst>
                   <a:gs pos="0">
@@ -30586,10 +30651,9 @@
           </a:lstStyle>
           <a:p>
             <a:r>
-              <a:rPr lang="en-US" dirty="0" smtClean="0"/>
+              <a:rPr lang="en-US" dirty="0"/>
               <a:t>Type “Agenda”</a:t>
             </a:r>
-            <a:endParaRPr lang="en-US" dirty="0"/>
           </a:p>
         </p:txBody>
       </p:sp>
@@ -30713,24 +30777,23 @@
           <a:p>
             <a:pPr lvl="0"/>
             <a:r>
-              <a:rPr lang="en-US" dirty="0" smtClean="0"/>
+              <a:rPr lang="en-US" dirty="0"/>
               <a:t>Item 1</a:t>
             </a:r>
           </a:p>
           <a:p>
             <a:pPr lvl="0"/>
             <a:r>
-              <a:rPr lang="en-US" dirty="0" smtClean="0"/>
+              <a:rPr lang="en-US" dirty="0"/>
               <a:t>Item 2</a:t>
             </a:r>
           </a:p>
           <a:p>
             <a:pPr lvl="0"/>
             <a:r>
-              <a:rPr lang="en-US" dirty="0" smtClean="0"/>
+              <a:rPr lang="en-US" dirty="0"/>
               <a:t>Item 3</a:t>
             </a:r>
-            <a:endParaRPr lang="en-US" dirty="0"/>
           </a:p>
         </p:txBody>
       </p:sp>
@@ -30757,7 +30820,7 @@
           <a:p>
             <a:fld id="{5958763E-B898-436D-883D-03711491D54A}" type="datetimeFigureOut">
               <a:rPr lang="en-US" smtClean="0"/>
-              <a:t>3/27/2020</a:t>
+              <a:t>9/7/2022</a:t>
             </a:fld>
             <a:endParaRPr lang="en-US"/>
           </a:p>
@@ -30864,13 +30927,6 @@
   <p:transition>
     <p:fade/>
   </p:transition>
-  <p:timing>
-    <p:tnLst>
-      <p:par>
-        <p:cTn id="1" dur="indefinite" restart="never" nodeType="tmRoot"/>
-      </p:par>
-    </p:tnLst>
-  </p:timing>
 </p:sldLayout>
 </file>
 
@@ -31032,7 +31088,7 @@
                 <a:spcPct val="0"/>
               </a:spcAft>
             </a:pPr>
-            <a:endParaRPr lang="en-US" sz="2400" dirty="0" err="1" smtClean="0">
+            <a:endParaRPr lang="en-US" sz="2400" dirty="0" err="1">
               <a:gradFill>
                 <a:gsLst>
                   <a:gs pos="0">
@@ -31085,10 +31141,9 @@
           </a:lstStyle>
           <a:p>
             <a:r>
-              <a:rPr lang="en-US" dirty="0" smtClean="0"/>
+              <a:rPr lang="en-US" dirty="0"/>
               <a:t>Notable Quote</a:t>
             </a:r>
-            <a:endParaRPr lang="en-US" dirty="0"/>
           </a:p>
         </p:txBody>
       </p:sp>
@@ -31215,10 +31270,9 @@
           <a:p>
             <a:pPr lvl="0"/>
             <a:r>
-              <a:rPr lang="en-US" dirty="0" smtClean="0"/>
+              <a:rPr lang="en-US" dirty="0"/>
               <a:t>– Attribution</a:t>
             </a:r>
-            <a:endParaRPr lang="en-US" dirty="0"/>
           </a:p>
         </p:txBody>
       </p:sp>
@@ -31245,7 +31299,7 @@
           <a:p>
             <a:fld id="{5958763E-B898-436D-883D-03711491D54A}" type="datetimeFigureOut">
               <a:rPr lang="en-US" smtClean="0"/>
-              <a:t>3/27/2020</a:t>
+              <a:t>9/7/2022</a:t>
             </a:fld>
             <a:endParaRPr lang="en-US"/>
           </a:p>
@@ -31993,13 +32047,6 @@
   <p:transition>
     <p:fade/>
   </p:transition>
-  <p:timing>
-    <p:tnLst>
-      <p:par>
-        <p:cTn id="1" dur="indefinite" restart="never" nodeType="tmRoot"/>
-      </p:par>
-    </p:tnLst>
-  </p:timing>
 </p:sldLayout>
 </file>
 
@@ -32071,7 +32118,7 @@
           <a:p>
             <a:fld id="{5958763E-B898-436D-883D-03711491D54A}" type="datetimeFigureOut">
               <a:rPr lang="en-US" smtClean="0"/>
-              <a:t>3/27/2020</a:t>
+              <a:t>9/7/2022</a:t>
             </a:fld>
             <a:endParaRPr lang="en-US"/>
           </a:p>
@@ -32144,13 +32191,6 @@
   <p:transition>
     <p:fade/>
   </p:transition>
-  <p:timing>
-    <p:tnLst>
-      <p:par>
-        <p:cTn id="1" dur="indefinite" restart="never" nodeType="tmRoot"/>
-      </p:par>
-    </p:tnLst>
-  </p:timing>
 </p:sldLayout>
 </file>
 
@@ -32279,7 +32319,7 @@
           <a:p>
             <a:fld id="{5958763E-B898-436D-883D-03711491D54A}" type="datetimeFigureOut">
               <a:rPr lang="en-US" smtClean="0"/>
-              <a:t>3/27/2020</a:t>
+              <a:t>9/7/2022</a:t>
             </a:fld>
             <a:endParaRPr lang="en-US"/>
           </a:p>
@@ -32402,13 +32442,6 @@
   <p:transition>
     <p:fade/>
   </p:transition>
-  <p:timing>
-    <p:tnLst>
-      <p:par>
-        <p:cTn id="1" dur="indefinite" restart="never" nodeType="tmRoot"/>
-      </p:par>
-    </p:tnLst>
-  </p:timing>
 </p:sldLayout>
 </file>
 
@@ -32621,7 +32654,7 @@
           <a:p>
             <a:fld id="{5958763E-B898-436D-883D-03711491D54A}" type="datetimeFigureOut">
               <a:rPr lang="en-US" smtClean="0"/>
-              <a:t>3/27/2020</a:t>
+              <a:t>9/7/2022</a:t>
             </a:fld>
             <a:endParaRPr lang="en-US"/>
           </a:p>
@@ -32694,13 +32727,6 @@
   <p:transition>
     <p:fade/>
   </p:transition>
-  <p:timing>
-    <p:tnLst>
-      <p:par>
-        <p:cTn id="1" dur="indefinite" restart="never" nodeType="tmRoot"/>
-      </p:par>
-    </p:tnLst>
-  </p:timing>
 </p:sldLayout>
 </file>
 
@@ -32858,7 +32884,7 @@
           <a:p>
             <a:fld id="{5958763E-B898-436D-883D-03711491D54A}" type="datetimeFigureOut">
               <a:rPr lang="en-US" smtClean="0"/>
-              <a:t>3/27/2020</a:t>
+              <a:t>9/7/2022</a:t>
             </a:fld>
             <a:endParaRPr lang="en-US"/>
           </a:p>
@@ -32931,13 +32957,6 @@
   <p:transition>
     <p:fade/>
   </p:transition>
-  <p:timing>
-    <p:tnLst>
-      <p:par>
-        <p:cTn id="1" dur="indefinite" restart="never" nodeType="tmRoot"/>
-      </p:par>
-    </p:tnLst>
-  </p:timing>
 </p:sldLayout>
 </file>
 
@@ -33109,7 +33128,7 @@
           <a:p>
             <a:fld id="{5958763E-B898-436D-883D-03711491D54A}" type="datetimeFigureOut">
               <a:rPr lang="en-US" smtClean="0"/>
-              <a:t>3/27/2020</a:t>
+              <a:t>9/7/2022</a:t>
             </a:fld>
             <a:endParaRPr lang="en-US"/>
           </a:p>
@@ -33255,13 +33274,6 @@
   <p:transition>
     <p:fade/>
   </p:transition>
-  <p:timing>
-    <p:tnLst>
-      <p:par>
-        <p:cTn id="1" dur="indefinite" restart="never" nodeType="tmRoot"/>
-      </p:par>
-    </p:tnLst>
-  </p:timing>
   <p:txStyles>
     <p:titleStyle>
       <a:lvl1pPr algn="l" defTabSz="914400" rtl="0" eaLnBrk="1" latinLnBrk="0" hangingPunct="1">
@@ -33566,7 +33578,7 @@
       </a:lvl9pPr>
     </p:otherStyle>
   </p:txStyles>
-  <p:extLst mod="1">
+  <p:extLst>
     <p:ext uri="{27BBF7A9-308A-43DC-89C8-2F10F3537804}">
       <p15:sldGuideLst xmlns:p15="http://schemas.microsoft.com/office/powerpoint/2012/main">
         <p15:guide id="1" orient="horz" pos="2160" userDrawn="1">
@@ -33645,10 +33657,9 @@
           <a:lstStyle/>
           <a:p>
             <a:r>
-              <a:rPr lang="en-US" sz="6600" dirty="0" smtClean="0"/>
+              <a:rPr lang="en-US" sz="6600" dirty="0"/>
               <a:t>Function Parameters</a:t>
             </a:r>
-            <a:endParaRPr lang="en-US" sz="6600" dirty="0"/>
           </a:p>
         </p:txBody>
       </p:sp>
@@ -33673,11 +33684,11 @@
           <a:lstStyle/>
           <a:p>
             <a:r>
-              <a:rPr lang="en-US" dirty="0" smtClean="0"/>
+              <a:rPr lang="en-US" dirty="0"/>
               <a:t>Hy-Tech Club: </a:t>
             </a:r>
             <a:r>
-              <a:rPr lang="en-US" smtClean="0"/>
+              <a:rPr lang="en-US"/>
               <a:t>Web 102</a:t>
             </a:r>
             <a:endParaRPr lang="en-US" dirty="0"/>
@@ -36665,13 +36676,2809 @@
   <p:transition>
     <p:fade/>
   </p:transition>
+</p:sld>
+</file>
+
+<file path=ppt/slides/slide10.xml><?xml version="1.0" encoding="utf-8"?>
+<p:sld xmlns:a="http://schemas.openxmlformats.org/drawingml/2006/main" xmlns:r="http://schemas.openxmlformats.org/officeDocument/2006/relationships" xmlns:p="http://schemas.openxmlformats.org/presentationml/2006/main">
+  <p:cSld>
+    <p:bg>
+      <p:bgPr>
+        <a:solidFill>
+          <a:schemeClr val="tx1">
+            <a:lumMod val="50000"/>
+          </a:schemeClr>
+        </a:solidFill>
+        <a:effectLst/>
+      </p:bgPr>
+    </p:bg>
+    <p:spTree>
+      <p:nvGrpSpPr>
+        <p:cNvPr id="1" name=""/>
+        <p:cNvGrpSpPr/>
+        <p:nvPr/>
+      </p:nvGrpSpPr>
+      <p:grpSpPr>
+        <a:xfrm>
+          <a:off x="0" y="0"/>
+          <a:ext cx="0" cy="0"/>
+          <a:chOff x="0" y="0"/>
+          <a:chExt cx="0" cy="0"/>
+        </a:xfrm>
+      </p:grpSpPr>
+      <p:sp>
+        <p:nvSpPr>
+          <p:cNvPr id="2" name="Title 1"/>
+          <p:cNvSpPr>
+            <a:spLocks noGrp="1"/>
+          </p:cNvSpPr>
+          <p:nvPr>
+            <p:ph type="title"/>
+          </p:nvPr>
+        </p:nvSpPr>
+        <p:spPr/>
+        <p:txBody>
+          <a:bodyPr/>
+          <a:lstStyle/>
+          <a:p>
+            <a:r>
+              <a:rPr lang="en-US" dirty="0"/>
+              <a:t>Built-in functions… with output</a:t>
+            </a:r>
+          </a:p>
+        </p:txBody>
+      </p:sp>
+      <p:sp>
+        <p:nvSpPr>
+          <p:cNvPr id="3" name="Content Placeholder 2"/>
+          <p:cNvSpPr>
+            <a:spLocks noGrp="1"/>
+          </p:cNvSpPr>
+          <p:nvPr>
+            <p:ph idx="1"/>
+          </p:nvPr>
+        </p:nvSpPr>
+        <p:spPr/>
+        <p:txBody>
+          <a:bodyPr>
+            <a:normAutofit lnSpcReduction="10000"/>
+          </a:bodyPr>
+          <a:lstStyle/>
+          <a:p>
+            <a:pPr marL="57150" indent="0">
+              <a:buNone/>
+            </a:pPr>
+            <a:r>
+              <a:rPr lang="en-US" sz="4000" dirty="0">
+                <a:solidFill>
+                  <a:srgbClr val="9CDCFE"/>
+                </a:solidFill>
+                <a:latin typeface="Consolas" panose="020B0609020204030204" pitchFamily="49" charset="0"/>
+              </a:rPr>
+              <a:t>let</a:t>
+            </a:r>
+            <a:r>
+              <a:rPr lang="en-US" sz="4000" dirty="0">
+                <a:solidFill>
+                  <a:schemeClr val="bg1"/>
+                </a:solidFill>
+                <a:latin typeface="Consolas" panose="020B0609020204030204" pitchFamily="49" charset="0"/>
+              </a:rPr>
+              <a:t> x =</a:t>
+            </a:r>
+            <a:r>
+              <a:rPr lang="en-US" sz="4000" dirty="0">
+                <a:solidFill>
+                  <a:srgbClr val="DCDCAA"/>
+                </a:solidFill>
+                <a:latin typeface="Consolas" panose="020B0609020204030204" pitchFamily="49" charset="0"/>
+              </a:rPr>
+              <a:t> prompt</a:t>
+            </a:r>
+            <a:r>
+              <a:rPr lang="en-US" sz="4000" dirty="0">
+                <a:solidFill>
+                  <a:srgbClr val="D4D4D4"/>
+                </a:solidFill>
+                <a:latin typeface="Consolas" panose="020B0609020204030204" pitchFamily="49" charset="0"/>
+              </a:rPr>
+              <a:t>(</a:t>
+            </a:r>
+            <a:r>
+              <a:rPr lang="en-US" sz="4000" dirty="0">
+                <a:solidFill>
+                  <a:srgbClr val="CE9178"/>
+                </a:solidFill>
+                <a:latin typeface="Consolas" panose="020B0609020204030204" pitchFamily="49" charset="0"/>
+              </a:rPr>
+              <a:t>"Hello"</a:t>
+            </a:r>
+            <a:r>
+              <a:rPr lang="en-US" sz="4000" dirty="0">
+                <a:solidFill>
+                  <a:srgbClr val="D4D4D4"/>
+                </a:solidFill>
+                <a:latin typeface="Consolas" panose="020B0609020204030204" pitchFamily="49" charset="0"/>
+              </a:rPr>
+              <a:t>);</a:t>
+            </a:r>
+          </a:p>
+          <a:p>
+            <a:pPr marL="57150" indent="0">
+              <a:buNone/>
+            </a:pPr>
+            <a:r>
+              <a:rPr lang="en-US" sz="4000" dirty="0">
+                <a:solidFill>
+                  <a:srgbClr val="9CDCFE"/>
+                </a:solidFill>
+                <a:latin typeface="Consolas" panose="020B0609020204030204" pitchFamily="49" charset="0"/>
+              </a:rPr>
+              <a:t>let</a:t>
+            </a:r>
+            <a:r>
+              <a:rPr lang="en-US" sz="4000" dirty="0">
+                <a:solidFill>
+                  <a:schemeClr val="bg1"/>
+                </a:solidFill>
+                <a:latin typeface="Consolas" panose="020B0609020204030204" pitchFamily="49" charset="0"/>
+              </a:rPr>
+              <a:t> y =</a:t>
+            </a:r>
+            <a:r>
+              <a:rPr lang="en-US" sz="4000" dirty="0">
+                <a:solidFill>
+                  <a:srgbClr val="DCDCAA"/>
+                </a:solidFill>
+                <a:latin typeface="Consolas" panose="020B0609020204030204" pitchFamily="49" charset="0"/>
+              </a:rPr>
+              <a:t> </a:t>
+            </a:r>
+            <a:r>
+              <a:rPr lang="en-US" sz="4000" dirty="0" err="1">
+                <a:solidFill>
+                  <a:srgbClr val="9CDCFE"/>
+                </a:solidFill>
+                <a:latin typeface="Consolas" panose="020B0609020204030204" pitchFamily="49" charset="0"/>
+              </a:rPr>
+              <a:t>document</a:t>
+            </a:r>
+            <a:r>
+              <a:rPr lang="en-US" sz="4000" dirty="0" err="1">
+                <a:solidFill>
+                  <a:srgbClr val="D4D4D4"/>
+                </a:solidFill>
+                <a:latin typeface="Consolas" panose="020B0609020204030204" pitchFamily="49" charset="0"/>
+              </a:rPr>
+              <a:t>.</a:t>
+            </a:r>
+            <a:r>
+              <a:rPr lang="en-US" sz="4000" dirty="0" err="1">
+                <a:solidFill>
+                  <a:srgbClr val="DCDCAA"/>
+                </a:solidFill>
+                <a:latin typeface="Consolas" panose="020B0609020204030204" pitchFamily="49" charset="0"/>
+              </a:rPr>
+              <a:t>querySelector</a:t>
+            </a:r>
+            <a:r>
+              <a:rPr lang="en-US" sz="4000" dirty="0">
+                <a:solidFill>
+                  <a:srgbClr val="D4D4D4"/>
+                </a:solidFill>
+                <a:latin typeface="Consolas" panose="020B0609020204030204" pitchFamily="49" charset="0"/>
+              </a:rPr>
+              <a:t>(</a:t>
+            </a:r>
+            <a:r>
+              <a:rPr lang="en-US" sz="4000" dirty="0">
+                <a:solidFill>
+                  <a:srgbClr val="CE9178"/>
+                </a:solidFill>
+                <a:latin typeface="Consolas" panose="020B0609020204030204" pitchFamily="49" charset="0"/>
+              </a:rPr>
+              <a:t>"#text"</a:t>
+            </a:r>
+            <a:r>
+              <a:rPr lang="en-US" sz="4000" dirty="0">
+                <a:solidFill>
+                  <a:srgbClr val="D4D4D4"/>
+                </a:solidFill>
+                <a:latin typeface="Consolas" panose="020B0609020204030204" pitchFamily="49" charset="0"/>
+              </a:rPr>
+              <a:t>);</a:t>
+            </a:r>
+          </a:p>
+          <a:p>
+            <a:pPr marL="57150" indent="0">
+              <a:buNone/>
+            </a:pPr>
+            <a:r>
+              <a:rPr lang="en-US" sz="4000" dirty="0">
+                <a:solidFill>
+                  <a:srgbClr val="9CDCFE"/>
+                </a:solidFill>
+                <a:latin typeface="Consolas" panose="020B0609020204030204" pitchFamily="49" charset="0"/>
+              </a:rPr>
+              <a:t>let</a:t>
+            </a:r>
+            <a:r>
+              <a:rPr lang="en-US" sz="4000" dirty="0">
+                <a:solidFill>
+                  <a:schemeClr val="bg1"/>
+                </a:solidFill>
+                <a:latin typeface="Consolas" panose="020B0609020204030204" pitchFamily="49" charset="0"/>
+              </a:rPr>
+              <a:t> z =</a:t>
+            </a:r>
+            <a:r>
+              <a:rPr lang="en-US" sz="4000" dirty="0">
+                <a:solidFill>
+                  <a:srgbClr val="DCDCAA"/>
+                </a:solidFill>
+                <a:latin typeface="Consolas" panose="020B0609020204030204" pitchFamily="49" charset="0"/>
+              </a:rPr>
+              <a:t> </a:t>
+            </a:r>
+            <a:r>
+              <a:rPr lang="en-US" sz="4000" dirty="0" err="1">
+                <a:solidFill>
+                  <a:srgbClr val="9CDCFE"/>
+                </a:solidFill>
+                <a:latin typeface="Consolas" panose="020B0609020204030204" pitchFamily="49" charset="0"/>
+              </a:rPr>
+              <a:t>document</a:t>
+            </a:r>
+            <a:r>
+              <a:rPr lang="en-US" sz="4000" dirty="0" err="1">
+                <a:solidFill>
+                  <a:srgbClr val="D4D4D4"/>
+                </a:solidFill>
+                <a:latin typeface="Consolas" panose="020B0609020204030204" pitchFamily="49" charset="0"/>
+              </a:rPr>
+              <a:t>.</a:t>
+            </a:r>
+            <a:r>
+              <a:rPr lang="en-US" sz="4000" dirty="0" err="1">
+                <a:solidFill>
+                  <a:srgbClr val="DCDCAA"/>
+                </a:solidFill>
+                <a:latin typeface="Consolas" panose="020B0609020204030204" pitchFamily="49" charset="0"/>
+              </a:rPr>
+              <a:t>createElement</a:t>
+            </a:r>
+            <a:r>
+              <a:rPr lang="en-US" sz="4000" dirty="0">
+                <a:solidFill>
+                  <a:srgbClr val="D4D4D4"/>
+                </a:solidFill>
+                <a:latin typeface="Consolas" panose="020B0609020204030204" pitchFamily="49" charset="0"/>
+              </a:rPr>
+              <a:t>(</a:t>
+            </a:r>
+            <a:r>
+              <a:rPr lang="en-US" sz="4000" dirty="0">
+                <a:solidFill>
+                  <a:srgbClr val="CE9178"/>
+                </a:solidFill>
+                <a:latin typeface="Consolas" panose="020B0609020204030204" pitchFamily="49" charset="0"/>
+              </a:rPr>
+              <a:t>"ul"</a:t>
+            </a:r>
+            <a:r>
+              <a:rPr lang="en-US" sz="4000" dirty="0">
+                <a:solidFill>
+                  <a:srgbClr val="D4D4D4"/>
+                </a:solidFill>
+                <a:latin typeface="Consolas" panose="020B0609020204030204" pitchFamily="49" charset="0"/>
+              </a:rPr>
+              <a:t>);</a:t>
+            </a:r>
+            <a:endParaRPr lang="en-US" sz="4000" dirty="0">
+              <a:solidFill>
+                <a:schemeClr val="bg1"/>
+              </a:solidFill>
+            </a:endParaRPr>
+          </a:p>
+          <a:p>
+            <a:endParaRPr lang="en-US" dirty="0">
+              <a:solidFill>
+                <a:schemeClr val="bg1"/>
+              </a:solidFill>
+            </a:endParaRPr>
+          </a:p>
+          <a:p>
+            <a:pPr marL="57150" indent="0">
+              <a:buNone/>
+            </a:pPr>
+            <a:r>
+              <a:rPr lang="en-US" sz="5400" dirty="0">
+                <a:solidFill>
+                  <a:schemeClr val="bg2">
+                    <a:lumMod val="90000"/>
+                  </a:schemeClr>
+                </a:solidFill>
+              </a:rPr>
+              <a:t>These functions give some </a:t>
+            </a:r>
+            <a:r>
+              <a:rPr lang="en-US" sz="5400" dirty="0">
+                <a:solidFill>
+                  <a:schemeClr val="bg1"/>
+                </a:solidFill>
+              </a:rPr>
+              <a:t>output</a:t>
+            </a:r>
+            <a:r>
+              <a:rPr lang="en-US" sz="5400" dirty="0">
+                <a:solidFill>
+                  <a:schemeClr val="bg2">
+                    <a:lumMod val="90000"/>
+                  </a:schemeClr>
+                </a:solidFill>
+              </a:rPr>
+              <a:t> – the </a:t>
+            </a:r>
+            <a:r>
+              <a:rPr lang="en-US" sz="5400" b="1" dirty="0">
+                <a:solidFill>
+                  <a:schemeClr val="bg1"/>
+                </a:solidFill>
+                <a:latin typeface="Consolas" panose="020B0609020204030204" pitchFamily="49" charset="0"/>
+              </a:rPr>
+              <a:t>x</a:t>
+            </a:r>
+            <a:r>
+              <a:rPr lang="en-US" sz="5400" dirty="0">
+                <a:solidFill>
+                  <a:schemeClr val="bg2">
+                    <a:lumMod val="90000"/>
+                  </a:schemeClr>
+                </a:solidFill>
+              </a:rPr>
+              <a:t>, </a:t>
+            </a:r>
+            <a:r>
+              <a:rPr lang="en-US" sz="5400" b="1" dirty="0">
+                <a:solidFill>
+                  <a:schemeClr val="bg1"/>
+                </a:solidFill>
+                <a:latin typeface="Consolas" panose="020B0609020204030204" pitchFamily="49" charset="0"/>
+              </a:rPr>
+              <a:t>y</a:t>
+            </a:r>
+            <a:r>
+              <a:rPr lang="en-US" sz="5400" dirty="0">
+                <a:solidFill>
+                  <a:schemeClr val="bg2">
+                    <a:lumMod val="90000"/>
+                  </a:schemeClr>
+                </a:solidFill>
+              </a:rPr>
+              <a:t>, and </a:t>
+            </a:r>
+            <a:r>
+              <a:rPr lang="en-US" sz="5400" b="1" dirty="0">
+                <a:solidFill>
+                  <a:schemeClr val="bg1"/>
+                </a:solidFill>
+                <a:latin typeface="Consolas" panose="020B0609020204030204" pitchFamily="49" charset="0"/>
+              </a:rPr>
+              <a:t>z</a:t>
+            </a:r>
+            <a:r>
+              <a:rPr lang="en-US" sz="5400" dirty="0">
+                <a:solidFill>
+                  <a:schemeClr val="bg2">
+                    <a:lumMod val="90000"/>
+                  </a:schemeClr>
+                </a:solidFill>
+              </a:rPr>
+              <a:t> variables are set based on what the function </a:t>
+            </a:r>
+            <a:r>
+              <a:rPr lang="en-US" sz="5400" i="1" dirty="0">
+                <a:solidFill>
+                  <a:schemeClr val="bg1"/>
+                </a:solidFill>
+              </a:rPr>
+              <a:t>returns</a:t>
+            </a:r>
+            <a:endParaRPr lang="en-US" sz="6000" i="1" dirty="0">
+              <a:solidFill>
+                <a:schemeClr val="bg1"/>
+              </a:solidFill>
+            </a:endParaRPr>
+          </a:p>
+        </p:txBody>
+      </p:sp>
+    </p:spTree>
+    <p:extLst>
+      <p:ext uri="{BB962C8B-B14F-4D97-AF65-F5344CB8AC3E}">
+        <p14:creationId xmlns:p14="http://schemas.microsoft.com/office/powerpoint/2010/main" val="4007094073"/>
+      </p:ext>
+    </p:extLst>
+  </p:cSld>
+  <p:clrMapOvr>
+    <a:masterClrMapping/>
+  </p:clrMapOvr>
+  <p:transition>
+    <p:fade/>
+  </p:transition>
   <p:timing>
     <p:tnLst>
       <p:par>
-        <p:cTn id="1" dur="indefinite" restart="never" nodeType="tmRoot"/>
+        <p:cTn id="1" dur="indefinite" restart="never" nodeType="tmRoot">
+          <p:childTnLst>
+            <p:seq concurrent="1" nextAc="seek">
+              <p:cTn id="2" dur="indefinite" nodeType="mainSeq">
+                <p:childTnLst>
+                  <p:par>
+                    <p:cTn id="3" fill="hold">
+                      <p:stCondLst>
+                        <p:cond delay="indefinite"/>
+                      </p:stCondLst>
+                      <p:childTnLst>
+                        <p:par>
+                          <p:cTn id="4" fill="hold">
+                            <p:stCondLst>
+                              <p:cond delay="0"/>
+                            </p:stCondLst>
+                            <p:childTnLst>
+                              <p:par>
+                                <p:cTn id="5" presetID="10" presetClass="entr" presetSubtype="0" fill="hold" grpId="0" nodeType="clickEffect">
+                                  <p:stCondLst>
+                                    <p:cond delay="0"/>
+                                  </p:stCondLst>
+                                  <p:childTnLst>
+                                    <p:set>
+                                      <p:cBhvr>
+                                        <p:cTn id="6" dur="1" fill="hold">
+                                          <p:stCondLst>
+                                            <p:cond delay="0"/>
+                                          </p:stCondLst>
+                                        </p:cTn>
+                                        <p:tgtEl>
+                                          <p:spTgt spid="3">
+                                            <p:txEl>
+                                              <p:pRg st="0" end="0"/>
+                                            </p:txEl>
+                                          </p:spTgt>
+                                        </p:tgtEl>
+                                        <p:attrNameLst>
+                                          <p:attrName>style.visibility</p:attrName>
+                                        </p:attrNameLst>
+                                      </p:cBhvr>
+                                      <p:to>
+                                        <p:strVal val="visible"/>
+                                      </p:to>
+                                    </p:set>
+                                    <p:animEffect transition="in" filter="fade">
+                                      <p:cBhvr>
+                                        <p:cTn id="7" dur="500"/>
+                                        <p:tgtEl>
+                                          <p:spTgt spid="3">
+                                            <p:txEl>
+                                              <p:pRg st="0" end="0"/>
+                                            </p:txEl>
+                                          </p:spTgt>
+                                        </p:tgtEl>
+                                      </p:cBhvr>
+                                    </p:animEffect>
+                                  </p:childTnLst>
+                                </p:cTn>
+                              </p:par>
+                            </p:childTnLst>
+                          </p:cTn>
+                        </p:par>
+                      </p:childTnLst>
+                    </p:cTn>
+                  </p:par>
+                  <p:par>
+                    <p:cTn id="8" fill="hold">
+                      <p:stCondLst>
+                        <p:cond delay="indefinite"/>
+                      </p:stCondLst>
+                      <p:childTnLst>
+                        <p:par>
+                          <p:cTn id="9" fill="hold">
+                            <p:stCondLst>
+                              <p:cond delay="0"/>
+                            </p:stCondLst>
+                            <p:childTnLst>
+                              <p:par>
+                                <p:cTn id="10" presetID="10" presetClass="entr" presetSubtype="0" fill="hold" grpId="0" nodeType="clickEffect">
+                                  <p:stCondLst>
+                                    <p:cond delay="0"/>
+                                  </p:stCondLst>
+                                  <p:childTnLst>
+                                    <p:set>
+                                      <p:cBhvr>
+                                        <p:cTn id="11" dur="1" fill="hold">
+                                          <p:stCondLst>
+                                            <p:cond delay="0"/>
+                                          </p:stCondLst>
+                                        </p:cTn>
+                                        <p:tgtEl>
+                                          <p:spTgt spid="3">
+                                            <p:txEl>
+                                              <p:pRg st="1" end="1"/>
+                                            </p:txEl>
+                                          </p:spTgt>
+                                        </p:tgtEl>
+                                        <p:attrNameLst>
+                                          <p:attrName>style.visibility</p:attrName>
+                                        </p:attrNameLst>
+                                      </p:cBhvr>
+                                      <p:to>
+                                        <p:strVal val="visible"/>
+                                      </p:to>
+                                    </p:set>
+                                    <p:animEffect transition="in" filter="fade">
+                                      <p:cBhvr>
+                                        <p:cTn id="12" dur="500"/>
+                                        <p:tgtEl>
+                                          <p:spTgt spid="3">
+                                            <p:txEl>
+                                              <p:pRg st="1" end="1"/>
+                                            </p:txEl>
+                                          </p:spTgt>
+                                        </p:tgtEl>
+                                      </p:cBhvr>
+                                    </p:animEffect>
+                                  </p:childTnLst>
+                                </p:cTn>
+                              </p:par>
+                            </p:childTnLst>
+                          </p:cTn>
+                        </p:par>
+                      </p:childTnLst>
+                    </p:cTn>
+                  </p:par>
+                  <p:par>
+                    <p:cTn id="13" fill="hold">
+                      <p:stCondLst>
+                        <p:cond delay="indefinite"/>
+                      </p:stCondLst>
+                      <p:childTnLst>
+                        <p:par>
+                          <p:cTn id="14" fill="hold">
+                            <p:stCondLst>
+                              <p:cond delay="0"/>
+                            </p:stCondLst>
+                            <p:childTnLst>
+                              <p:par>
+                                <p:cTn id="15" presetID="10" presetClass="entr" presetSubtype="0" fill="hold" grpId="0" nodeType="clickEffect">
+                                  <p:stCondLst>
+                                    <p:cond delay="0"/>
+                                  </p:stCondLst>
+                                  <p:childTnLst>
+                                    <p:set>
+                                      <p:cBhvr>
+                                        <p:cTn id="16" dur="1" fill="hold">
+                                          <p:stCondLst>
+                                            <p:cond delay="0"/>
+                                          </p:stCondLst>
+                                        </p:cTn>
+                                        <p:tgtEl>
+                                          <p:spTgt spid="3">
+                                            <p:txEl>
+                                              <p:pRg st="2" end="2"/>
+                                            </p:txEl>
+                                          </p:spTgt>
+                                        </p:tgtEl>
+                                        <p:attrNameLst>
+                                          <p:attrName>style.visibility</p:attrName>
+                                        </p:attrNameLst>
+                                      </p:cBhvr>
+                                      <p:to>
+                                        <p:strVal val="visible"/>
+                                      </p:to>
+                                    </p:set>
+                                    <p:animEffect transition="in" filter="fade">
+                                      <p:cBhvr>
+                                        <p:cTn id="17" dur="500"/>
+                                        <p:tgtEl>
+                                          <p:spTgt spid="3">
+                                            <p:txEl>
+                                              <p:pRg st="2" end="2"/>
+                                            </p:txEl>
+                                          </p:spTgt>
+                                        </p:tgtEl>
+                                      </p:cBhvr>
+                                    </p:animEffect>
+                                  </p:childTnLst>
+                                </p:cTn>
+                              </p:par>
+                            </p:childTnLst>
+                          </p:cTn>
+                        </p:par>
+                      </p:childTnLst>
+                    </p:cTn>
+                  </p:par>
+                  <p:par>
+                    <p:cTn id="18" fill="hold">
+                      <p:stCondLst>
+                        <p:cond delay="indefinite"/>
+                      </p:stCondLst>
+                      <p:childTnLst>
+                        <p:par>
+                          <p:cTn id="19" fill="hold">
+                            <p:stCondLst>
+                              <p:cond delay="0"/>
+                            </p:stCondLst>
+                            <p:childTnLst>
+                              <p:par>
+                                <p:cTn id="20" presetID="10" presetClass="entr" presetSubtype="0" fill="hold" grpId="0" nodeType="clickEffect">
+                                  <p:stCondLst>
+                                    <p:cond delay="0"/>
+                                  </p:stCondLst>
+                                  <p:childTnLst>
+                                    <p:set>
+                                      <p:cBhvr>
+                                        <p:cTn id="21" dur="1" fill="hold">
+                                          <p:stCondLst>
+                                            <p:cond delay="0"/>
+                                          </p:stCondLst>
+                                        </p:cTn>
+                                        <p:tgtEl>
+                                          <p:spTgt spid="3">
+                                            <p:txEl>
+                                              <p:pRg st="4" end="4"/>
+                                            </p:txEl>
+                                          </p:spTgt>
+                                        </p:tgtEl>
+                                        <p:attrNameLst>
+                                          <p:attrName>style.visibility</p:attrName>
+                                        </p:attrNameLst>
+                                      </p:cBhvr>
+                                      <p:to>
+                                        <p:strVal val="visible"/>
+                                      </p:to>
+                                    </p:set>
+                                    <p:animEffect transition="in" filter="fade">
+                                      <p:cBhvr>
+                                        <p:cTn id="22" dur="500"/>
+                                        <p:tgtEl>
+                                          <p:spTgt spid="3">
+                                            <p:txEl>
+                                              <p:pRg st="4" end="4"/>
+                                            </p:txEl>
+                                          </p:spTgt>
+                                        </p:tgtEl>
+                                      </p:cBhvr>
+                                    </p:animEffect>
+                                  </p:childTnLst>
+                                </p:cTn>
+                              </p:par>
+                            </p:childTnLst>
+                          </p:cTn>
+                        </p:par>
+                      </p:childTnLst>
+                    </p:cTn>
+                  </p:par>
+                </p:childTnLst>
+              </p:cTn>
+              <p:prevCondLst>
+                <p:cond evt="onPrev" delay="0">
+                  <p:tgtEl>
+                    <p:sldTgt/>
+                  </p:tgtEl>
+                </p:cond>
+              </p:prevCondLst>
+              <p:nextCondLst>
+                <p:cond evt="onNext" delay="0">
+                  <p:tgtEl>
+                    <p:sldTgt/>
+                  </p:tgtEl>
+                </p:cond>
+              </p:nextCondLst>
+            </p:seq>
+          </p:childTnLst>
+        </p:cTn>
+      </p:par>
+    </p:tnLst>
+    <p:bldLst>
+      <p:bldP spid="3" grpId="0" build="p"/>
+    </p:bldLst>
+  </p:timing>
+</p:sld>
+</file>
+
+<file path=ppt/slides/slide11.xml><?xml version="1.0" encoding="utf-8"?>
+<p:sld xmlns:a="http://schemas.openxmlformats.org/drawingml/2006/main" xmlns:r="http://schemas.openxmlformats.org/officeDocument/2006/relationships" xmlns:p="http://schemas.openxmlformats.org/presentationml/2006/main">
+  <p:cSld>
+    <p:spTree>
+      <p:nvGrpSpPr>
+        <p:cNvPr id="1" name=""/>
+        <p:cNvGrpSpPr/>
+        <p:nvPr/>
+      </p:nvGrpSpPr>
+      <p:grpSpPr>
+        <a:xfrm>
+          <a:off x="0" y="0"/>
+          <a:ext cx="0" cy="0"/>
+          <a:chOff x="0" y="0"/>
+          <a:chExt cx="0" cy="0"/>
+        </a:xfrm>
+      </p:grpSpPr>
+      <p:sp>
+        <p:nvSpPr>
+          <p:cNvPr id="2" name="Title 1"/>
+          <p:cNvSpPr>
+            <a:spLocks noGrp="1"/>
+          </p:cNvSpPr>
+          <p:nvPr>
+            <p:ph type="title"/>
+          </p:nvPr>
+        </p:nvSpPr>
+        <p:spPr/>
+        <p:txBody>
+          <a:bodyPr/>
+          <a:lstStyle/>
+          <a:p>
+            <a:r>
+              <a:rPr lang="en-US" dirty="0"/>
+              <a:t>Returning something from a function</a:t>
+            </a:r>
+          </a:p>
+        </p:txBody>
+      </p:sp>
+      <p:sp>
+        <p:nvSpPr>
+          <p:cNvPr id="3" name="Content Placeholder 2"/>
+          <p:cNvSpPr>
+            <a:spLocks noGrp="1"/>
+          </p:cNvSpPr>
+          <p:nvPr>
+            <p:ph idx="1"/>
+          </p:nvPr>
+        </p:nvSpPr>
+        <p:spPr/>
+        <p:txBody>
+          <a:bodyPr>
+            <a:noAutofit/>
+          </a:bodyPr>
+          <a:lstStyle/>
+          <a:p>
+            <a:pPr marL="0" indent="0">
+              <a:buNone/>
+            </a:pPr>
+            <a:r>
+              <a:rPr lang="en-US" sz="4000" dirty="0">
+                <a:solidFill>
+                  <a:srgbClr val="FF0000"/>
+                </a:solidFill>
+                <a:latin typeface="Consolas" panose="020B0609020204030204" pitchFamily="49" charset="0"/>
+              </a:rPr>
+              <a:t>function</a:t>
+            </a:r>
+            <a:r>
+              <a:rPr lang="en-US" sz="4000" dirty="0">
+                <a:latin typeface="Consolas" panose="020B0609020204030204" pitchFamily="49" charset="0"/>
+              </a:rPr>
+              <a:t> </a:t>
+            </a:r>
+            <a:r>
+              <a:rPr lang="en-US" sz="4000" dirty="0">
+                <a:solidFill>
+                  <a:srgbClr val="00B050"/>
+                </a:solidFill>
+                <a:latin typeface="Consolas" panose="020B0609020204030204" pitchFamily="49" charset="0"/>
+              </a:rPr>
+              <a:t>square</a:t>
+            </a:r>
+            <a:r>
+              <a:rPr lang="en-US" sz="4000" dirty="0">
+                <a:solidFill>
+                  <a:srgbClr val="7030A0"/>
+                </a:solidFill>
+                <a:latin typeface="Consolas" panose="020B0609020204030204" pitchFamily="49" charset="0"/>
+              </a:rPr>
+              <a:t>(</a:t>
+            </a:r>
+            <a:r>
+              <a:rPr lang="en-US" sz="4000" dirty="0">
+                <a:solidFill>
+                  <a:srgbClr val="E95EBE"/>
+                </a:solidFill>
+                <a:latin typeface="Consolas" panose="020B0609020204030204" pitchFamily="49" charset="0"/>
+              </a:rPr>
+              <a:t>num</a:t>
+            </a:r>
+            <a:r>
+              <a:rPr lang="en-US" sz="4000" dirty="0">
+                <a:solidFill>
+                  <a:srgbClr val="7030A0"/>
+                </a:solidFill>
+                <a:latin typeface="Consolas" panose="020B0609020204030204" pitchFamily="49" charset="0"/>
+              </a:rPr>
+              <a:t>)</a:t>
+            </a:r>
+            <a:r>
+              <a:rPr lang="en-US" sz="4000" dirty="0">
+                <a:latin typeface="Consolas" panose="020B0609020204030204" pitchFamily="49" charset="0"/>
+              </a:rPr>
+              <a:t> </a:t>
+            </a:r>
+            <a:r>
+              <a:rPr lang="en-US" sz="4000" dirty="0">
+                <a:solidFill>
+                  <a:srgbClr val="FFC000"/>
+                </a:solidFill>
+                <a:latin typeface="Consolas" panose="020B0609020204030204" pitchFamily="49" charset="0"/>
+              </a:rPr>
+              <a:t>{</a:t>
+            </a:r>
+          </a:p>
+          <a:p>
+            <a:pPr marL="0" indent="0">
+              <a:buNone/>
+            </a:pPr>
+            <a:r>
+              <a:rPr lang="en-US" sz="4000" dirty="0">
+                <a:latin typeface="Consolas" panose="020B0609020204030204" pitchFamily="49" charset="0"/>
+              </a:rPr>
+              <a:t>	</a:t>
+            </a:r>
+            <a:r>
+              <a:rPr lang="en-US" sz="4000" dirty="0">
+                <a:solidFill>
+                  <a:srgbClr val="0070C0"/>
+                </a:solidFill>
+                <a:latin typeface="Consolas" panose="020B0609020204030204" pitchFamily="49" charset="0"/>
+              </a:rPr>
+              <a:t>let x = </a:t>
+            </a:r>
+            <a:r>
+              <a:rPr lang="en-US" sz="4000" dirty="0">
+                <a:solidFill>
+                  <a:srgbClr val="E95EBE"/>
+                </a:solidFill>
+                <a:latin typeface="Consolas" panose="020B0609020204030204" pitchFamily="49" charset="0"/>
+              </a:rPr>
+              <a:t>num </a:t>
+            </a:r>
+            <a:r>
+              <a:rPr lang="en-US" sz="4000" dirty="0">
+                <a:solidFill>
+                  <a:srgbClr val="0070C0"/>
+                </a:solidFill>
+                <a:latin typeface="Consolas" panose="020B0609020204030204" pitchFamily="49" charset="0"/>
+              </a:rPr>
+              <a:t>* </a:t>
+            </a:r>
+            <a:r>
+              <a:rPr lang="en-US" sz="4000" dirty="0">
+                <a:solidFill>
+                  <a:srgbClr val="E95EBE"/>
+                </a:solidFill>
+                <a:latin typeface="Consolas" panose="020B0609020204030204" pitchFamily="49" charset="0"/>
+              </a:rPr>
+              <a:t>num</a:t>
+            </a:r>
+            <a:r>
+              <a:rPr lang="en-US" sz="4000" dirty="0">
+                <a:solidFill>
+                  <a:srgbClr val="0070C0"/>
+                </a:solidFill>
+                <a:latin typeface="Consolas" panose="020B0609020204030204" pitchFamily="49" charset="0"/>
+              </a:rPr>
+              <a:t>;	</a:t>
+            </a:r>
+          </a:p>
+          <a:p>
+            <a:pPr marL="0" indent="0">
+              <a:buNone/>
+            </a:pPr>
+            <a:r>
+              <a:rPr lang="en-US" sz="4000" dirty="0">
+                <a:solidFill>
+                  <a:srgbClr val="0070C0"/>
+                </a:solidFill>
+                <a:latin typeface="Consolas" panose="020B0609020204030204" pitchFamily="49" charset="0"/>
+              </a:rPr>
+              <a:t>	</a:t>
+            </a:r>
+            <a:r>
+              <a:rPr lang="en-US" sz="4000" b="1" dirty="0">
+                <a:solidFill>
+                  <a:srgbClr val="1EE0E0"/>
+                </a:solidFill>
+                <a:latin typeface="Consolas" panose="020B0609020204030204" pitchFamily="49" charset="0"/>
+              </a:rPr>
+              <a:t>return x;</a:t>
+            </a:r>
+          </a:p>
+          <a:p>
+            <a:pPr marL="0" indent="0">
+              <a:buNone/>
+            </a:pPr>
+            <a:r>
+              <a:rPr lang="en-US" sz="4000" dirty="0">
+                <a:solidFill>
+                  <a:srgbClr val="FFC000"/>
+                </a:solidFill>
+                <a:latin typeface="Consolas" panose="020B0609020204030204" pitchFamily="49" charset="0"/>
+              </a:rPr>
+              <a:t>}</a:t>
+            </a:r>
+          </a:p>
+        </p:txBody>
+      </p:sp>
+      <p:sp>
+        <p:nvSpPr>
+          <p:cNvPr id="4" name="TextBox 3"/>
+          <p:cNvSpPr txBox="1"/>
+          <p:nvPr/>
+        </p:nvSpPr>
+        <p:spPr>
+          <a:xfrm>
+            <a:off x="6976311" y="1485900"/>
+            <a:ext cx="4800600" cy="4401205"/>
+          </a:xfrm>
+          <a:prstGeom prst="rect">
+            <a:avLst/>
+          </a:prstGeom>
+          <a:solidFill>
+            <a:srgbClr val="E95EBE">
+              <a:alpha val="5000"/>
+            </a:srgbClr>
+          </a:solidFill>
+          <a:ln w="31750">
+            <a:solidFill>
+              <a:srgbClr val="E95EBE"/>
+            </a:solidFill>
+          </a:ln>
+        </p:spPr>
+        <p:txBody>
+          <a:bodyPr wrap="square" rtlCol="0">
+            <a:spAutoFit/>
+          </a:bodyPr>
+          <a:lstStyle/>
+          <a:p>
+            <a:r>
+              <a:rPr lang="en-US" sz="4000" dirty="0">
+                <a:solidFill>
+                  <a:srgbClr val="FF0000"/>
+                </a:solidFill>
+                <a:latin typeface="Consolas" panose="020B0609020204030204" pitchFamily="49" charset="0"/>
+              </a:rPr>
+              <a:t>function</a:t>
+            </a:r>
+            <a:r>
+              <a:rPr lang="en-US" sz="4000" dirty="0">
+                <a:solidFill>
+                  <a:srgbClr val="FF0000"/>
+                </a:solidFill>
+              </a:rPr>
+              <a:t> keyword</a:t>
+            </a:r>
+            <a:endParaRPr lang="en-US" sz="4000" dirty="0">
+              <a:solidFill>
+                <a:srgbClr val="00B050"/>
+              </a:solidFill>
+            </a:endParaRPr>
+          </a:p>
+          <a:p>
+            <a:r>
+              <a:rPr lang="en-US" sz="4000" dirty="0">
+                <a:solidFill>
+                  <a:srgbClr val="00B050"/>
+                </a:solidFill>
+              </a:rPr>
+              <a:t>Function name</a:t>
+            </a:r>
+          </a:p>
+          <a:p>
+            <a:r>
+              <a:rPr lang="en-US" sz="4000" dirty="0">
+                <a:solidFill>
+                  <a:srgbClr val="7030A0"/>
+                </a:solidFill>
+              </a:rPr>
+              <a:t>Parentheses</a:t>
+            </a:r>
+          </a:p>
+          <a:p>
+            <a:r>
+              <a:rPr lang="en-US" sz="4000" dirty="0">
+                <a:solidFill>
+                  <a:srgbClr val="E95EBE"/>
+                </a:solidFill>
+              </a:rPr>
+              <a:t>Parameter</a:t>
+            </a:r>
+          </a:p>
+          <a:p>
+            <a:r>
+              <a:rPr lang="en-US" sz="4000" dirty="0">
+                <a:solidFill>
+                  <a:srgbClr val="FFC000"/>
+                </a:solidFill>
+              </a:rPr>
+              <a:t>Curly brackets</a:t>
+            </a:r>
+          </a:p>
+          <a:p>
+            <a:r>
+              <a:rPr lang="en-US" sz="4000" dirty="0">
+                <a:solidFill>
+                  <a:srgbClr val="0070C0"/>
+                </a:solidFill>
+              </a:rPr>
+              <a:t>Body</a:t>
+            </a:r>
+          </a:p>
+          <a:p>
+            <a:r>
+              <a:rPr lang="en-US" sz="4000" b="1" i="1" dirty="0">
+                <a:solidFill>
+                  <a:srgbClr val="1EE0E0"/>
+                </a:solidFill>
+              </a:rPr>
+              <a:t>Return statement</a:t>
+            </a:r>
+          </a:p>
+        </p:txBody>
+      </p:sp>
+      <p:pic>
+        <p:nvPicPr>
+          <p:cNvPr id="1026" name="Picture 2" descr="Watch The Lord of the Rings: The Return of the King | Netflix">
+            <a:extLst>
+              <a:ext uri="{FF2B5EF4-FFF2-40B4-BE49-F238E27FC236}">
+                <a16:creationId xmlns:a16="http://schemas.microsoft.com/office/drawing/2014/main" id="{F827B7CB-DFD6-416F-995A-5F6503F41F5A}"/>
+              </a:ext>
+            </a:extLst>
+          </p:cNvPr>
+          <p:cNvPicPr>
+            <a:picLocks noChangeAspect="1" noChangeArrowheads="1"/>
+          </p:cNvPicPr>
+          <p:nvPr/>
+        </p:nvPicPr>
+        <p:blipFill>
+          <a:blip r:embed="rId3">
+            <a:extLst>
+              <a:ext uri="{28A0092B-C50C-407E-A947-70E740481C1C}">
+                <a14:useLocalDpi xmlns:a14="http://schemas.microsoft.com/office/drawing/2010/main" val="0"/>
+              </a:ext>
+            </a:extLst>
+          </a:blip>
+          <a:srcRect/>
+          <a:stretch>
+            <a:fillRect/>
+          </a:stretch>
+        </p:blipFill>
+        <p:spPr bwMode="auto">
+          <a:xfrm>
+            <a:off x="1240256" y="3734628"/>
+            <a:ext cx="4876800" cy="2743200"/>
+          </a:xfrm>
+          <a:prstGeom prst="rect">
+            <a:avLst/>
+          </a:prstGeom>
+          <a:ln w="38100" cap="sq">
+            <a:solidFill>
+              <a:srgbClr val="000000"/>
+            </a:solidFill>
+            <a:prstDash val="solid"/>
+            <a:miter lim="800000"/>
+          </a:ln>
+          <a:effectLst>
+            <a:outerShdw blurRad="50800" dist="38100" dir="2700000" algn="tl" rotWithShape="0">
+              <a:srgbClr val="000000">
+                <a:alpha val="43000"/>
+              </a:srgbClr>
+            </a:outerShdw>
+          </a:effectLst>
+          <a:extLst>
+            <a:ext uri="{909E8E84-426E-40DD-AFC4-6F175D3DCCD1}">
+              <a14:hiddenFill xmlns:a14="http://schemas.microsoft.com/office/drawing/2010/main">
+                <a:solidFill>
+                  <a:srgbClr val="FFFFFF"/>
+                </a:solidFill>
+              </a14:hiddenFill>
+            </a:ext>
+          </a:extLst>
+        </p:spPr>
+      </p:pic>
+    </p:spTree>
+    <p:extLst>
+      <p:ext uri="{BB962C8B-B14F-4D97-AF65-F5344CB8AC3E}">
+        <p14:creationId xmlns:p14="http://schemas.microsoft.com/office/powerpoint/2010/main" val="1597720733"/>
+      </p:ext>
+    </p:extLst>
+  </p:cSld>
+  <p:clrMapOvr>
+    <a:masterClrMapping/>
+  </p:clrMapOvr>
+  <p:transition>
+    <p:fade/>
+  </p:transition>
+  <p:timing>
+    <p:tnLst>
+      <p:par>
+        <p:cTn id="1" dur="indefinite" restart="never" nodeType="tmRoot">
+          <p:childTnLst>
+            <p:seq concurrent="1" nextAc="seek">
+              <p:cTn id="2" dur="indefinite" nodeType="mainSeq">
+                <p:childTnLst>
+                  <p:par>
+                    <p:cTn id="3" fill="hold">
+                      <p:stCondLst>
+                        <p:cond delay="indefinite"/>
+                      </p:stCondLst>
+                      <p:childTnLst>
+                        <p:par>
+                          <p:cTn id="4" fill="hold">
+                            <p:stCondLst>
+                              <p:cond delay="0"/>
+                            </p:stCondLst>
+                            <p:childTnLst>
+                              <p:par>
+                                <p:cTn id="5" presetID="10" presetClass="entr" presetSubtype="0" fill="hold" nodeType="clickEffect">
+                                  <p:stCondLst>
+                                    <p:cond delay="0"/>
+                                  </p:stCondLst>
+                                  <p:childTnLst>
+                                    <p:set>
+                                      <p:cBhvr>
+                                        <p:cTn id="6" dur="1" fill="hold">
+                                          <p:stCondLst>
+                                            <p:cond delay="0"/>
+                                          </p:stCondLst>
+                                        </p:cTn>
+                                        <p:tgtEl>
+                                          <p:spTgt spid="4">
+                                            <p:txEl>
+                                              <p:pRg st="0" end="0"/>
+                                            </p:txEl>
+                                          </p:spTgt>
+                                        </p:tgtEl>
+                                        <p:attrNameLst>
+                                          <p:attrName>style.visibility</p:attrName>
+                                        </p:attrNameLst>
+                                      </p:cBhvr>
+                                      <p:to>
+                                        <p:strVal val="visible"/>
+                                      </p:to>
+                                    </p:set>
+                                    <p:animEffect transition="in" filter="fade">
+                                      <p:cBhvr>
+                                        <p:cTn id="7" dur="500"/>
+                                        <p:tgtEl>
+                                          <p:spTgt spid="4">
+                                            <p:txEl>
+                                              <p:pRg st="0" end="0"/>
+                                            </p:txEl>
+                                          </p:spTgt>
+                                        </p:tgtEl>
+                                      </p:cBhvr>
+                                    </p:animEffect>
+                                  </p:childTnLst>
+                                </p:cTn>
+                              </p:par>
+                            </p:childTnLst>
+                          </p:cTn>
+                        </p:par>
+                      </p:childTnLst>
+                    </p:cTn>
+                  </p:par>
+                  <p:par>
+                    <p:cTn id="8" fill="hold">
+                      <p:stCondLst>
+                        <p:cond delay="indefinite"/>
+                      </p:stCondLst>
+                      <p:childTnLst>
+                        <p:par>
+                          <p:cTn id="9" fill="hold">
+                            <p:stCondLst>
+                              <p:cond delay="0"/>
+                            </p:stCondLst>
+                            <p:childTnLst>
+                              <p:par>
+                                <p:cTn id="10" presetID="10" presetClass="entr" presetSubtype="0" fill="hold" nodeType="clickEffect">
+                                  <p:stCondLst>
+                                    <p:cond delay="0"/>
+                                  </p:stCondLst>
+                                  <p:childTnLst>
+                                    <p:set>
+                                      <p:cBhvr>
+                                        <p:cTn id="11" dur="1" fill="hold">
+                                          <p:stCondLst>
+                                            <p:cond delay="0"/>
+                                          </p:stCondLst>
+                                        </p:cTn>
+                                        <p:tgtEl>
+                                          <p:spTgt spid="4">
+                                            <p:txEl>
+                                              <p:pRg st="1" end="1"/>
+                                            </p:txEl>
+                                          </p:spTgt>
+                                        </p:tgtEl>
+                                        <p:attrNameLst>
+                                          <p:attrName>style.visibility</p:attrName>
+                                        </p:attrNameLst>
+                                      </p:cBhvr>
+                                      <p:to>
+                                        <p:strVal val="visible"/>
+                                      </p:to>
+                                    </p:set>
+                                    <p:animEffect transition="in" filter="fade">
+                                      <p:cBhvr>
+                                        <p:cTn id="12" dur="500"/>
+                                        <p:tgtEl>
+                                          <p:spTgt spid="4">
+                                            <p:txEl>
+                                              <p:pRg st="1" end="1"/>
+                                            </p:txEl>
+                                          </p:spTgt>
+                                        </p:tgtEl>
+                                      </p:cBhvr>
+                                    </p:animEffect>
+                                  </p:childTnLst>
+                                </p:cTn>
+                              </p:par>
+                            </p:childTnLst>
+                          </p:cTn>
+                        </p:par>
+                      </p:childTnLst>
+                    </p:cTn>
+                  </p:par>
+                  <p:par>
+                    <p:cTn id="13" fill="hold">
+                      <p:stCondLst>
+                        <p:cond delay="indefinite"/>
+                      </p:stCondLst>
+                      <p:childTnLst>
+                        <p:par>
+                          <p:cTn id="14" fill="hold">
+                            <p:stCondLst>
+                              <p:cond delay="0"/>
+                            </p:stCondLst>
+                            <p:childTnLst>
+                              <p:par>
+                                <p:cTn id="15" presetID="10" presetClass="entr" presetSubtype="0" fill="hold" nodeType="clickEffect">
+                                  <p:stCondLst>
+                                    <p:cond delay="0"/>
+                                  </p:stCondLst>
+                                  <p:childTnLst>
+                                    <p:set>
+                                      <p:cBhvr>
+                                        <p:cTn id="16" dur="1" fill="hold">
+                                          <p:stCondLst>
+                                            <p:cond delay="0"/>
+                                          </p:stCondLst>
+                                        </p:cTn>
+                                        <p:tgtEl>
+                                          <p:spTgt spid="4">
+                                            <p:txEl>
+                                              <p:pRg st="2" end="2"/>
+                                            </p:txEl>
+                                          </p:spTgt>
+                                        </p:tgtEl>
+                                        <p:attrNameLst>
+                                          <p:attrName>style.visibility</p:attrName>
+                                        </p:attrNameLst>
+                                      </p:cBhvr>
+                                      <p:to>
+                                        <p:strVal val="visible"/>
+                                      </p:to>
+                                    </p:set>
+                                    <p:animEffect transition="in" filter="fade">
+                                      <p:cBhvr>
+                                        <p:cTn id="17" dur="500"/>
+                                        <p:tgtEl>
+                                          <p:spTgt spid="4">
+                                            <p:txEl>
+                                              <p:pRg st="2" end="2"/>
+                                            </p:txEl>
+                                          </p:spTgt>
+                                        </p:tgtEl>
+                                      </p:cBhvr>
+                                    </p:animEffect>
+                                  </p:childTnLst>
+                                </p:cTn>
+                              </p:par>
+                            </p:childTnLst>
+                          </p:cTn>
+                        </p:par>
+                      </p:childTnLst>
+                    </p:cTn>
+                  </p:par>
+                  <p:par>
+                    <p:cTn id="18" fill="hold">
+                      <p:stCondLst>
+                        <p:cond delay="indefinite"/>
+                      </p:stCondLst>
+                      <p:childTnLst>
+                        <p:par>
+                          <p:cTn id="19" fill="hold">
+                            <p:stCondLst>
+                              <p:cond delay="0"/>
+                            </p:stCondLst>
+                            <p:childTnLst>
+                              <p:par>
+                                <p:cTn id="20" presetID="10" presetClass="entr" presetSubtype="0" fill="hold" nodeType="clickEffect">
+                                  <p:stCondLst>
+                                    <p:cond delay="0"/>
+                                  </p:stCondLst>
+                                  <p:childTnLst>
+                                    <p:set>
+                                      <p:cBhvr>
+                                        <p:cTn id="21" dur="1" fill="hold">
+                                          <p:stCondLst>
+                                            <p:cond delay="0"/>
+                                          </p:stCondLst>
+                                        </p:cTn>
+                                        <p:tgtEl>
+                                          <p:spTgt spid="4">
+                                            <p:txEl>
+                                              <p:pRg st="3" end="3"/>
+                                            </p:txEl>
+                                          </p:spTgt>
+                                        </p:tgtEl>
+                                        <p:attrNameLst>
+                                          <p:attrName>style.visibility</p:attrName>
+                                        </p:attrNameLst>
+                                      </p:cBhvr>
+                                      <p:to>
+                                        <p:strVal val="visible"/>
+                                      </p:to>
+                                    </p:set>
+                                    <p:animEffect transition="in" filter="fade">
+                                      <p:cBhvr>
+                                        <p:cTn id="22" dur="500"/>
+                                        <p:tgtEl>
+                                          <p:spTgt spid="4">
+                                            <p:txEl>
+                                              <p:pRg st="3" end="3"/>
+                                            </p:txEl>
+                                          </p:spTgt>
+                                        </p:tgtEl>
+                                      </p:cBhvr>
+                                    </p:animEffect>
+                                  </p:childTnLst>
+                                </p:cTn>
+                              </p:par>
+                            </p:childTnLst>
+                          </p:cTn>
+                        </p:par>
+                      </p:childTnLst>
+                    </p:cTn>
+                  </p:par>
+                  <p:par>
+                    <p:cTn id="23" fill="hold">
+                      <p:stCondLst>
+                        <p:cond delay="indefinite"/>
+                      </p:stCondLst>
+                      <p:childTnLst>
+                        <p:par>
+                          <p:cTn id="24" fill="hold">
+                            <p:stCondLst>
+                              <p:cond delay="0"/>
+                            </p:stCondLst>
+                            <p:childTnLst>
+                              <p:par>
+                                <p:cTn id="25" presetID="10" presetClass="entr" presetSubtype="0" fill="hold" nodeType="clickEffect">
+                                  <p:stCondLst>
+                                    <p:cond delay="0"/>
+                                  </p:stCondLst>
+                                  <p:childTnLst>
+                                    <p:set>
+                                      <p:cBhvr>
+                                        <p:cTn id="26" dur="1" fill="hold">
+                                          <p:stCondLst>
+                                            <p:cond delay="0"/>
+                                          </p:stCondLst>
+                                        </p:cTn>
+                                        <p:tgtEl>
+                                          <p:spTgt spid="4">
+                                            <p:txEl>
+                                              <p:pRg st="4" end="4"/>
+                                            </p:txEl>
+                                          </p:spTgt>
+                                        </p:tgtEl>
+                                        <p:attrNameLst>
+                                          <p:attrName>style.visibility</p:attrName>
+                                        </p:attrNameLst>
+                                      </p:cBhvr>
+                                      <p:to>
+                                        <p:strVal val="visible"/>
+                                      </p:to>
+                                    </p:set>
+                                    <p:animEffect transition="in" filter="fade">
+                                      <p:cBhvr>
+                                        <p:cTn id="27" dur="500"/>
+                                        <p:tgtEl>
+                                          <p:spTgt spid="4">
+                                            <p:txEl>
+                                              <p:pRg st="4" end="4"/>
+                                            </p:txEl>
+                                          </p:spTgt>
+                                        </p:tgtEl>
+                                      </p:cBhvr>
+                                    </p:animEffect>
+                                  </p:childTnLst>
+                                </p:cTn>
+                              </p:par>
+                            </p:childTnLst>
+                          </p:cTn>
+                        </p:par>
+                      </p:childTnLst>
+                    </p:cTn>
+                  </p:par>
+                  <p:par>
+                    <p:cTn id="28" fill="hold">
+                      <p:stCondLst>
+                        <p:cond delay="indefinite"/>
+                      </p:stCondLst>
+                      <p:childTnLst>
+                        <p:par>
+                          <p:cTn id="29" fill="hold">
+                            <p:stCondLst>
+                              <p:cond delay="0"/>
+                            </p:stCondLst>
+                            <p:childTnLst>
+                              <p:par>
+                                <p:cTn id="30" presetID="10" presetClass="entr" presetSubtype="0" fill="hold" nodeType="clickEffect">
+                                  <p:stCondLst>
+                                    <p:cond delay="0"/>
+                                  </p:stCondLst>
+                                  <p:childTnLst>
+                                    <p:set>
+                                      <p:cBhvr>
+                                        <p:cTn id="31" dur="1" fill="hold">
+                                          <p:stCondLst>
+                                            <p:cond delay="0"/>
+                                          </p:stCondLst>
+                                        </p:cTn>
+                                        <p:tgtEl>
+                                          <p:spTgt spid="4">
+                                            <p:txEl>
+                                              <p:pRg st="5" end="5"/>
+                                            </p:txEl>
+                                          </p:spTgt>
+                                        </p:tgtEl>
+                                        <p:attrNameLst>
+                                          <p:attrName>style.visibility</p:attrName>
+                                        </p:attrNameLst>
+                                      </p:cBhvr>
+                                      <p:to>
+                                        <p:strVal val="visible"/>
+                                      </p:to>
+                                    </p:set>
+                                    <p:animEffect transition="in" filter="fade">
+                                      <p:cBhvr>
+                                        <p:cTn id="32" dur="500"/>
+                                        <p:tgtEl>
+                                          <p:spTgt spid="4">
+                                            <p:txEl>
+                                              <p:pRg st="5" end="5"/>
+                                            </p:txEl>
+                                          </p:spTgt>
+                                        </p:tgtEl>
+                                      </p:cBhvr>
+                                    </p:animEffect>
+                                  </p:childTnLst>
+                                </p:cTn>
+                              </p:par>
+                            </p:childTnLst>
+                          </p:cTn>
+                        </p:par>
+                      </p:childTnLst>
+                    </p:cTn>
+                  </p:par>
+                  <p:par>
+                    <p:cTn id="33" fill="hold">
+                      <p:stCondLst>
+                        <p:cond delay="indefinite"/>
+                      </p:stCondLst>
+                      <p:childTnLst>
+                        <p:par>
+                          <p:cTn id="34" fill="hold">
+                            <p:stCondLst>
+                              <p:cond delay="0"/>
+                            </p:stCondLst>
+                            <p:childTnLst>
+                              <p:par>
+                                <p:cTn id="35" presetID="10" presetClass="entr" presetSubtype="0" fill="hold" nodeType="clickEffect">
+                                  <p:stCondLst>
+                                    <p:cond delay="0"/>
+                                  </p:stCondLst>
+                                  <p:childTnLst>
+                                    <p:set>
+                                      <p:cBhvr>
+                                        <p:cTn id="36" dur="1" fill="hold">
+                                          <p:stCondLst>
+                                            <p:cond delay="0"/>
+                                          </p:stCondLst>
+                                        </p:cTn>
+                                        <p:tgtEl>
+                                          <p:spTgt spid="4">
+                                            <p:txEl>
+                                              <p:pRg st="6" end="6"/>
+                                            </p:txEl>
+                                          </p:spTgt>
+                                        </p:tgtEl>
+                                        <p:attrNameLst>
+                                          <p:attrName>style.visibility</p:attrName>
+                                        </p:attrNameLst>
+                                      </p:cBhvr>
+                                      <p:to>
+                                        <p:strVal val="visible"/>
+                                      </p:to>
+                                    </p:set>
+                                    <p:animEffect transition="in" filter="fade">
+                                      <p:cBhvr>
+                                        <p:cTn id="37" dur="500"/>
+                                        <p:tgtEl>
+                                          <p:spTgt spid="4">
+                                            <p:txEl>
+                                              <p:pRg st="6" end="6"/>
+                                            </p:txEl>
+                                          </p:spTgt>
+                                        </p:tgtEl>
+                                      </p:cBhvr>
+                                    </p:animEffect>
+                                  </p:childTnLst>
+                                </p:cTn>
+                              </p:par>
+                            </p:childTnLst>
+                          </p:cTn>
+                        </p:par>
+                        <p:par>
+                          <p:cTn id="38" fill="hold">
+                            <p:stCondLst>
+                              <p:cond delay="500"/>
+                            </p:stCondLst>
+                            <p:childTnLst>
+                              <p:par>
+                                <p:cTn id="39" presetID="10" presetClass="entr" presetSubtype="0" fill="hold" nodeType="afterEffect">
+                                  <p:stCondLst>
+                                    <p:cond delay="0"/>
+                                  </p:stCondLst>
+                                  <p:childTnLst>
+                                    <p:set>
+                                      <p:cBhvr>
+                                        <p:cTn id="40" dur="1" fill="hold">
+                                          <p:stCondLst>
+                                            <p:cond delay="0"/>
+                                          </p:stCondLst>
+                                        </p:cTn>
+                                        <p:tgtEl>
+                                          <p:spTgt spid="1026"/>
+                                        </p:tgtEl>
+                                        <p:attrNameLst>
+                                          <p:attrName>style.visibility</p:attrName>
+                                        </p:attrNameLst>
+                                      </p:cBhvr>
+                                      <p:to>
+                                        <p:strVal val="visible"/>
+                                      </p:to>
+                                    </p:set>
+                                    <p:animEffect transition="in" filter="fade">
+                                      <p:cBhvr>
+                                        <p:cTn id="41" dur="500"/>
+                                        <p:tgtEl>
+                                          <p:spTgt spid="1026"/>
+                                        </p:tgtEl>
+                                      </p:cBhvr>
+                                    </p:animEffect>
+                                  </p:childTnLst>
+                                </p:cTn>
+                              </p:par>
+                            </p:childTnLst>
+                          </p:cTn>
+                        </p:par>
+                      </p:childTnLst>
+                    </p:cTn>
+                  </p:par>
+                </p:childTnLst>
+              </p:cTn>
+              <p:prevCondLst>
+                <p:cond evt="onPrev" delay="0">
+                  <p:tgtEl>
+                    <p:sldTgt/>
+                  </p:tgtEl>
+                </p:cond>
+              </p:prevCondLst>
+              <p:nextCondLst>
+                <p:cond evt="onNext" delay="0">
+                  <p:tgtEl>
+                    <p:sldTgt/>
+                  </p:tgtEl>
+                </p:cond>
+              </p:nextCondLst>
+            </p:seq>
+          </p:childTnLst>
+        </p:cTn>
       </p:par>
     </p:tnLst>
   </p:timing>
+</p:sld>
+</file>
+
+<file path=ppt/slides/slide12.xml><?xml version="1.0" encoding="utf-8"?>
+<p:sld xmlns:a="http://schemas.openxmlformats.org/drawingml/2006/main" xmlns:r="http://schemas.openxmlformats.org/officeDocument/2006/relationships" xmlns:p="http://schemas.openxmlformats.org/presentationml/2006/main">
+  <p:cSld>
+    <p:spTree>
+      <p:nvGrpSpPr>
+        <p:cNvPr id="1" name=""/>
+        <p:cNvGrpSpPr/>
+        <p:nvPr/>
+      </p:nvGrpSpPr>
+      <p:grpSpPr>
+        <a:xfrm>
+          <a:off x="0" y="0"/>
+          <a:ext cx="0" cy="0"/>
+          <a:chOff x="0" y="0"/>
+          <a:chExt cx="0" cy="0"/>
+        </a:xfrm>
+      </p:grpSpPr>
+      <p:sp>
+        <p:nvSpPr>
+          <p:cNvPr id="2" name="Title 1"/>
+          <p:cNvSpPr>
+            <a:spLocks noGrp="1"/>
+          </p:cNvSpPr>
+          <p:nvPr>
+            <p:ph type="title"/>
+          </p:nvPr>
+        </p:nvSpPr>
+        <p:spPr/>
+        <p:txBody>
+          <a:bodyPr/>
+          <a:lstStyle/>
+          <a:p>
+            <a:r>
+              <a:rPr lang="en-US" dirty="0"/>
+              <a:t>Calling a function with a return</a:t>
+            </a:r>
+          </a:p>
+        </p:txBody>
+      </p:sp>
+      <p:sp>
+        <p:nvSpPr>
+          <p:cNvPr id="6" name="Content Placeholder 4"/>
+          <p:cNvSpPr txBox="1">
+            <a:spLocks/>
+          </p:cNvSpPr>
+          <p:nvPr/>
+        </p:nvSpPr>
+        <p:spPr>
+          <a:xfrm>
+            <a:off x="5525034" y="1236182"/>
+            <a:ext cx="6285966" cy="973493"/>
+          </a:xfrm>
+          <a:prstGeom prst="rect">
+            <a:avLst/>
+          </a:prstGeom>
+        </p:spPr>
+        <p:txBody>
+          <a:bodyPr>
+            <a:normAutofit/>
+          </a:bodyPr>
+          <a:lstStyle>
+            <a:lvl1pPr marL="342900" indent="-285750" algn="l" defTabSz="914400" rtl="0" eaLnBrk="1" latinLnBrk="0" hangingPunct="1">
+              <a:lnSpc>
+                <a:spcPct val="100000"/>
+              </a:lnSpc>
+              <a:spcBef>
+                <a:spcPts val="0"/>
+              </a:spcBef>
+              <a:spcAft>
+                <a:spcPts val="1200"/>
+              </a:spcAft>
+              <a:buClr>
+                <a:schemeClr val="accent3"/>
+              </a:buClr>
+              <a:buFont typeface="Wingdings" panose="05000000000000000000" pitchFamily="2" charset="2"/>
+              <a:buChar char="§"/>
+              <a:defRPr sz="2800" kern="1200">
+                <a:solidFill>
+                  <a:schemeClr val="tx1"/>
+                </a:solidFill>
+                <a:latin typeface="+mn-lt"/>
+                <a:ea typeface="+mn-ea"/>
+                <a:cs typeface="+mn-cs"/>
+              </a:defRPr>
+            </a:lvl1pPr>
+            <a:lvl2pPr marL="685800" indent="-228600" algn="l" defTabSz="914400" rtl="0" eaLnBrk="1" latinLnBrk="0" hangingPunct="1">
+              <a:lnSpc>
+                <a:spcPct val="100000"/>
+              </a:lnSpc>
+              <a:spcBef>
+                <a:spcPts val="0"/>
+              </a:spcBef>
+              <a:spcAft>
+                <a:spcPts val="1200"/>
+              </a:spcAft>
+              <a:buClr>
+                <a:schemeClr val="accent2"/>
+              </a:buClr>
+              <a:buFont typeface="Arial" panose="020B0604020202020204" pitchFamily="34" charset="0"/>
+              <a:buChar char="•"/>
+              <a:defRPr sz="2400" kern="1200">
+                <a:solidFill>
+                  <a:schemeClr val="tx1"/>
+                </a:solidFill>
+                <a:latin typeface="+mn-lt"/>
+                <a:ea typeface="+mn-ea"/>
+                <a:cs typeface="+mn-cs"/>
+              </a:defRPr>
+            </a:lvl2pPr>
+            <a:lvl3pPr marL="1028700" indent="-228600" algn="l" defTabSz="914400" rtl="0" eaLnBrk="1" latinLnBrk="0" hangingPunct="1">
+              <a:lnSpc>
+                <a:spcPct val="100000"/>
+              </a:lnSpc>
+              <a:spcBef>
+                <a:spcPts val="0"/>
+              </a:spcBef>
+              <a:spcAft>
+                <a:spcPts val="1200"/>
+              </a:spcAft>
+              <a:buClr>
+                <a:schemeClr val="accent1"/>
+              </a:buClr>
+              <a:buFont typeface="Arial" panose="020B0604020202020204" pitchFamily="34" charset="0"/>
+              <a:buChar char="•"/>
+              <a:defRPr sz="2000" kern="1200">
+                <a:solidFill>
+                  <a:schemeClr val="tx1"/>
+                </a:solidFill>
+                <a:latin typeface="+mn-lt"/>
+                <a:ea typeface="+mn-ea"/>
+                <a:cs typeface="+mn-cs"/>
+              </a:defRPr>
+            </a:lvl3pPr>
+            <a:lvl4pPr marL="1484313" indent="-285750" algn="l" defTabSz="914400" rtl="0" eaLnBrk="1" latinLnBrk="0" hangingPunct="1">
+              <a:lnSpc>
+                <a:spcPct val="100000"/>
+              </a:lnSpc>
+              <a:spcBef>
+                <a:spcPts val="0"/>
+              </a:spcBef>
+              <a:spcAft>
+                <a:spcPts val="1200"/>
+              </a:spcAft>
+              <a:buFont typeface="Arial" panose="020B0604020202020204" pitchFamily="34" charset="0"/>
+              <a:buChar char="•"/>
+              <a:defRPr sz="1800" kern="1200">
+                <a:solidFill>
+                  <a:schemeClr val="tx1"/>
+                </a:solidFill>
+                <a:latin typeface="+mn-lt"/>
+                <a:ea typeface="+mn-ea"/>
+                <a:cs typeface="+mn-cs"/>
+              </a:defRPr>
+            </a:lvl4pPr>
+            <a:lvl5pPr marL="1889125" indent="-284163" algn="l" defTabSz="914400" rtl="0" eaLnBrk="1" latinLnBrk="0" hangingPunct="1">
+              <a:lnSpc>
+                <a:spcPct val="100000"/>
+              </a:lnSpc>
+              <a:spcBef>
+                <a:spcPts val="0"/>
+              </a:spcBef>
+              <a:spcAft>
+                <a:spcPts val="1200"/>
+              </a:spcAft>
+              <a:buFont typeface="Arial" panose="020B0604020202020204" pitchFamily="34" charset="0"/>
+              <a:buChar char="•"/>
+              <a:defRPr sz="1800" kern="1200">
+                <a:solidFill>
+                  <a:schemeClr val="tx1"/>
+                </a:solidFill>
+                <a:latin typeface="+mn-lt"/>
+                <a:ea typeface="+mn-ea"/>
+                <a:cs typeface="+mn-cs"/>
+              </a:defRPr>
+            </a:lvl5pPr>
+            <a:lvl6pPr marL="2514600" indent="-228600" algn="l" defTabSz="914400" rtl="0" eaLnBrk="1" latinLnBrk="0" hangingPunct="1">
+              <a:lnSpc>
+                <a:spcPct val="90000"/>
+              </a:lnSpc>
+              <a:spcBef>
+                <a:spcPts val="500"/>
+              </a:spcBef>
+              <a:buFont typeface="Arial" panose="020B0604020202020204" pitchFamily="34" charset="0"/>
+              <a:buChar char="•"/>
+              <a:defRPr sz="1800" kern="1200">
+                <a:solidFill>
+                  <a:schemeClr val="tx1"/>
+                </a:solidFill>
+                <a:latin typeface="+mn-lt"/>
+                <a:ea typeface="+mn-ea"/>
+                <a:cs typeface="+mn-cs"/>
+              </a:defRPr>
+            </a:lvl6pPr>
+            <a:lvl7pPr marL="2971800" indent="-228600" algn="l" defTabSz="914400" rtl="0" eaLnBrk="1" latinLnBrk="0" hangingPunct="1">
+              <a:lnSpc>
+                <a:spcPct val="90000"/>
+              </a:lnSpc>
+              <a:spcBef>
+                <a:spcPts val="500"/>
+              </a:spcBef>
+              <a:buFont typeface="Arial" panose="020B0604020202020204" pitchFamily="34" charset="0"/>
+              <a:buChar char="•"/>
+              <a:defRPr sz="1800" kern="1200">
+                <a:solidFill>
+                  <a:schemeClr val="tx1"/>
+                </a:solidFill>
+                <a:latin typeface="+mn-lt"/>
+                <a:ea typeface="+mn-ea"/>
+                <a:cs typeface="+mn-cs"/>
+              </a:defRPr>
+            </a:lvl7pPr>
+            <a:lvl8pPr marL="3429000" indent="-228600" algn="l" defTabSz="914400" rtl="0" eaLnBrk="1" latinLnBrk="0" hangingPunct="1">
+              <a:lnSpc>
+                <a:spcPct val="90000"/>
+              </a:lnSpc>
+              <a:spcBef>
+                <a:spcPts val="500"/>
+              </a:spcBef>
+              <a:buFont typeface="Arial" panose="020B0604020202020204" pitchFamily="34" charset="0"/>
+              <a:buChar char="•"/>
+              <a:defRPr sz="1800" kern="1200">
+                <a:solidFill>
+                  <a:schemeClr val="tx1"/>
+                </a:solidFill>
+                <a:latin typeface="+mn-lt"/>
+                <a:ea typeface="+mn-ea"/>
+                <a:cs typeface="+mn-cs"/>
+              </a:defRPr>
+            </a:lvl8pPr>
+            <a:lvl9pPr marL="3886200" indent="-228600" algn="l" defTabSz="914400" rtl="0" eaLnBrk="1" latinLnBrk="0" hangingPunct="1">
+              <a:lnSpc>
+                <a:spcPct val="90000"/>
+              </a:lnSpc>
+              <a:spcBef>
+                <a:spcPts val="500"/>
+              </a:spcBef>
+              <a:buFont typeface="Arial" panose="020B0604020202020204" pitchFamily="34" charset="0"/>
+              <a:buChar char="•"/>
+              <a:defRPr sz="1800" kern="1200">
+                <a:solidFill>
+                  <a:schemeClr val="tx1"/>
+                </a:solidFill>
+                <a:latin typeface="+mn-lt"/>
+                <a:ea typeface="+mn-ea"/>
+                <a:cs typeface="+mn-cs"/>
+              </a:defRPr>
+            </a:lvl9pPr>
+          </a:lstStyle>
+          <a:p>
+            <a:pPr marL="0" indent="0">
+              <a:buFont typeface="Wingdings" panose="05000000000000000000" pitchFamily="2" charset="2"/>
+              <a:buNone/>
+            </a:pPr>
+            <a:r>
+              <a:rPr lang="en-US" sz="4400" b="1" dirty="0">
+                <a:solidFill>
+                  <a:srgbClr val="1EE0E0"/>
+                </a:solidFill>
+                <a:latin typeface="Consolas" panose="020B0609020204030204" pitchFamily="49" charset="0"/>
+              </a:rPr>
+              <a:t>let </a:t>
+            </a:r>
+            <a:r>
+              <a:rPr lang="en-US" sz="4400" b="1" dirty="0" err="1">
+                <a:solidFill>
+                  <a:srgbClr val="1EE0E0"/>
+                </a:solidFill>
+                <a:latin typeface="Consolas" panose="020B0609020204030204" pitchFamily="49" charset="0"/>
+              </a:rPr>
+              <a:t>val</a:t>
+            </a:r>
+            <a:r>
+              <a:rPr lang="en-US" sz="4400" b="1" dirty="0">
+                <a:solidFill>
+                  <a:srgbClr val="1EE0E0"/>
+                </a:solidFill>
+                <a:latin typeface="Consolas" panose="020B0609020204030204" pitchFamily="49" charset="0"/>
+              </a:rPr>
+              <a:t> = </a:t>
+            </a:r>
+            <a:r>
+              <a:rPr lang="en-US" sz="4400" dirty="0">
+                <a:solidFill>
+                  <a:srgbClr val="00B050"/>
+                </a:solidFill>
+                <a:latin typeface="Consolas" panose="020B0609020204030204" pitchFamily="49" charset="0"/>
+              </a:rPr>
+              <a:t>square</a:t>
+            </a:r>
+            <a:r>
+              <a:rPr lang="en-US" sz="4400" dirty="0">
+                <a:solidFill>
+                  <a:srgbClr val="7030A0"/>
+                </a:solidFill>
+                <a:latin typeface="Consolas" panose="020B0609020204030204" pitchFamily="49" charset="0"/>
+              </a:rPr>
+              <a:t>(</a:t>
+            </a:r>
+            <a:r>
+              <a:rPr lang="en-US" sz="4400" dirty="0">
+                <a:solidFill>
+                  <a:srgbClr val="E95EBE"/>
+                </a:solidFill>
+                <a:latin typeface="Consolas" panose="020B0609020204030204" pitchFamily="49" charset="0"/>
+              </a:rPr>
+              <a:t>8</a:t>
+            </a:r>
+            <a:r>
+              <a:rPr lang="en-US" sz="4400" dirty="0">
+                <a:solidFill>
+                  <a:srgbClr val="7030A0"/>
+                </a:solidFill>
+                <a:latin typeface="Consolas" panose="020B0609020204030204" pitchFamily="49" charset="0"/>
+              </a:rPr>
+              <a:t>)</a:t>
+            </a:r>
+            <a:endParaRPr lang="en-US" sz="4400" dirty="0">
+              <a:solidFill>
+                <a:srgbClr val="FFC000"/>
+              </a:solidFill>
+              <a:latin typeface="Consolas" panose="020B0609020204030204" pitchFamily="49" charset="0"/>
+            </a:endParaRPr>
+          </a:p>
+        </p:txBody>
+      </p:sp>
+      <p:sp>
+        <p:nvSpPr>
+          <p:cNvPr id="7" name="TextBox 6"/>
+          <p:cNvSpPr txBox="1"/>
+          <p:nvPr/>
+        </p:nvSpPr>
+        <p:spPr>
+          <a:xfrm>
+            <a:off x="5181600" y="2307131"/>
+            <a:ext cx="6515100" cy="2554545"/>
+          </a:xfrm>
+          <a:prstGeom prst="rect">
+            <a:avLst/>
+          </a:prstGeom>
+          <a:solidFill>
+            <a:srgbClr val="E95EBE">
+              <a:alpha val="5000"/>
+            </a:srgbClr>
+          </a:solidFill>
+          <a:ln w="34925">
+            <a:solidFill>
+              <a:srgbClr val="E95EBE"/>
+            </a:solidFill>
+          </a:ln>
+        </p:spPr>
+        <p:txBody>
+          <a:bodyPr wrap="square" rtlCol="0">
+            <a:spAutoFit/>
+          </a:bodyPr>
+          <a:lstStyle/>
+          <a:p>
+            <a:r>
+              <a:rPr lang="en-US" sz="4000" b="1" dirty="0">
+                <a:solidFill>
+                  <a:srgbClr val="1EE0E0"/>
+                </a:solidFill>
+              </a:rPr>
+              <a:t>Variable for storing return</a:t>
+            </a:r>
+          </a:p>
+          <a:p>
+            <a:r>
+              <a:rPr lang="en-US" sz="4000" dirty="0">
+                <a:solidFill>
+                  <a:srgbClr val="00B050"/>
+                </a:solidFill>
+              </a:rPr>
+              <a:t>Function name</a:t>
+            </a:r>
+          </a:p>
+          <a:p>
+            <a:r>
+              <a:rPr lang="en-US" sz="4000" dirty="0">
+                <a:solidFill>
+                  <a:srgbClr val="7030A0"/>
+                </a:solidFill>
+              </a:rPr>
+              <a:t>Parentheses</a:t>
+            </a:r>
+          </a:p>
+          <a:p>
+            <a:r>
+              <a:rPr lang="en-US" sz="4000" dirty="0">
+                <a:solidFill>
+                  <a:srgbClr val="E95EBE"/>
+                </a:solidFill>
+              </a:rPr>
+              <a:t>Argument</a:t>
+            </a:r>
+          </a:p>
+        </p:txBody>
+      </p:sp>
+      <p:sp>
+        <p:nvSpPr>
+          <p:cNvPr id="8" name="TextBox 7"/>
+          <p:cNvSpPr txBox="1"/>
+          <p:nvPr/>
+        </p:nvSpPr>
+        <p:spPr>
+          <a:xfrm>
+            <a:off x="381000" y="5143500"/>
+            <a:ext cx="11315700" cy="1323439"/>
+          </a:xfrm>
+          <a:prstGeom prst="rect">
+            <a:avLst/>
+          </a:prstGeom>
+          <a:noFill/>
+        </p:spPr>
+        <p:txBody>
+          <a:bodyPr wrap="square" rtlCol="0">
+            <a:spAutoFit/>
+          </a:bodyPr>
+          <a:lstStyle/>
+          <a:p>
+            <a:r>
+              <a:rPr lang="en-US" sz="4000" dirty="0">
+                <a:solidFill>
+                  <a:schemeClr val="tx2"/>
+                </a:solidFill>
+              </a:rPr>
+              <a:t>Now, the </a:t>
+            </a:r>
+            <a:r>
+              <a:rPr lang="en-US" sz="4000" b="1" dirty="0" err="1">
+                <a:solidFill>
+                  <a:srgbClr val="1EE0E0"/>
+                </a:solidFill>
+                <a:latin typeface="Consolas" panose="020B0609020204030204" pitchFamily="49" charset="0"/>
+              </a:rPr>
+              <a:t>val</a:t>
+            </a:r>
+            <a:r>
+              <a:rPr lang="en-US" sz="4000" dirty="0">
+                <a:solidFill>
+                  <a:schemeClr val="tx2"/>
+                </a:solidFill>
+              </a:rPr>
+              <a:t> variable will be equal to whatever is </a:t>
+            </a:r>
+            <a:r>
+              <a:rPr lang="en-US" sz="4000" i="1" dirty="0">
+                <a:solidFill>
+                  <a:schemeClr val="tx2"/>
+                </a:solidFill>
+              </a:rPr>
+              <a:t>returned</a:t>
+            </a:r>
+            <a:r>
+              <a:rPr lang="en-US" sz="4000" dirty="0">
+                <a:solidFill>
+                  <a:schemeClr val="tx2"/>
+                </a:solidFill>
+              </a:rPr>
+              <a:t> from the </a:t>
+            </a:r>
+            <a:r>
+              <a:rPr lang="en-US" sz="4000" dirty="0">
+                <a:solidFill>
+                  <a:srgbClr val="00B050"/>
+                </a:solidFill>
+                <a:latin typeface="Consolas" panose="020B0609020204030204" pitchFamily="49" charset="0"/>
+              </a:rPr>
+              <a:t>square</a:t>
+            </a:r>
+            <a:r>
+              <a:rPr lang="en-US" sz="4000" dirty="0">
+                <a:solidFill>
+                  <a:schemeClr val="tx2"/>
+                </a:solidFill>
+              </a:rPr>
+              <a:t> function…</a:t>
+            </a:r>
+            <a:endParaRPr lang="en-US" sz="4000" dirty="0">
+              <a:solidFill>
+                <a:schemeClr val="accent5">
+                  <a:lumMod val="10000"/>
+                </a:schemeClr>
+              </a:solidFill>
+              <a:latin typeface="Consolas" panose="020B0609020204030204" pitchFamily="49" charset="0"/>
+            </a:endParaRPr>
+          </a:p>
+        </p:txBody>
+      </p:sp>
+      <p:pic>
+        <p:nvPicPr>
+          <p:cNvPr id="1028" name="Picture 4" descr="The benefits of outbound call center for companies"/>
+          <p:cNvPicPr>
+            <a:picLocks noChangeAspect="1" noChangeArrowheads="1"/>
+          </p:cNvPicPr>
+          <p:nvPr/>
+        </p:nvPicPr>
+        <p:blipFill>
+          <a:blip r:embed="rId3">
+            <a:extLst>
+              <a:ext uri="{28A0092B-C50C-407E-A947-70E740481C1C}">
+                <a14:useLocalDpi xmlns:a14="http://schemas.microsoft.com/office/drawing/2010/main" val="0"/>
+              </a:ext>
+            </a:extLst>
+          </a:blip>
+          <a:srcRect/>
+          <a:stretch>
+            <a:fillRect/>
+          </a:stretch>
+        </p:blipFill>
+        <p:spPr bwMode="auto">
+          <a:xfrm>
+            <a:off x="1181100" y="1235213"/>
+            <a:ext cx="3495675" cy="2981326"/>
+          </a:xfrm>
+          <a:prstGeom prst="rect">
+            <a:avLst/>
+          </a:prstGeom>
+          <a:noFill/>
+          <a:extLst>
+            <a:ext uri="{909E8E84-426E-40DD-AFC4-6F175D3DCCD1}">
+              <a14:hiddenFill xmlns:a14="http://schemas.microsoft.com/office/drawing/2010/main">
+                <a:solidFill>
+                  <a:srgbClr val="FFFFFF"/>
+                </a:solidFill>
+              </a14:hiddenFill>
+            </a:ext>
+          </a:extLst>
+        </p:spPr>
+      </p:pic>
+      <p:sp>
+        <p:nvSpPr>
+          <p:cNvPr id="9" name="TextBox 8">
+            <a:extLst>
+              <a:ext uri="{FF2B5EF4-FFF2-40B4-BE49-F238E27FC236}">
+                <a16:creationId xmlns:a16="http://schemas.microsoft.com/office/drawing/2014/main" id="{D2434316-BAEF-4ACB-A67A-40A194E4AA44}"/>
+              </a:ext>
+            </a:extLst>
+          </p:cNvPr>
+          <p:cNvSpPr txBox="1"/>
+          <p:nvPr/>
+        </p:nvSpPr>
+        <p:spPr>
+          <a:xfrm>
+            <a:off x="9182100" y="5633850"/>
+            <a:ext cx="1105903" cy="1015663"/>
+          </a:xfrm>
+          <a:prstGeom prst="rect">
+            <a:avLst/>
+          </a:prstGeom>
+          <a:noFill/>
+        </p:spPr>
+        <p:txBody>
+          <a:bodyPr wrap="square">
+            <a:spAutoFit/>
+          </a:bodyPr>
+          <a:lstStyle/>
+          <a:p>
+            <a:r>
+              <a:rPr lang="en-US" sz="6000" b="1" dirty="0">
+                <a:solidFill>
+                  <a:srgbClr val="1EE0E0"/>
+                </a:solidFill>
+                <a:latin typeface="Consolas" panose="020B0609020204030204" pitchFamily="49" charset="0"/>
+              </a:rPr>
+              <a:t>64</a:t>
+            </a:r>
+            <a:endParaRPr lang="en-US" sz="6000" dirty="0"/>
+          </a:p>
+        </p:txBody>
+      </p:sp>
+    </p:spTree>
+    <p:extLst>
+      <p:ext uri="{BB962C8B-B14F-4D97-AF65-F5344CB8AC3E}">
+        <p14:creationId xmlns:p14="http://schemas.microsoft.com/office/powerpoint/2010/main" val="1026324841"/>
+      </p:ext>
+    </p:extLst>
+  </p:cSld>
+  <p:clrMapOvr>
+    <a:masterClrMapping/>
+  </p:clrMapOvr>
+  <p:transition>
+    <p:fade/>
+  </p:transition>
+  <p:timing>
+    <p:tnLst>
+      <p:par>
+        <p:cTn id="1" dur="indefinite" restart="never" nodeType="tmRoot">
+          <p:childTnLst>
+            <p:seq concurrent="1" nextAc="seek">
+              <p:cTn id="2" dur="indefinite" nodeType="mainSeq">
+                <p:childTnLst>
+                  <p:par>
+                    <p:cTn id="3" fill="hold">
+                      <p:stCondLst>
+                        <p:cond delay="indefinite"/>
+                      </p:stCondLst>
+                      <p:childTnLst>
+                        <p:par>
+                          <p:cTn id="4" fill="hold">
+                            <p:stCondLst>
+                              <p:cond delay="0"/>
+                            </p:stCondLst>
+                            <p:childTnLst>
+                              <p:par>
+                                <p:cTn id="5" presetID="10" presetClass="entr" presetSubtype="0" fill="hold" nodeType="clickEffect">
+                                  <p:stCondLst>
+                                    <p:cond delay="0"/>
+                                  </p:stCondLst>
+                                  <p:childTnLst>
+                                    <p:set>
+                                      <p:cBhvr>
+                                        <p:cTn id="6" dur="1" fill="hold">
+                                          <p:stCondLst>
+                                            <p:cond delay="0"/>
+                                          </p:stCondLst>
+                                        </p:cTn>
+                                        <p:tgtEl>
+                                          <p:spTgt spid="7">
+                                            <p:txEl>
+                                              <p:pRg st="0" end="0"/>
+                                            </p:txEl>
+                                          </p:spTgt>
+                                        </p:tgtEl>
+                                        <p:attrNameLst>
+                                          <p:attrName>style.visibility</p:attrName>
+                                        </p:attrNameLst>
+                                      </p:cBhvr>
+                                      <p:to>
+                                        <p:strVal val="visible"/>
+                                      </p:to>
+                                    </p:set>
+                                    <p:animEffect transition="in" filter="fade">
+                                      <p:cBhvr>
+                                        <p:cTn id="7" dur="500"/>
+                                        <p:tgtEl>
+                                          <p:spTgt spid="7">
+                                            <p:txEl>
+                                              <p:pRg st="0" end="0"/>
+                                            </p:txEl>
+                                          </p:spTgt>
+                                        </p:tgtEl>
+                                      </p:cBhvr>
+                                    </p:animEffect>
+                                  </p:childTnLst>
+                                </p:cTn>
+                              </p:par>
+                            </p:childTnLst>
+                          </p:cTn>
+                        </p:par>
+                      </p:childTnLst>
+                    </p:cTn>
+                  </p:par>
+                  <p:par>
+                    <p:cTn id="8" fill="hold">
+                      <p:stCondLst>
+                        <p:cond delay="indefinite"/>
+                      </p:stCondLst>
+                      <p:childTnLst>
+                        <p:par>
+                          <p:cTn id="9" fill="hold">
+                            <p:stCondLst>
+                              <p:cond delay="0"/>
+                            </p:stCondLst>
+                            <p:childTnLst>
+                              <p:par>
+                                <p:cTn id="10" presetID="10" presetClass="entr" presetSubtype="0" fill="hold" nodeType="clickEffect">
+                                  <p:stCondLst>
+                                    <p:cond delay="0"/>
+                                  </p:stCondLst>
+                                  <p:childTnLst>
+                                    <p:set>
+                                      <p:cBhvr>
+                                        <p:cTn id="11" dur="1" fill="hold">
+                                          <p:stCondLst>
+                                            <p:cond delay="0"/>
+                                          </p:stCondLst>
+                                        </p:cTn>
+                                        <p:tgtEl>
+                                          <p:spTgt spid="7">
+                                            <p:txEl>
+                                              <p:pRg st="1" end="1"/>
+                                            </p:txEl>
+                                          </p:spTgt>
+                                        </p:tgtEl>
+                                        <p:attrNameLst>
+                                          <p:attrName>style.visibility</p:attrName>
+                                        </p:attrNameLst>
+                                      </p:cBhvr>
+                                      <p:to>
+                                        <p:strVal val="visible"/>
+                                      </p:to>
+                                    </p:set>
+                                    <p:animEffect transition="in" filter="fade">
+                                      <p:cBhvr>
+                                        <p:cTn id="12" dur="500"/>
+                                        <p:tgtEl>
+                                          <p:spTgt spid="7">
+                                            <p:txEl>
+                                              <p:pRg st="1" end="1"/>
+                                            </p:txEl>
+                                          </p:spTgt>
+                                        </p:tgtEl>
+                                      </p:cBhvr>
+                                    </p:animEffect>
+                                  </p:childTnLst>
+                                </p:cTn>
+                              </p:par>
+                            </p:childTnLst>
+                          </p:cTn>
+                        </p:par>
+                        <p:par>
+                          <p:cTn id="13" fill="hold">
+                            <p:stCondLst>
+                              <p:cond delay="500"/>
+                            </p:stCondLst>
+                            <p:childTnLst>
+                              <p:par>
+                                <p:cTn id="14" presetID="10" presetClass="entr" presetSubtype="0" fill="hold" nodeType="afterEffect">
+                                  <p:stCondLst>
+                                    <p:cond delay="0"/>
+                                  </p:stCondLst>
+                                  <p:childTnLst>
+                                    <p:set>
+                                      <p:cBhvr>
+                                        <p:cTn id="15" dur="1" fill="hold">
+                                          <p:stCondLst>
+                                            <p:cond delay="0"/>
+                                          </p:stCondLst>
+                                        </p:cTn>
+                                        <p:tgtEl>
+                                          <p:spTgt spid="7">
+                                            <p:txEl>
+                                              <p:pRg st="2" end="2"/>
+                                            </p:txEl>
+                                          </p:spTgt>
+                                        </p:tgtEl>
+                                        <p:attrNameLst>
+                                          <p:attrName>style.visibility</p:attrName>
+                                        </p:attrNameLst>
+                                      </p:cBhvr>
+                                      <p:to>
+                                        <p:strVal val="visible"/>
+                                      </p:to>
+                                    </p:set>
+                                    <p:animEffect transition="in" filter="fade">
+                                      <p:cBhvr>
+                                        <p:cTn id="16" dur="500"/>
+                                        <p:tgtEl>
+                                          <p:spTgt spid="7">
+                                            <p:txEl>
+                                              <p:pRg st="2" end="2"/>
+                                            </p:txEl>
+                                          </p:spTgt>
+                                        </p:tgtEl>
+                                      </p:cBhvr>
+                                    </p:animEffect>
+                                  </p:childTnLst>
+                                </p:cTn>
+                              </p:par>
+                            </p:childTnLst>
+                          </p:cTn>
+                        </p:par>
+                        <p:par>
+                          <p:cTn id="17" fill="hold">
+                            <p:stCondLst>
+                              <p:cond delay="1000"/>
+                            </p:stCondLst>
+                            <p:childTnLst>
+                              <p:par>
+                                <p:cTn id="18" presetID="10" presetClass="entr" presetSubtype="0" fill="hold" nodeType="afterEffect">
+                                  <p:stCondLst>
+                                    <p:cond delay="0"/>
+                                  </p:stCondLst>
+                                  <p:childTnLst>
+                                    <p:set>
+                                      <p:cBhvr>
+                                        <p:cTn id="19" dur="1" fill="hold">
+                                          <p:stCondLst>
+                                            <p:cond delay="0"/>
+                                          </p:stCondLst>
+                                        </p:cTn>
+                                        <p:tgtEl>
+                                          <p:spTgt spid="7">
+                                            <p:txEl>
+                                              <p:pRg st="3" end="3"/>
+                                            </p:txEl>
+                                          </p:spTgt>
+                                        </p:tgtEl>
+                                        <p:attrNameLst>
+                                          <p:attrName>style.visibility</p:attrName>
+                                        </p:attrNameLst>
+                                      </p:cBhvr>
+                                      <p:to>
+                                        <p:strVal val="visible"/>
+                                      </p:to>
+                                    </p:set>
+                                    <p:animEffect transition="in" filter="fade">
+                                      <p:cBhvr>
+                                        <p:cTn id="20" dur="500"/>
+                                        <p:tgtEl>
+                                          <p:spTgt spid="7">
+                                            <p:txEl>
+                                              <p:pRg st="3" end="3"/>
+                                            </p:txEl>
+                                          </p:spTgt>
+                                        </p:tgtEl>
+                                      </p:cBhvr>
+                                    </p:animEffect>
+                                  </p:childTnLst>
+                                </p:cTn>
+                              </p:par>
+                            </p:childTnLst>
+                          </p:cTn>
+                        </p:par>
+                      </p:childTnLst>
+                    </p:cTn>
+                  </p:par>
+                  <p:par>
+                    <p:cTn id="21" fill="hold">
+                      <p:stCondLst>
+                        <p:cond delay="indefinite"/>
+                      </p:stCondLst>
+                      <p:childTnLst>
+                        <p:par>
+                          <p:cTn id="22" fill="hold">
+                            <p:stCondLst>
+                              <p:cond delay="0"/>
+                            </p:stCondLst>
+                            <p:childTnLst>
+                              <p:par>
+                                <p:cTn id="23" presetID="10" presetClass="entr" presetSubtype="0" fill="hold" grpId="0" nodeType="clickEffect">
+                                  <p:stCondLst>
+                                    <p:cond delay="0"/>
+                                  </p:stCondLst>
+                                  <p:childTnLst>
+                                    <p:set>
+                                      <p:cBhvr>
+                                        <p:cTn id="24" dur="1" fill="hold">
+                                          <p:stCondLst>
+                                            <p:cond delay="0"/>
+                                          </p:stCondLst>
+                                        </p:cTn>
+                                        <p:tgtEl>
+                                          <p:spTgt spid="8"/>
+                                        </p:tgtEl>
+                                        <p:attrNameLst>
+                                          <p:attrName>style.visibility</p:attrName>
+                                        </p:attrNameLst>
+                                      </p:cBhvr>
+                                      <p:to>
+                                        <p:strVal val="visible"/>
+                                      </p:to>
+                                    </p:set>
+                                    <p:animEffect transition="in" filter="fade">
+                                      <p:cBhvr>
+                                        <p:cTn id="25" dur="500"/>
+                                        <p:tgtEl>
+                                          <p:spTgt spid="8"/>
+                                        </p:tgtEl>
+                                      </p:cBhvr>
+                                    </p:animEffect>
+                                  </p:childTnLst>
+                                </p:cTn>
+                              </p:par>
+                            </p:childTnLst>
+                          </p:cTn>
+                        </p:par>
+                      </p:childTnLst>
+                    </p:cTn>
+                  </p:par>
+                  <p:par>
+                    <p:cTn id="26" fill="hold">
+                      <p:stCondLst>
+                        <p:cond delay="indefinite"/>
+                      </p:stCondLst>
+                      <p:childTnLst>
+                        <p:par>
+                          <p:cTn id="27" fill="hold">
+                            <p:stCondLst>
+                              <p:cond delay="0"/>
+                            </p:stCondLst>
+                            <p:childTnLst>
+                              <p:par>
+                                <p:cTn id="28" presetID="31" presetClass="entr" presetSubtype="0" fill="hold" grpId="0" nodeType="clickEffect">
+                                  <p:stCondLst>
+                                    <p:cond delay="0"/>
+                                  </p:stCondLst>
+                                  <p:childTnLst>
+                                    <p:set>
+                                      <p:cBhvr>
+                                        <p:cTn id="29" dur="1" fill="hold">
+                                          <p:stCondLst>
+                                            <p:cond delay="0"/>
+                                          </p:stCondLst>
+                                        </p:cTn>
+                                        <p:tgtEl>
+                                          <p:spTgt spid="9"/>
+                                        </p:tgtEl>
+                                        <p:attrNameLst>
+                                          <p:attrName>style.visibility</p:attrName>
+                                        </p:attrNameLst>
+                                      </p:cBhvr>
+                                      <p:to>
+                                        <p:strVal val="visible"/>
+                                      </p:to>
+                                    </p:set>
+                                    <p:anim calcmode="lin" valueType="num">
+                                      <p:cBhvr>
+                                        <p:cTn id="30" dur="1000" fill="hold"/>
+                                        <p:tgtEl>
+                                          <p:spTgt spid="9"/>
+                                        </p:tgtEl>
+                                        <p:attrNameLst>
+                                          <p:attrName>ppt_w</p:attrName>
+                                        </p:attrNameLst>
+                                      </p:cBhvr>
+                                      <p:tavLst>
+                                        <p:tav tm="0">
+                                          <p:val>
+                                            <p:fltVal val="0"/>
+                                          </p:val>
+                                        </p:tav>
+                                        <p:tav tm="100000">
+                                          <p:val>
+                                            <p:strVal val="#ppt_w"/>
+                                          </p:val>
+                                        </p:tav>
+                                      </p:tavLst>
+                                    </p:anim>
+                                    <p:anim calcmode="lin" valueType="num">
+                                      <p:cBhvr>
+                                        <p:cTn id="31" dur="1000" fill="hold"/>
+                                        <p:tgtEl>
+                                          <p:spTgt spid="9"/>
+                                        </p:tgtEl>
+                                        <p:attrNameLst>
+                                          <p:attrName>ppt_h</p:attrName>
+                                        </p:attrNameLst>
+                                      </p:cBhvr>
+                                      <p:tavLst>
+                                        <p:tav tm="0">
+                                          <p:val>
+                                            <p:fltVal val="0"/>
+                                          </p:val>
+                                        </p:tav>
+                                        <p:tav tm="100000">
+                                          <p:val>
+                                            <p:strVal val="#ppt_h"/>
+                                          </p:val>
+                                        </p:tav>
+                                      </p:tavLst>
+                                    </p:anim>
+                                    <p:anim calcmode="lin" valueType="num">
+                                      <p:cBhvr>
+                                        <p:cTn id="32" dur="1000" fill="hold"/>
+                                        <p:tgtEl>
+                                          <p:spTgt spid="9"/>
+                                        </p:tgtEl>
+                                        <p:attrNameLst>
+                                          <p:attrName>style.rotation</p:attrName>
+                                        </p:attrNameLst>
+                                      </p:cBhvr>
+                                      <p:tavLst>
+                                        <p:tav tm="0">
+                                          <p:val>
+                                            <p:fltVal val="90"/>
+                                          </p:val>
+                                        </p:tav>
+                                        <p:tav tm="100000">
+                                          <p:val>
+                                            <p:fltVal val="0"/>
+                                          </p:val>
+                                        </p:tav>
+                                      </p:tavLst>
+                                    </p:anim>
+                                    <p:animEffect transition="in" filter="fade">
+                                      <p:cBhvr>
+                                        <p:cTn id="33" dur="1000"/>
+                                        <p:tgtEl>
+                                          <p:spTgt spid="9"/>
+                                        </p:tgtEl>
+                                      </p:cBhvr>
+                                    </p:animEffect>
+                                  </p:childTnLst>
+                                </p:cTn>
+                              </p:par>
+                            </p:childTnLst>
+                          </p:cTn>
+                        </p:par>
+                      </p:childTnLst>
+                    </p:cTn>
+                  </p:par>
+                </p:childTnLst>
+              </p:cTn>
+              <p:prevCondLst>
+                <p:cond evt="onPrev" delay="0">
+                  <p:tgtEl>
+                    <p:sldTgt/>
+                  </p:tgtEl>
+                </p:cond>
+              </p:prevCondLst>
+              <p:nextCondLst>
+                <p:cond evt="onNext" delay="0">
+                  <p:tgtEl>
+                    <p:sldTgt/>
+                  </p:tgtEl>
+                </p:cond>
+              </p:nextCondLst>
+            </p:seq>
+          </p:childTnLst>
+        </p:cTn>
+      </p:par>
+    </p:tnLst>
+    <p:bldLst>
+      <p:bldP spid="8" grpId="0"/>
+      <p:bldP spid="9" grpId="0"/>
+    </p:bldLst>
+  </p:timing>
+</p:sld>
+</file>
+
+<file path=ppt/slides/slide13.xml><?xml version="1.0" encoding="utf-8"?>
+<p:sld xmlns:a="http://schemas.openxmlformats.org/drawingml/2006/main" xmlns:r="http://schemas.openxmlformats.org/officeDocument/2006/relationships" xmlns:p="http://schemas.openxmlformats.org/presentationml/2006/main">
+  <p:cSld>
+    <p:bg>
+      <p:bgPr>
+        <a:solidFill>
+          <a:schemeClr val="tx1">
+            <a:lumMod val="50000"/>
+          </a:schemeClr>
+        </a:solidFill>
+        <a:effectLst/>
+      </p:bgPr>
+    </p:bg>
+    <p:spTree>
+      <p:nvGrpSpPr>
+        <p:cNvPr id="1" name=""/>
+        <p:cNvGrpSpPr/>
+        <p:nvPr/>
+      </p:nvGrpSpPr>
+      <p:grpSpPr>
+        <a:xfrm>
+          <a:off x="0" y="0"/>
+          <a:ext cx="0" cy="0"/>
+          <a:chOff x="0" y="0"/>
+          <a:chExt cx="0" cy="0"/>
+        </a:xfrm>
+      </p:grpSpPr>
+      <p:sp>
+        <p:nvSpPr>
+          <p:cNvPr id="2" name="Title 1"/>
+          <p:cNvSpPr>
+            <a:spLocks noGrp="1"/>
+          </p:cNvSpPr>
+          <p:nvPr>
+            <p:ph type="title"/>
+          </p:nvPr>
+        </p:nvSpPr>
+        <p:spPr/>
+        <p:txBody>
+          <a:bodyPr/>
+          <a:lstStyle/>
+          <a:p>
+            <a:r>
+              <a:rPr lang="en-US" dirty="0"/>
+              <a:t>Function parameters example</a:t>
+            </a:r>
+          </a:p>
+        </p:txBody>
+      </p:sp>
+      <p:sp>
+        <p:nvSpPr>
+          <p:cNvPr id="3" name="Content Placeholder 2"/>
+          <p:cNvSpPr>
+            <a:spLocks noGrp="1"/>
+          </p:cNvSpPr>
+          <p:nvPr>
+            <p:ph idx="1"/>
+          </p:nvPr>
+        </p:nvSpPr>
+        <p:spPr/>
+        <p:txBody>
+          <a:bodyPr>
+            <a:noAutofit/>
+          </a:bodyPr>
+          <a:lstStyle/>
+          <a:p>
+            <a:pPr marL="57150" indent="0">
+              <a:buNone/>
+            </a:pPr>
+            <a:r>
+              <a:rPr lang="en-US" sz="9600" dirty="0">
+                <a:hlinkClick r:id="rId3"/>
+              </a:rPr>
+              <a:t>https://replit.com/@HylandOutreach</a:t>
+            </a:r>
+            <a:r>
+              <a:rPr lang="en-US" sz="9600">
+                <a:hlinkClick r:id="rId3"/>
+              </a:rPr>
+              <a:t>/ReturnExample</a:t>
+            </a:r>
+            <a:endParaRPr lang="en-US" sz="11500" dirty="0"/>
+          </a:p>
+        </p:txBody>
+      </p:sp>
+    </p:spTree>
+    <p:extLst>
+      <p:ext uri="{BB962C8B-B14F-4D97-AF65-F5344CB8AC3E}">
+        <p14:creationId xmlns:p14="http://schemas.microsoft.com/office/powerpoint/2010/main" val="2218183099"/>
+      </p:ext>
+    </p:extLst>
+  </p:cSld>
+  <p:clrMapOvr>
+    <a:masterClrMapping/>
+  </p:clrMapOvr>
+  <p:transition>
+    <p:fade/>
+  </p:transition>
+</p:sld>
+</file>
+
+<file path=ppt/slides/slide14.xml><?xml version="1.0" encoding="utf-8"?>
+<p:sld xmlns:a="http://schemas.openxmlformats.org/drawingml/2006/main" xmlns:r="http://schemas.openxmlformats.org/officeDocument/2006/relationships" xmlns:p="http://schemas.openxmlformats.org/presentationml/2006/main">
+  <p:cSld>
+    <p:spTree>
+      <p:nvGrpSpPr>
+        <p:cNvPr id="1" name=""/>
+        <p:cNvGrpSpPr/>
+        <p:nvPr/>
+      </p:nvGrpSpPr>
+      <p:grpSpPr>
+        <a:xfrm>
+          <a:off x="0" y="0"/>
+          <a:ext cx="0" cy="0"/>
+          <a:chOff x="0" y="0"/>
+          <a:chExt cx="0" cy="0"/>
+        </a:xfrm>
+      </p:grpSpPr>
+      <p:sp>
+        <p:nvSpPr>
+          <p:cNvPr id="2" name="Text Placeholder 1">
+            <a:extLst>
+              <a:ext uri="{FF2B5EF4-FFF2-40B4-BE49-F238E27FC236}">
+                <a16:creationId xmlns:a16="http://schemas.microsoft.com/office/drawing/2014/main" id="{D1B200A7-4ADF-4CEF-AA4A-46B4E094BD52}"/>
+              </a:ext>
+            </a:extLst>
+          </p:cNvPr>
+          <p:cNvSpPr>
+            <a:spLocks noGrp="1"/>
+          </p:cNvSpPr>
+          <p:nvPr>
+            <p:ph type="body" sz="quarter" idx="10"/>
+          </p:nvPr>
+        </p:nvSpPr>
+        <p:spPr/>
+        <p:txBody>
+          <a:bodyPr/>
+          <a:lstStyle/>
+          <a:p>
+            <a:r>
+              <a:rPr lang="en-US" dirty="0"/>
+              <a:t>Questions?</a:t>
+            </a:r>
+          </a:p>
+        </p:txBody>
+      </p:sp>
+    </p:spTree>
+    <p:extLst>
+      <p:ext uri="{BB962C8B-B14F-4D97-AF65-F5344CB8AC3E}">
+        <p14:creationId xmlns:p14="http://schemas.microsoft.com/office/powerpoint/2010/main" val="3621725190"/>
+      </p:ext>
+    </p:extLst>
+  </p:cSld>
+  <p:clrMapOvr>
+    <a:masterClrMapping/>
+  </p:clrMapOvr>
+  <p:transition>
+    <p:fade/>
+  </p:transition>
 </p:sld>
 </file>
 
@@ -36708,113 +39515,182 @@
           <a:lstStyle/>
           <a:p>
             <a:r>
-              <a:rPr lang="en-US" dirty="0" smtClean="0"/>
+              <a:rPr lang="en-US" dirty="0"/>
               <a:t>Functions Review</a:t>
             </a:r>
-            <a:endParaRPr lang="en-US" dirty="0"/>
           </a:p>
         </p:txBody>
       </p:sp>
       <p:sp>
         <p:nvSpPr>
-          <p:cNvPr id="3" name="Content Placeholder 2"/>
-          <p:cNvSpPr>
-            <a:spLocks noGrp="1"/>
-          </p:cNvSpPr>
-          <p:nvPr>
-            <p:ph idx="1"/>
-          </p:nvPr>
+          <p:cNvPr id="11" name="TextBox 10"/>
+          <p:cNvSpPr txBox="1"/>
+          <p:nvPr/>
         </p:nvSpPr>
         <p:spPr>
           <a:xfrm>
-            <a:off x="381000" y="1143000"/>
-            <a:ext cx="8915400" cy="5257800"/>
+            <a:off x="7207196" y="599035"/>
+            <a:ext cx="3971829" cy="3139321"/>
           </a:xfrm>
+          <a:prstGeom prst="rect">
+            <a:avLst/>
+          </a:prstGeom>
+          <a:noFill/>
+          <a:ln w="12700" cap="rnd" cmpd="sng">
+            <a:solidFill>
+              <a:schemeClr val="tx2"/>
+            </a:solidFill>
+            <a:prstDash val="sysDash"/>
+            <a:round/>
+          </a:ln>
+          <a:effectLst/>
         </p:spPr>
         <p:txBody>
-          <a:bodyPr>
-            <a:normAutofit fontScale="85000" lnSpcReduction="20000"/>
+          <a:bodyPr wrap="square" rtlCol="0">
+            <a:spAutoFit/>
           </a:bodyPr>
           <a:lstStyle/>
+          <a:p>
+            <a:r>
+              <a:rPr lang="en-US" sz="3600" dirty="0">
+                <a:solidFill>
+                  <a:schemeClr val="tx2"/>
+                </a:solidFill>
+              </a:rPr>
+              <a:t>When the user clicks the button that says “Hello”, the </a:t>
+            </a:r>
+            <a:r>
+              <a:rPr lang="en-US" sz="3600" dirty="0">
+                <a:solidFill>
+                  <a:schemeClr val="accent1">
+                    <a:lumMod val="50000"/>
+                  </a:schemeClr>
+                </a:solidFill>
+                <a:latin typeface="Consolas" panose="020B0609020204030204" pitchFamily="49" charset="0"/>
+              </a:rPr>
+              <a:t>hello</a:t>
+            </a:r>
+            <a:r>
+              <a:rPr lang="en-US" sz="3600" dirty="0">
+                <a:solidFill>
+                  <a:schemeClr val="tx2"/>
+                </a:solidFill>
+              </a:rPr>
+              <a:t> function will </a:t>
+            </a:r>
+            <a:r>
+              <a:rPr lang="en-US" sz="3600" i="1" dirty="0">
+                <a:solidFill>
+                  <a:schemeClr val="tx2"/>
+                </a:solidFill>
+              </a:rPr>
+              <a:t>execute</a:t>
+            </a:r>
+            <a:endParaRPr lang="en-US" sz="3600" dirty="0">
+              <a:solidFill>
+                <a:schemeClr val="tx2"/>
+              </a:solidFill>
+            </a:endParaRPr>
+          </a:p>
+          <a:p>
+            <a:endParaRPr lang="en-US" dirty="0"/>
+          </a:p>
+        </p:txBody>
+      </p:sp>
+      <p:sp>
+        <p:nvSpPr>
+          <p:cNvPr id="14" name="Rectangle 13">
+            <a:extLst>
+              <a:ext uri="{FF2B5EF4-FFF2-40B4-BE49-F238E27FC236}">
+                <a16:creationId xmlns:a16="http://schemas.microsoft.com/office/drawing/2014/main" id="{7A0BE59F-01E2-4516-B4A8-5D28AE566C05}"/>
+              </a:ext>
+            </a:extLst>
+          </p:cNvPr>
+          <p:cNvSpPr/>
+          <p:nvPr/>
+        </p:nvSpPr>
+        <p:spPr bwMode="auto">
+          <a:xfrm>
+            <a:off x="1295400" y="4163512"/>
+            <a:ext cx="5600700" cy="2279975"/>
+          </a:xfrm>
+          <a:prstGeom prst="rect">
+            <a:avLst/>
+          </a:prstGeom>
+          <a:solidFill>
+            <a:schemeClr val="accent5"/>
+          </a:solidFill>
+          <a:ln w="12700">
+            <a:solidFill>
+              <a:schemeClr val="tx2"/>
+            </a:solidFill>
+            <a:miter lim="800000"/>
+            <a:headEnd type="none" w="med" len="med"/>
+            <a:tailEnd type="none" w="med" len="med"/>
+          </a:ln>
+          <a:effectLst/>
+        </p:spPr>
+        <p:style>
+          <a:lnRef idx="1">
+            <a:schemeClr val="accent2"/>
+          </a:lnRef>
+          <a:fillRef idx="3">
+            <a:schemeClr val="accent2"/>
+          </a:fillRef>
+          <a:effectRef idx="2">
+            <a:schemeClr val="accent2"/>
+          </a:effectRef>
+          <a:fontRef idx="minor">
+            <a:schemeClr val="lt1"/>
+          </a:fontRef>
+        </p:style>
+        <p:txBody>
+          <a:bodyPr rot="0" spcFirstLastPara="0" vertOverflow="overflow" horzOverflow="overflow" vert="horz" wrap="square" lIns="182880" tIns="146304" rIns="182880" bIns="146304" numCol="1" spcCol="0" rtlCol="0" fromWordArt="0" anchor="t" anchorCtr="0" forceAA="0" compatLnSpc="1">
+            <a:prstTxWarp prst="textNoShape">
+              <a:avLst/>
+            </a:prstTxWarp>
+            <a:noAutofit/>
+          </a:bodyPr>
+          <a:lstStyle/>
+          <a:p>
+            <a:pPr algn="ctr" defTabSz="932472" fontAlgn="base">
+              <a:lnSpc>
+                <a:spcPct val="90000"/>
+              </a:lnSpc>
+              <a:spcBef>
+                <a:spcPct val="0"/>
+              </a:spcBef>
+              <a:spcAft>
+                <a:spcPct val="0"/>
+              </a:spcAft>
+            </a:pPr>
+            <a:r>
+              <a:rPr lang="en-US" sz="4000" dirty="0">
+                <a:solidFill>
+                  <a:schemeClr val="tx1"/>
+                </a:solidFill>
+                <a:ea typeface="Segoe UI" pitchFamily="34" charset="0"/>
+                <a:cs typeface="Segoe UI" pitchFamily="34" charset="0"/>
+              </a:rPr>
+              <a:t>JavaScript</a:t>
+            </a:r>
+          </a:p>
           <a:p>
             <a:pPr marL="0" indent="0">
               <a:buFont typeface="Arial" panose="020B0604020202020204" pitchFamily="34" charset="0"/>
               <a:buNone/>
             </a:pPr>
             <a:r>
-              <a:rPr lang="en-US" dirty="0">
-                <a:solidFill>
-                  <a:srgbClr val="800000"/>
-                </a:solidFill>
-                <a:latin typeface="Consolas" panose="020B0609020204030204" pitchFamily="49" charset="0"/>
-              </a:rPr>
-              <a:t>&lt;html&gt;</a:t>
-            </a:r>
-            <a:endParaRPr lang="en-US" dirty="0">
-              <a:solidFill>
-                <a:srgbClr val="000000"/>
-              </a:solidFill>
-              <a:latin typeface="Consolas" panose="020B0609020204030204" pitchFamily="49" charset="0"/>
-            </a:endParaRPr>
-          </a:p>
-          <a:p>
-            <a:pPr marL="0" indent="0">
-              <a:buFont typeface="Arial" panose="020B0604020202020204" pitchFamily="34" charset="0"/>
-              <a:buNone/>
-            </a:pPr>
-            <a:r>
-              <a:rPr lang="en-US" dirty="0">
-                <a:solidFill>
-                  <a:srgbClr val="800000"/>
-                </a:solidFill>
-                <a:latin typeface="Consolas" panose="020B0609020204030204" pitchFamily="49" charset="0"/>
-              </a:rPr>
-              <a:t>	&lt;head&gt;</a:t>
-            </a:r>
-            <a:endParaRPr lang="en-US" dirty="0">
-              <a:solidFill>
-                <a:srgbClr val="000000"/>
-              </a:solidFill>
-              <a:latin typeface="Consolas" panose="020B0609020204030204" pitchFamily="49" charset="0"/>
-            </a:endParaRPr>
-          </a:p>
-          <a:p>
-            <a:pPr marL="0" indent="0">
-              <a:buFont typeface="Arial" panose="020B0604020202020204" pitchFamily="34" charset="0"/>
-              <a:buNone/>
-            </a:pPr>
-            <a:r>
-              <a:rPr lang="en-US" dirty="0">
-                <a:solidFill>
-                  <a:srgbClr val="800000"/>
-                </a:solidFill>
-                <a:latin typeface="Consolas" panose="020B0609020204030204" pitchFamily="49" charset="0"/>
-              </a:rPr>
-              <a:t>		&lt;script&gt;</a:t>
-            </a:r>
-            <a:endParaRPr lang="en-US" dirty="0">
-              <a:solidFill>
-                <a:srgbClr val="000000"/>
-              </a:solidFill>
-              <a:latin typeface="Consolas" panose="020B0609020204030204" pitchFamily="49" charset="0"/>
-            </a:endParaRPr>
-          </a:p>
-          <a:p>
-            <a:pPr marL="0" indent="0">
-              <a:buFont typeface="Arial" panose="020B0604020202020204" pitchFamily="34" charset="0"/>
-              <a:buNone/>
-            </a:pPr>
-            <a:r>
-              <a:rPr lang="en-US" dirty="0">
+              <a:rPr lang="en-US" sz="2800" dirty="0">
                 <a:solidFill>
                   <a:srgbClr val="0000FF"/>
                 </a:solidFill>
                 <a:latin typeface="Consolas" panose="020B0609020204030204" pitchFamily="49" charset="0"/>
               </a:rPr>
-              <a:t>			function</a:t>
-            </a:r>
-            <a:r>
-              <a:rPr lang="en-US" dirty="0">
+              <a:t>function</a:t>
+            </a:r>
+            <a:r>
+              <a:rPr lang="en-US" sz="2800" dirty="0">
                 <a:solidFill>
                   <a:srgbClr val="000000"/>
                 </a:solidFill>
@@ -36829,16 +39705,16 @@
               <a:buNone/>
             </a:pPr>
             <a:r>
-              <a:rPr lang="en-US" dirty="0">
+              <a:rPr lang="en-US" sz="2800" dirty="0">
                 <a:solidFill>
                   <a:srgbClr val="000000"/>
                 </a:solidFill>
                 <a:latin typeface="Consolas" panose="020B0609020204030204" pitchFamily="49" charset="0"/>
               </a:rPr>
-              <a:t>				alert(</a:t>
-            </a:r>
-            <a:r>
-              <a:rPr lang="en-US" dirty="0">
+              <a:t>	alert(</a:t>
+            </a:r>
+            <a:r>
+              <a:rPr lang="en-US" sz="2800" dirty="0">
                 <a:solidFill>
                   <a:srgbClr val="A31515"/>
                 </a:solidFill>
@@ -36847,7 +39723,7 @@
               <a:t>"Hello!"</a:t>
             </a:r>
             <a:r>
-              <a:rPr lang="en-US" dirty="0">
+              <a:rPr lang="en-US" sz="2800" dirty="0">
                 <a:solidFill>
                   <a:srgbClr val="000000"/>
                 </a:solidFill>
@@ -36862,220 +39738,41 @@
               <a:buNone/>
             </a:pPr>
             <a:r>
-              <a:rPr lang="en-US" dirty="0">
+              <a:rPr lang="en-US" sz="2800" dirty="0">
                 <a:solidFill>
                   <a:srgbClr val="000000"/>
                 </a:solidFill>
                 <a:latin typeface="Consolas" panose="020B0609020204030204" pitchFamily="49" charset="0"/>
               </a:rPr>
-              <a:t>			}</a:t>
-            </a:r>
-          </a:p>
-          <a:p>
-            <a:pPr marL="0" indent="0">
-              <a:buFont typeface="Arial" panose="020B0604020202020204" pitchFamily="34" charset="0"/>
-              <a:buNone/>
+              <a:t>}</a:t>
+            </a:r>
+          </a:p>
+          <a:p>
+            <a:pPr algn="ctr" defTabSz="932472" fontAlgn="base">
+              <a:lnSpc>
+                <a:spcPct val="90000"/>
+              </a:lnSpc>
+              <a:spcBef>
+                <a:spcPct val="0"/>
+              </a:spcBef>
+              <a:spcAft>
+                <a:spcPct val="0"/>
+              </a:spcAft>
             </a:pPr>
-            <a:r>
-              <a:rPr lang="en-US" dirty="0">
-                <a:solidFill>
-                  <a:srgbClr val="800000"/>
-                </a:solidFill>
-                <a:latin typeface="Consolas" panose="020B0609020204030204" pitchFamily="49" charset="0"/>
-              </a:rPr>
-              <a:t>		&lt;/script&gt;</a:t>
-            </a:r>
-            <a:endParaRPr lang="en-US" dirty="0">
-              <a:solidFill>
-                <a:srgbClr val="000000"/>
-              </a:solidFill>
-              <a:latin typeface="Consolas" panose="020B0609020204030204" pitchFamily="49" charset="0"/>
-            </a:endParaRPr>
-          </a:p>
-          <a:p>
-            <a:pPr marL="0" indent="0">
-              <a:buFont typeface="Arial" panose="020B0604020202020204" pitchFamily="34" charset="0"/>
-              <a:buNone/>
-            </a:pPr>
-            <a:r>
-              <a:rPr lang="en-US" dirty="0">
-                <a:solidFill>
-                  <a:srgbClr val="800000"/>
-                </a:solidFill>
-                <a:latin typeface="Consolas" panose="020B0609020204030204" pitchFamily="49" charset="0"/>
-              </a:rPr>
-              <a:t>	&lt;/head&gt;</a:t>
-            </a:r>
-            <a:endParaRPr lang="en-US" dirty="0">
-              <a:solidFill>
-                <a:srgbClr val="000000"/>
-              </a:solidFill>
-              <a:latin typeface="Consolas" panose="020B0609020204030204" pitchFamily="49" charset="0"/>
-            </a:endParaRPr>
-          </a:p>
-          <a:p>
-            <a:pPr marL="0" indent="0">
-              <a:buFont typeface="Arial" panose="020B0604020202020204" pitchFamily="34" charset="0"/>
-              <a:buNone/>
-            </a:pPr>
-            <a:r>
-              <a:rPr lang="en-US" dirty="0">
-                <a:solidFill>
-                  <a:srgbClr val="800000"/>
-                </a:solidFill>
-                <a:latin typeface="Consolas" panose="020B0609020204030204" pitchFamily="49" charset="0"/>
-              </a:rPr>
-              <a:t>	&lt;body&gt;</a:t>
-            </a:r>
-            <a:endParaRPr lang="en-US" dirty="0">
-              <a:solidFill>
-                <a:srgbClr val="000000"/>
-              </a:solidFill>
-              <a:latin typeface="Consolas" panose="020B0609020204030204" pitchFamily="49" charset="0"/>
-            </a:endParaRPr>
-          </a:p>
-          <a:p>
-            <a:pPr marL="0" indent="0">
-              <a:buFont typeface="Arial" panose="020B0604020202020204" pitchFamily="34" charset="0"/>
-              <a:buNone/>
-            </a:pPr>
-            <a:r>
-              <a:rPr lang="en-US" dirty="0">
-                <a:solidFill>
-                  <a:srgbClr val="800000"/>
-                </a:solidFill>
-                <a:latin typeface="Consolas" panose="020B0609020204030204" pitchFamily="49" charset="0"/>
-              </a:rPr>
-              <a:t>		&lt;button</a:t>
-            </a:r>
-            <a:r>
-              <a:rPr lang="en-US" dirty="0">
-                <a:solidFill>
-                  <a:srgbClr val="000000"/>
-                </a:solidFill>
-                <a:latin typeface="Consolas" panose="020B0609020204030204" pitchFamily="49" charset="0"/>
-              </a:rPr>
-              <a:t> </a:t>
-            </a:r>
-            <a:r>
-              <a:rPr lang="en-US" dirty="0" err="1">
-                <a:solidFill>
-                  <a:srgbClr val="FF0000"/>
-                </a:solidFill>
-                <a:latin typeface="Consolas" panose="020B0609020204030204" pitchFamily="49" charset="0"/>
-              </a:rPr>
-              <a:t>onclick</a:t>
-            </a:r>
-            <a:r>
-              <a:rPr lang="en-US" dirty="0">
-                <a:solidFill>
-                  <a:srgbClr val="000000"/>
-                </a:solidFill>
-                <a:latin typeface="Consolas" panose="020B0609020204030204" pitchFamily="49" charset="0"/>
-              </a:rPr>
-              <a:t>=</a:t>
-            </a:r>
-            <a:r>
-              <a:rPr lang="en-US" dirty="0">
-                <a:solidFill>
-                  <a:srgbClr val="0000FF"/>
-                </a:solidFill>
-                <a:latin typeface="Consolas" panose="020B0609020204030204" pitchFamily="49" charset="0"/>
-              </a:rPr>
-              <a:t>"hello</a:t>
-            </a:r>
-            <a:r>
-              <a:rPr lang="en-US" dirty="0" smtClean="0">
-                <a:solidFill>
-                  <a:srgbClr val="0000FF"/>
-                </a:solidFill>
-                <a:latin typeface="Consolas" panose="020B0609020204030204" pitchFamily="49" charset="0"/>
-              </a:rPr>
-              <a:t>()"</a:t>
-            </a:r>
-            <a:r>
-              <a:rPr lang="en-US" dirty="0" smtClean="0">
-                <a:solidFill>
-                  <a:srgbClr val="800000"/>
-                </a:solidFill>
-                <a:latin typeface="Consolas" panose="020B0609020204030204" pitchFamily="49" charset="0"/>
-              </a:rPr>
-              <a:t>&gt;</a:t>
-            </a:r>
-            <a:r>
-              <a:rPr lang="en-US" dirty="0">
-                <a:solidFill>
-                  <a:srgbClr val="000000"/>
-                </a:solidFill>
-                <a:latin typeface="Consolas" panose="020B0609020204030204" pitchFamily="49" charset="0"/>
-              </a:rPr>
-              <a:t>Hello</a:t>
-            </a:r>
-            <a:r>
-              <a:rPr lang="en-US" dirty="0">
-                <a:solidFill>
-                  <a:srgbClr val="800000"/>
-                </a:solidFill>
-                <a:latin typeface="Consolas" panose="020B0609020204030204" pitchFamily="49" charset="0"/>
-              </a:rPr>
-              <a:t>&lt;/button&gt;</a:t>
-            </a:r>
-            <a:endParaRPr lang="en-US" dirty="0">
-              <a:solidFill>
-                <a:srgbClr val="000000"/>
-              </a:solidFill>
-              <a:latin typeface="Consolas" panose="020B0609020204030204" pitchFamily="49" charset="0"/>
-            </a:endParaRPr>
-          </a:p>
-          <a:p>
-            <a:pPr marL="0" indent="0">
-              <a:buFont typeface="Arial" panose="020B0604020202020204" pitchFamily="34" charset="0"/>
-              <a:buNone/>
-            </a:pPr>
-            <a:r>
-              <a:rPr lang="en-US" dirty="0">
-                <a:solidFill>
-                  <a:srgbClr val="800000"/>
-                </a:solidFill>
-                <a:latin typeface="Consolas" panose="020B0609020204030204" pitchFamily="49" charset="0"/>
-              </a:rPr>
-              <a:t>	&lt;/body&gt;</a:t>
-            </a:r>
-            <a:endParaRPr lang="en-US" dirty="0">
-              <a:solidFill>
-                <a:srgbClr val="000000"/>
-              </a:solidFill>
-              <a:latin typeface="Consolas" panose="020B0609020204030204" pitchFamily="49" charset="0"/>
-            </a:endParaRPr>
-          </a:p>
-          <a:p>
-            <a:pPr marL="0" indent="0">
-              <a:buFont typeface="Arial" panose="020B0604020202020204" pitchFamily="34" charset="0"/>
-              <a:buNone/>
-            </a:pPr>
-            <a:r>
-              <a:rPr lang="en-US" dirty="0">
-                <a:solidFill>
-                  <a:srgbClr val="800000"/>
-                </a:solidFill>
-                <a:latin typeface="Consolas" panose="020B0609020204030204" pitchFamily="49" charset="0"/>
-              </a:rPr>
-              <a:t>&lt;/html</a:t>
-            </a:r>
-            <a:r>
-              <a:rPr lang="en-US" dirty="0" smtClean="0">
-                <a:solidFill>
-                  <a:srgbClr val="800000"/>
-                </a:solidFill>
-                <a:latin typeface="Consolas" panose="020B0609020204030204" pitchFamily="49" charset="0"/>
-              </a:rPr>
-              <a:t>&gt;</a:t>
-            </a:r>
-            <a:endParaRPr lang="en-US" dirty="0">
-              <a:solidFill>
-                <a:srgbClr val="000000"/>
-              </a:solidFill>
-              <a:latin typeface="Consolas" panose="020B0609020204030204" pitchFamily="49" charset="0"/>
+            <a:endParaRPr lang="en-US" sz="2400" dirty="0" err="1">
+              <a:gradFill>
+                <a:gsLst>
+                  <a:gs pos="0">
+                    <a:srgbClr val="FFFFFF"/>
+                  </a:gs>
+                  <a:gs pos="100000">
+                    <a:srgbClr val="FFFFFF"/>
+                  </a:gs>
+                </a:gsLst>
+                <a:lin ang="5400000" scaled="0"/>
+              </a:gradFill>
+              <a:ea typeface="Segoe UI" pitchFamily="34" charset="0"/>
+              <a:cs typeface="Segoe UI" pitchFamily="34" charset="0"/>
             </a:endParaRPr>
           </a:p>
         </p:txBody>
@@ -37088,8 +39785,8 @@
         </p:nvSpPr>
         <p:spPr>
           <a:xfrm>
-            <a:off x="4610100" y="2400300"/>
-            <a:ext cx="896112" cy="422031"/>
+            <a:off x="3179064" y="4889904"/>
+            <a:ext cx="1066800" cy="422031"/>
           </a:xfrm>
           <a:prstGeom prst="rect">
             <a:avLst/>
@@ -37127,59 +39824,14 @@
       </p:sp>
       <p:sp>
         <p:nvSpPr>
-          <p:cNvPr id="6" name="Rectangle 5"/>
-          <p:cNvSpPr/>
-          <p:nvPr/>
-        </p:nvSpPr>
-        <p:spPr>
-          <a:xfrm>
-            <a:off x="5058156" y="5065776"/>
-            <a:ext cx="868680" cy="422031"/>
-          </a:xfrm>
-          <a:prstGeom prst="rect">
-            <a:avLst/>
-          </a:prstGeom>
-          <a:solidFill>
-            <a:schemeClr val="accent1">
-              <a:alpha val="25000"/>
-            </a:schemeClr>
-          </a:solidFill>
-        </p:spPr>
-        <p:style>
-          <a:lnRef idx="2">
-            <a:schemeClr val="accent1">
-              <a:shade val="50000"/>
-            </a:schemeClr>
-          </a:lnRef>
-          <a:fillRef idx="1">
-            <a:schemeClr val="accent1"/>
-          </a:fillRef>
-          <a:effectRef idx="0">
-            <a:schemeClr val="accent1"/>
-          </a:effectRef>
-          <a:fontRef idx="minor">
-            <a:schemeClr val="lt1"/>
-          </a:fontRef>
-        </p:style>
-        <p:txBody>
-          <a:bodyPr rtlCol="0" anchor="ctr"/>
-          <a:lstStyle/>
-          <a:p>
-            <a:pPr algn="ctr"/>
-            <a:endParaRPr lang="en-US"/>
-          </a:p>
-        </p:txBody>
-      </p:sp>
-      <p:sp>
-        <p:nvSpPr>
           <p:cNvPr id="7" name="TextBox 6"/>
           <p:cNvSpPr txBox="1"/>
           <p:nvPr/>
         </p:nvSpPr>
         <p:spPr>
           <a:xfrm>
-            <a:off x="4495800" y="2104813"/>
-            <a:ext cx="1367682" cy="307777"/>
+            <a:off x="4993867" y="4930050"/>
+            <a:ext cx="1628193" cy="338554"/>
           </a:xfrm>
           <a:prstGeom prst="rect">
             <a:avLst/>
@@ -37187,61 +39839,250 @@
           <a:noFill/>
         </p:spPr>
         <p:txBody>
-          <a:bodyPr wrap="none" rtlCol="0">
+          <a:bodyPr wrap="square" rtlCol="0">
             <a:spAutoFit/>
           </a:bodyPr>
           <a:lstStyle/>
           <a:p>
             <a:r>
-              <a:rPr lang="en-US" sz="1400" dirty="0" smtClean="0">
+              <a:rPr lang="en-US" sz="1600" dirty="0">
                 <a:solidFill>
                   <a:schemeClr val="accent1"/>
                 </a:solidFill>
               </a:rPr>
               <a:t>Function name</a:t>
             </a:r>
-            <a:endParaRPr lang="en-US" sz="1400" dirty="0">
-              <a:solidFill>
-                <a:schemeClr val="accent1"/>
-              </a:solidFill>
-            </a:endParaRPr>
           </a:p>
         </p:txBody>
       </p:sp>
       <p:sp>
         <p:nvSpPr>
-          <p:cNvPr id="8" name="TextBox 7"/>
-          <p:cNvSpPr txBox="1"/>
+          <p:cNvPr id="13" name="Rectangle 12">
+            <a:extLst>
+              <a:ext uri="{FF2B5EF4-FFF2-40B4-BE49-F238E27FC236}">
+                <a16:creationId xmlns:a16="http://schemas.microsoft.com/office/drawing/2014/main" id="{8ECD67E3-99FF-4627-9057-5A720C52C09A}"/>
+              </a:ext>
+            </a:extLst>
+          </p:cNvPr>
+          <p:cNvSpPr/>
           <p:nvPr/>
         </p:nvSpPr>
-        <p:spPr>
+        <p:spPr bwMode="auto">
           <a:xfrm>
-            <a:off x="4953000" y="4757999"/>
-            <a:ext cx="1367682" cy="307777"/>
+            <a:off x="469472" y="1257300"/>
+            <a:ext cx="5600700" cy="2279975"/>
           </a:xfrm>
           <a:prstGeom prst="rect">
             <a:avLst/>
           </a:prstGeom>
-          <a:noFill/>
+          <a:solidFill>
+            <a:schemeClr val="accent5"/>
+          </a:solidFill>
+          <a:ln w="12700">
+            <a:solidFill>
+              <a:schemeClr val="tx2"/>
+            </a:solidFill>
+            <a:miter lim="800000"/>
+            <a:headEnd type="none" w="med" len="med"/>
+            <a:tailEnd type="none" w="med" len="med"/>
+          </a:ln>
+          <a:effectLst/>
         </p:spPr>
+        <p:style>
+          <a:lnRef idx="1">
+            <a:schemeClr val="accent2"/>
+          </a:lnRef>
+          <a:fillRef idx="3">
+            <a:schemeClr val="accent2"/>
+          </a:fillRef>
+          <a:effectRef idx="2">
+            <a:schemeClr val="accent2"/>
+          </a:effectRef>
+          <a:fontRef idx="minor">
+            <a:schemeClr val="lt1"/>
+          </a:fontRef>
+        </p:style>
         <p:txBody>
-          <a:bodyPr wrap="none" rtlCol="0">
-            <a:spAutoFit/>
+          <a:bodyPr rot="0" spcFirstLastPara="0" vertOverflow="overflow" horzOverflow="overflow" vert="horz" wrap="square" lIns="182880" tIns="146304" rIns="182880" bIns="146304" numCol="1" spcCol="0" rtlCol="0" fromWordArt="0" anchor="t" anchorCtr="0" forceAA="0" compatLnSpc="1">
+            <a:prstTxWarp prst="textNoShape">
+              <a:avLst/>
+            </a:prstTxWarp>
+            <a:noAutofit/>
           </a:bodyPr>
           <a:lstStyle/>
           <a:p>
-            <a:r>
-              <a:rPr lang="en-US" sz="1400" dirty="0" smtClean="0">
+            <a:pPr algn="ctr" defTabSz="932472" fontAlgn="base">
+              <a:lnSpc>
+                <a:spcPct val="90000"/>
+              </a:lnSpc>
+              <a:spcBef>
+                <a:spcPct val="0"/>
+              </a:spcBef>
+              <a:spcAft>
+                <a:spcPct val="0"/>
+              </a:spcAft>
+            </a:pPr>
+            <a:r>
+              <a:rPr lang="en-US" sz="4000" dirty="0">
                 <a:solidFill>
-                  <a:schemeClr val="accent1"/>
+                  <a:schemeClr val="tx1"/>
                 </a:solidFill>
+                <a:ea typeface="Segoe UI" pitchFamily="34" charset="0"/>
+                <a:cs typeface="Segoe UI" pitchFamily="34" charset="0"/>
               </a:rPr>
-              <a:t>Function name</a:t>
-            </a:r>
-            <a:endParaRPr lang="en-US" sz="1400" dirty="0">
+              <a:t>HTML</a:t>
+            </a:r>
+            <a:endParaRPr lang="en-US" sz="2400" dirty="0">
               <a:solidFill>
-                <a:schemeClr val="accent1"/>
+                <a:schemeClr val="tx1"/>
               </a:solidFill>
+              <a:ea typeface="Segoe UI" pitchFamily="34" charset="0"/>
+              <a:cs typeface="Segoe UI" pitchFamily="34" charset="0"/>
+            </a:endParaRPr>
+          </a:p>
+          <a:p>
+            <a:pPr>
+              <a:lnSpc>
+                <a:spcPct val="90000"/>
+              </a:lnSpc>
+              <a:spcAft>
+                <a:spcPts val="600"/>
+              </a:spcAft>
+            </a:pPr>
+            <a:r>
+              <a:rPr lang="en-US" sz="2800" dirty="0">
+                <a:solidFill>
+                  <a:srgbClr val="800000"/>
+                </a:solidFill>
+                <a:latin typeface="Consolas" panose="020B0609020204030204" pitchFamily="49" charset="0"/>
+              </a:rPr>
+              <a:t>&lt;button</a:t>
+            </a:r>
+            <a:r>
+              <a:rPr lang="en-US" sz="2800" dirty="0">
+                <a:solidFill>
+                  <a:srgbClr val="000000"/>
+                </a:solidFill>
+                <a:latin typeface="Consolas" panose="020B0609020204030204" pitchFamily="49" charset="0"/>
+              </a:rPr>
+              <a:t> </a:t>
+            </a:r>
+            <a:r>
+              <a:rPr lang="en-US" sz="2800" dirty="0">
+                <a:solidFill>
+                  <a:srgbClr val="FF0000"/>
+                </a:solidFill>
+                <a:latin typeface="Consolas" panose="020B0609020204030204" pitchFamily="49" charset="0"/>
+              </a:rPr>
+              <a:t>onclick</a:t>
+            </a:r>
+            <a:r>
+              <a:rPr lang="en-US" sz="2800" dirty="0">
+                <a:solidFill>
+                  <a:srgbClr val="000000"/>
+                </a:solidFill>
+                <a:latin typeface="Consolas" panose="020B0609020204030204" pitchFamily="49" charset="0"/>
+              </a:rPr>
+              <a:t>=</a:t>
+            </a:r>
+            <a:r>
+              <a:rPr lang="en-US" sz="2800" dirty="0">
+                <a:solidFill>
+                  <a:srgbClr val="0000FF"/>
+                </a:solidFill>
+                <a:latin typeface="Consolas" panose="020B0609020204030204" pitchFamily="49" charset="0"/>
+              </a:rPr>
+              <a:t>"hello()"</a:t>
+            </a:r>
+            <a:r>
+              <a:rPr lang="en-US" sz="2800" dirty="0">
+                <a:solidFill>
+                  <a:srgbClr val="800000"/>
+                </a:solidFill>
+                <a:latin typeface="Consolas" panose="020B0609020204030204" pitchFamily="49" charset="0"/>
+              </a:rPr>
+              <a:t>&gt;</a:t>
+            </a:r>
+          </a:p>
+          <a:p>
+            <a:pPr>
+              <a:lnSpc>
+                <a:spcPct val="90000"/>
+              </a:lnSpc>
+              <a:spcAft>
+                <a:spcPts val="600"/>
+              </a:spcAft>
+            </a:pPr>
+            <a:r>
+              <a:rPr lang="en-US" sz="2800" dirty="0">
+                <a:solidFill>
+                  <a:srgbClr val="800000"/>
+                </a:solidFill>
+                <a:latin typeface="Consolas" panose="020B0609020204030204" pitchFamily="49" charset="0"/>
+              </a:rPr>
+              <a:t>	</a:t>
+            </a:r>
+            <a:r>
+              <a:rPr lang="en-US" sz="2800" dirty="0">
+                <a:solidFill>
+                  <a:srgbClr val="000000"/>
+                </a:solidFill>
+                <a:latin typeface="Consolas" panose="020B0609020204030204" pitchFamily="49" charset="0"/>
+              </a:rPr>
+              <a:t>Hello</a:t>
+            </a:r>
+          </a:p>
+          <a:p>
+            <a:pPr>
+              <a:lnSpc>
+                <a:spcPct val="90000"/>
+              </a:lnSpc>
+              <a:spcAft>
+                <a:spcPts val="600"/>
+              </a:spcAft>
+            </a:pPr>
+            <a:r>
+              <a:rPr lang="en-US" sz="2800" dirty="0">
+                <a:solidFill>
+                  <a:srgbClr val="800000"/>
+                </a:solidFill>
+                <a:latin typeface="Consolas" panose="020B0609020204030204" pitchFamily="49" charset="0"/>
+              </a:rPr>
+              <a:t>&lt;/button&gt;</a:t>
+            </a:r>
+            <a:endParaRPr lang="en-US" sz="2800" dirty="0">
+              <a:solidFill>
+                <a:srgbClr val="000000"/>
+              </a:solidFill>
+              <a:latin typeface="Consolas" panose="020B0609020204030204" pitchFamily="49" charset="0"/>
+            </a:endParaRPr>
+          </a:p>
+          <a:p>
+            <a:pPr algn="ctr" defTabSz="932472" fontAlgn="base">
+              <a:lnSpc>
+                <a:spcPct val="90000"/>
+              </a:lnSpc>
+              <a:spcBef>
+                <a:spcPct val="0"/>
+              </a:spcBef>
+              <a:spcAft>
+                <a:spcPct val="0"/>
+              </a:spcAft>
+            </a:pPr>
+            <a:endParaRPr lang="en-US" sz="2400" dirty="0" err="1">
+              <a:gradFill>
+                <a:gsLst>
+                  <a:gs pos="0">
+                    <a:srgbClr val="FFFFFF"/>
+                  </a:gs>
+                  <a:gs pos="100000">
+                    <a:srgbClr val="FFFFFF"/>
+                  </a:gs>
+                </a:gsLst>
+                <a:lin ang="5400000" scaled="0"/>
+              </a:gradFill>
+              <a:ea typeface="Segoe UI" pitchFamily="34" charset="0"/>
+              <a:cs typeface="Segoe UI" pitchFamily="34" charset="0"/>
             </a:endParaRPr>
           </a:p>
         </p:txBody>
@@ -37254,8 +40095,8 @@
         </p:nvSpPr>
         <p:spPr>
           <a:xfrm>
-            <a:off x="3511686" y="5066829"/>
-            <a:ext cx="1234440" cy="422031"/>
+            <a:off x="2141140" y="1919339"/>
+            <a:ext cx="1463040" cy="422031"/>
           </a:xfrm>
           <a:prstGeom prst="rect">
             <a:avLst/>
@@ -37304,8 +40145,8 @@
         </p:nvSpPr>
         <p:spPr>
           <a:xfrm>
-            <a:off x="3434202" y="4757999"/>
-            <a:ext cx="1428596" cy="307777"/>
+            <a:off x="1012975" y="1626898"/>
+            <a:ext cx="1609736" cy="338554"/>
           </a:xfrm>
           <a:prstGeom prst="rect">
             <a:avLst/>
@@ -37319,7 +40160,7 @@
           <a:lstStyle/>
           <a:p>
             <a:r>
-              <a:rPr lang="en-US" sz="1400" dirty="0" err="1" smtClean="0">
+              <a:rPr lang="en-US" sz="1600" dirty="0" err="1">
                 <a:solidFill>
                   <a:srgbClr val="FF0000"/>
                 </a:solidFill>
@@ -37327,93 +40168,246 @@
               <a:t>onclick</a:t>
             </a:r>
             <a:r>
-              <a:rPr lang="en-US" sz="1400" dirty="0" smtClean="0">
+              <a:rPr lang="en-US" sz="1600" dirty="0">
                 <a:solidFill>
                   <a:srgbClr val="FF0000"/>
                 </a:solidFill>
               </a:rPr>
               <a:t> attribute</a:t>
             </a:r>
-            <a:endParaRPr lang="en-US" sz="1400" dirty="0">
-              <a:solidFill>
-                <a:srgbClr val="FF0000"/>
-              </a:solidFill>
-            </a:endParaRPr>
           </a:p>
         </p:txBody>
       </p:sp>
       <p:sp>
         <p:nvSpPr>
-          <p:cNvPr id="11" name="TextBox 10"/>
+          <p:cNvPr id="15" name="Rectangle 14">
+            <a:extLst>
+              <a:ext uri="{FF2B5EF4-FFF2-40B4-BE49-F238E27FC236}">
+                <a16:creationId xmlns:a16="http://schemas.microsoft.com/office/drawing/2014/main" id="{DF003441-584E-4191-BC1C-7523B1C36A0A}"/>
+              </a:ext>
+            </a:extLst>
+          </p:cNvPr>
+          <p:cNvSpPr/>
+          <p:nvPr/>
+        </p:nvSpPr>
+        <p:spPr>
+          <a:xfrm>
+            <a:off x="3974672" y="1919339"/>
+            <a:ext cx="1005840" cy="422031"/>
+          </a:xfrm>
+          <a:prstGeom prst="rect">
+            <a:avLst/>
+          </a:prstGeom>
+          <a:solidFill>
+            <a:schemeClr val="accent1">
+              <a:alpha val="25000"/>
+            </a:schemeClr>
+          </a:solidFill>
+        </p:spPr>
+        <p:style>
+          <a:lnRef idx="2">
+            <a:schemeClr val="accent1">
+              <a:shade val="50000"/>
+            </a:schemeClr>
+          </a:lnRef>
+          <a:fillRef idx="1">
+            <a:schemeClr val="accent1"/>
+          </a:fillRef>
+          <a:effectRef idx="0">
+            <a:schemeClr val="accent1"/>
+          </a:effectRef>
+          <a:fontRef idx="minor">
+            <a:schemeClr val="lt1"/>
+          </a:fontRef>
+        </p:style>
+        <p:txBody>
+          <a:bodyPr rtlCol="0" anchor="ctr"/>
+          <a:lstStyle/>
+          <a:p>
+            <a:pPr algn="ctr"/>
+            <a:endParaRPr lang="en-US"/>
+          </a:p>
+        </p:txBody>
+      </p:sp>
+      <p:sp>
+        <p:nvSpPr>
+          <p:cNvPr id="16" name="TextBox 15">
+            <a:extLst>
+              <a:ext uri="{FF2B5EF4-FFF2-40B4-BE49-F238E27FC236}">
+                <a16:creationId xmlns:a16="http://schemas.microsoft.com/office/drawing/2014/main" id="{A62FA5D5-BD08-4494-A65D-42CD1451F89D}"/>
+              </a:ext>
+            </a:extLst>
+          </p:cNvPr>
           <p:cNvSpPr txBox="1"/>
           <p:nvPr/>
         </p:nvSpPr>
         <p:spPr>
           <a:xfrm>
-            <a:off x="7310485" y="1041654"/>
-            <a:ext cx="3971829" cy="3139321"/>
+            <a:off x="3758905" y="2402935"/>
+            <a:ext cx="1628193" cy="338554"/>
+          </a:xfrm>
+          <a:prstGeom prst="rect">
+            <a:avLst/>
+          </a:prstGeom>
+          <a:noFill/>
+        </p:spPr>
+        <p:txBody>
+          <a:bodyPr wrap="square" rtlCol="0">
+            <a:spAutoFit/>
+          </a:bodyPr>
+          <a:lstStyle/>
+          <a:p>
+            <a:r>
+              <a:rPr lang="en-US" sz="1600" dirty="0">
+                <a:solidFill>
+                  <a:schemeClr val="accent1"/>
+                </a:solidFill>
+              </a:rPr>
+              <a:t>Function name</a:t>
+            </a:r>
+          </a:p>
+        </p:txBody>
+      </p:sp>
+      <p:sp>
+        <p:nvSpPr>
+          <p:cNvPr id="21" name="TextBox 20">
+            <a:extLst>
+              <a:ext uri="{FF2B5EF4-FFF2-40B4-BE49-F238E27FC236}">
+                <a16:creationId xmlns:a16="http://schemas.microsoft.com/office/drawing/2014/main" id="{1A5001C3-A97C-4F50-A687-194062DFC5F8}"/>
+              </a:ext>
+            </a:extLst>
+          </p:cNvPr>
+          <p:cNvSpPr txBox="1"/>
+          <p:nvPr/>
+        </p:nvSpPr>
+        <p:spPr>
+          <a:xfrm>
+            <a:off x="7207195" y="4806939"/>
+            <a:ext cx="3971829" cy="923330"/>
           </a:xfrm>
           <a:prstGeom prst="rect">
             <a:avLst/>
           </a:prstGeom>
           <a:noFill/>
           <a:ln w="12700" cap="rnd" cmpd="sng">
-            <a:solidFill>
-              <a:schemeClr val="tx2"/>
-            </a:solidFill>
+            <a:noFill/>
             <a:prstDash val="sysDash"/>
             <a:round/>
           </a:ln>
           <a:effectLst/>
         </p:spPr>
         <p:txBody>
-          <a:bodyPr wrap="square" rtlCol="0">
+          <a:bodyPr wrap="square" rtlCol="0" anchor="ctr">
             <a:spAutoFit/>
           </a:bodyPr>
           <a:lstStyle/>
           <a:p>
-            <a:r>
-              <a:rPr lang="en-US" sz="3600" dirty="0" smtClean="0">
+            <a:pPr algn="ctr"/>
+            <a:r>
+              <a:rPr lang="en-US" sz="3600" dirty="0">
                 <a:solidFill>
                   <a:schemeClr val="tx2"/>
                 </a:solidFill>
               </a:rPr>
-              <a:t>When the user clicks the button that says “Hello”, the </a:t>
-            </a:r>
-            <a:r>
-              <a:rPr lang="en-US" sz="3600" dirty="0" smtClean="0">
-                <a:solidFill>
-                  <a:schemeClr val="accent1">
-                    <a:lumMod val="50000"/>
-                  </a:schemeClr>
-                </a:solidFill>
-                <a:latin typeface="Consolas" panose="020B0609020204030204" pitchFamily="49" charset="0"/>
-              </a:rPr>
-              <a:t>hello</a:t>
-            </a:r>
-            <a:r>
-              <a:rPr lang="en-US" sz="3600" dirty="0" smtClean="0">
+              <a:t>What happens?</a:t>
+            </a:r>
+          </a:p>
+          <a:p>
+            <a:pPr algn="ctr"/>
+            <a:endParaRPr lang="en-US" dirty="0"/>
+          </a:p>
+        </p:txBody>
+      </p:sp>
+      <p:cxnSp>
+        <p:nvCxnSpPr>
+          <p:cNvPr id="23" name="Straight Arrow Connector 22">
+            <a:extLst>
+              <a:ext uri="{FF2B5EF4-FFF2-40B4-BE49-F238E27FC236}">
+                <a16:creationId xmlns:a16="http://schemas.microsoft.com/office/drawing/2014/main" id="{7D5CDD1D-8CEF-4EE2-B282-B5A82E7361BC}"/>
+              </a:ext>
+            </a:extLst>
+          </p:cNvPr>
+          <p:cNvCxnSpPr>
+            <a:stCxn id="21" idx="0"/>
+            <a:endCxn id="11" idx="2"/>
+          </p:cNvCxnSpPr>
+          <p:nvPr/>
+        </p:nvCxnSpPr>
+        <p:spPr>
+          <a:xfrm flipV="1">
+            <a:off x="9193110" y="3738356"/>
+            <a:ext cx="1" cy="1068583"/>
+          </a:xfrm>
+          <a:prstGeom prst="straightConnector1">
+            <a:avLst/>
+          </a:prstGeom>
+          <a:ln w="76200">
+            <a:miter lim="800000"/>
+            <a:headEnd type="none"/>
+            <a:tailEnd type="triangle"/>
+          </a:ln>
+        </p:spPr>
+        <p:style>
+          <a:lnRef idx="1">
+            <a:schemeClr val="dk1"/>
+          </a:lnRef>
+          <a:fillRef idx="0">
+            <a:schemeClr val="dk1"/>
+          </a:fillRef>
+          <a:effectRef idx="0">
+            <a:schemeClr val="dk1"/>
+          </a:effectRef>
+          <a:fontRef idx="minor">
+            <a:schemeClr val="tx1"/>
+          </a:fontRef>
+        </p:style>
+      </p:cxnSp>
+      <p:sp>
+        <p:nvSpPr>
+          <p:cNvPr id="24" name="TextBox 23">
+            <a:extLst>
+              <a:ext uri="{FF2B5EF4-FFF2-40B4-BE49-F238E27FC236}">
+                <a16:creationId xmlns:a16="http://schemas.microsoft.com/office/drawing/2014/main" id="{6C67B958-075F-49B6-A5B0-794943FFE551}"/>
+              </a:ext>
+            </a:extLst>
+          </p:cNvPr>
+          <p:cNvSpPr txBox="1"/>
+          <p:nvPr/>
+        </p:nvSpPr>
+        <p:spPr>
+          <a:xfrm>
+            <a:off x="7207194" y="5534517"/>
+            <a:ext cx="3971829" cy="923330"/>
+          </a:xfrm>
+          <a:prstGeom prst="rect">
+            <a:avLst/>
+          </a:prstGeom>
+          <a:noFill/>
+          <a:ln w="12700" cap="rnd" cmpd="sng">
+            <a:noFill/>
+            <a:prstDash val="sysDash"/>
+            <a:round/>
+          </a:ln>
+          <a:effectLst/>
+        </p:spPr>
+        <p:txBody>
+          <a:bodyPr wrap="square" rtlCol="0" anchor="ctr">
+            <a:spAutoFit/>
+          </a:bodyPr>
+          <a:lstStyle/>
+          <a:p>
+            <a:pPr algn="ctr"/>
+            <a:r>
+              <a:rPr lang="en-US" sz="3600" dirty="0">
                 <a:solidFill>
                   <a:schemeClr val="tx2"/>
                 </a:solidFill>
               </a:rPr>
-              <a:t> function will </a:t>
-            </a:r>
-            <a:r>
-              <a:rPr lang="en-US" sz="3600" i="1" dirty="0" smtClean="0">
-                <a:solidFill>
-                  <a:schemeClr val="tx2"/>
-                </a:solidFill>
-              </a:rPr>
-              <a:t>execute</a:t>
-            </a:r>
-            <a:endParaRPr lang="en-US" sz="3600" dirty="0" smtClean="0">
-              <a:solidFill>
-                <a:schemeClr val="tx2"/>
-              </a:solidFill>
-            </a:endParaRPr>
-          </a:p>
-          <a:p>
+              <a:t>Why?</a:t>
+            </a:r>
+          </a:p>
+          <a:p>
+            <a:pPr algn="ctr"/>
             <a:endParaRPr lang="en-US" dirty="0"/>
           </a:p>
         </p:txBody>
@@ -37465,7 +40459,7 @@
                                           </p:stCondLst>
                                         </p:cTn>
                                         <p:tgtEl>
-                                          <p:spTgt spid="10"/>
+                                          <p:spTgt spid="13"/>
                                         </p:tgtEl>
                                         <p:attrNameLst>
                                           <p:attrName>style.visibility</p:attrName>
@@ -37479,6 +40473,315 @@
                                       <p:cBhvr>
                                         <p:cTn id="7" dur="500"/>
                                         <p:tgtEl>
+                                          <p:spTgt spid="13"/>
+                                        </p:tgtEl>
+                                      </p:cBhvr>
+                                    </p:animEffect>
+                                  </p:childTnLst>
+                                </p:cTn>
+                              </p:par>
+                            </p:childTnLst>
+                          </p:cTn>
+                        </p:par>
+                      </p:childTnLst>
+                    </p:cTn>
+                  </p:par>
+                  <p:par>
+                    <p:cTn id="8" fill="hold">
+                      <p:stCondLst>
+                        <p:cond delay="indefinite"/>
+                      </p:stCondLst>
+                      <p:childTnLst>
+                        <p:par>
+                          <p:cTn id="9" fill="hold">
+                            <p:stCondLst>
+                              <p:cond delay="0"/>
+                            </p:stCondLst>
+                            <p:childTnLst>
+                              <p:par>
+                                <p:cTn id="10" presetID="10" presetClass="entr" presetSubtype="0" fill="hold" grpId="0" nodeType="clickEffect">
+                                  <p:stCondLst>
+                                    <p:cond delay="0"/>
+                                  </p:stCondLst>
+                                  <p:childTnLst>
+                                    <p:set>
+                                      <p:cBhvr>
+                                        <p:cTn id="11" dur="1" fill="hold">
+                                          <p:stCondLst>
+                                            <p:cond delay="0"/>
+                                          </p:stCondLst>
+                                        </p:cTn>
+                                        <p:tgtEl>
+                                          <p:spTgt spid="14"/>
+                                        </p:tgtEl>
+                                        <p:attrNameLst>
+                                          <p:attrName>style.visibility</p:attrName>
+                                        </p:attrNameLst>
+                                      </p:cBhvr>
+                                      <p:to>
+                                        <p:strVal val="visible"/>
+                                      </p:to>
+                                    </p:set>
+                                    <p:animEffect transition="in" filter="fade">
+                                      <p:cBhvr>
+                                        <p:cTn id="12" dur="500"/>
+                                        <p:tgtEl>
+                                          <p:spTgt spid="14"/>
+                                        </p:tgtEl>
+                                      </p:cBhvr>
+                                    </p:animEffect>
+                                  </p:childTnLst>
+                                </p:cTn>
+                              </p:par>
+                            </p:childTnLst>
+                          </p:cTn>
+                        </p:par>
+                      </p:childTnLst>
+                    </p:cTn>
+                  </p:par>
+                  <p:par>
+                    <p:cTn id="13" fill="hold">
+                      <p:stCondLst>
+                        <p:cond delay="indefinite"/>
+                      </p:stCondLst>
+                      <p:childTnLst>
+                        <p:par>
+                          <p:cTn id="14" fill="hold">
+                            <p:stCondLst>
+                              <p:cond delay="0"/>
+                            </p:stCondLst>
+                            <p:childTnLst>
+                              <p:par>
+                                <p:cTn id="15" presetID="10" presetClass="entr" presetSubtype="0" fill="hold" grpId="0" nodeType="clickEffect">
+                                  <p:stCondLst>
+                                    <p:cond delay="0"/>
+                                  </p:stCondLst>
+                                  <p:childTnLst>
+                                    <p:set>
+                                      <p:cBhvr>
+                                        <p:cTn id="16" dur="1" fill="hold">
+                                          <p:stCondLst>
+                                            <p:cond delay="0"/>
+                                          </p:stCondLst>
+                                        </p:cTn>
+                                        <p:tgtEl>
+                                          <p:spTgt spid="21"/>
+                                        </p:tgtEl>
+                                        <p:attrNameLst>
+                                          <p:attrName>style.visibility</p:attrName>
+                                        </p:attrNameLst>
+                                      </p:cBhvr>
+                                      <p:to>
+                                        <p:strVal val="visible"/>
+                                      </p:to>
+                                    </p:set>
+                                    <p:animEffect transition="in" filter="fade">
+                                      <p:cBhvr>
+                                        <p:cTn id="17" dur="500"/>
+                                        <p:tgtEl>
+                                          <p:spTgt spid="21"/>
+                                        </p:tgtEl>
+                                      </p:cBhvr>
+                                    </p:animEffect>
+                                  </p:childTnLst>
+                                </p:cTn>
+                              </p:par>
+                            </p:childTnLst>
+                          </p:cTn>
+                        </p:par>
+                      </p:childTnLst>
+                    </p:cTn>
+                  </p:par>
+                  <p:par>
+                    <p:cTn id="18" fill="hold">
+                      <p:stCondLst>
+                        <p:cond delay="indefinite"/>
+                      </p:stCondLst>
+                      <p:childTnLst>
+                        <p:par>
+                          <p:cTn id="19" fill="hold">
+                            <p:stCondLst>
+                              <p:cond delay="0"/>
+                            </p:stCondLst>
+                            <p:childTnLst>
+                              <p:par>
+                                <p:cTn id="20" presetID="22" presetClass="entr" presetSubtype="4" fill="hold" nodeType="clickEffect">
+                                  <p:stCondLst>
+                                    <p:cond delay="0"/>
+                                  </p:stCondLst>
+                                  <p:childTnLst>
+                                    <p:set>
+                                      <p:cBhvr>
+                                        <p:cTn id="21" dur="1" fill="hold">
+                                          <p:stCondLst>
+                                            <p:cond delay="0"/>
+                                          </p:stCondLst>
+                                        </p:cTn>
+                                        <p:tgtEl>
+                                          <p:spTgt spid="23"/>
+                                        </p:tgtEl>
+                                        <p:attrNameLst>
+                                          <p:attrName>style.visibility</p:attrName>
+                                        </p:attrNameLst>
+                                      </p:cBhvr>
+                                      <p:to>
+                                        <p:strVal val="visible"/>
+                                      </p:to>
+                                    </p:set>
+                                    <p:animEffect transition="in" filter="wipe(down)">
+                                      <p:cBhvr>
+                                        <p:cTn id="22" dur="500"/>
+                                        <p:tgtEl>
+                                          <p:spTgt spid="23"/>
+                                        </p:tgtEl>
+                                      </p:cBhvr>
+                                    </p:animEffect>
+                                  </p:childTnLst>
+                                </p:cTn>
+                              </p:par>
+                            </p:childTnLst>
+                          </p:cTn>
+                        </p:par>
+                        <p:par>
+                          <p:cTn id="23" fill="hold">
+                            <p:stCondLst>
+                              <p:cond delay="500"/>
+                            </p:stCondLst>
+                            <p:childTnLst>
+                              <p:par>
+                                <p:cTn id="24" presetID="22" presetClass="entr" presetSubtype="4" fill="hold" grpId="0" nodeType="afterEffect">
+                                  <p:stCondLst>
+                                    <p:cond delay="0"/>
+                                  </p:stCondLst>
+                                  <p:childTnLst>
+                                    <p:set>
+                                      <p:cBhvr>
+                                        <p:cTn id="25" dur="1" fill="hold">
+                                          <p:stCondLst>
+                                            <p:cond delay="0"/>
+                                          </p:stCondLst>
+                                        </p:cTn>
+                                        <p:tgtEl>
+                                          <p:spTgt spid="11"/>
+                                        </p:tgtEl>
+                                        <p:attrNameLst>
+                                          <p:attrName>style.visibility</p:attrName>
+                                        </p:attrNameLst>
+                                      </p:cBhvr>
+                                      <p:to>
+                                        <p:strVal val="visible"/>
+                                      </p:to>
+                                    </p:set>
+                                    <p:animEffect transition="in" filter="wipe(down)">
+                                      <p:cBhvr>
+                                        <p:cTn id="26" dur="500"/>
+                                        <p:tgtEl>
+                                          <p:spTgt spid="11"/>
+                                        </p:tgtEl>
+                                      </p:cBhvr>
+                                    </p:animEffect>
+                                  </p:childTnLst>
+                                </p:cTn>
+                              </p:par>
+                            </p:childTnLst>
+                          </p:cTn>
+                        </p:par>
+                      </p:childTnLst>
+                    </p:cTn>
+                  </p:par>
+                  <p:par>
+                    <p:cTn id="27" fill="hold">
+                      <p:stCondLst>
+                        <p:cond delay="indefinite"/>
+                      </p:stCondLst>
+                      <p:childTnLst>
+                        <p:par>
+                          <p:cTn id="28" fill="hold">
+                            <p:stCondLst>
+                              <p:cond delay="0"/>
+                            </p:stCondLst>
+                            <p:childTnLst>
+                              <p:par>
+                                <p:cTn id="29" presetID="10" presetClass="entr" presetSubtype="0" fill="hold" grpId="0" nodeType="clickEffect">
+                                  <p:stCondLst>
+                                    <p:cond delay="0"/>
+                                  </p:stCondLst>
+                                  <p:childTnLst>
+                                    <p:set>
+                                      <p:cBhvr>
+                                        <p:cTn id="30" dur="1" fill="hold">
+                                          <p:stCondLst>
+                                            <p:cond delay="0"/>
+                                          </p:stCondLst>
+                                        </p:cTn>
+                                        <p:tgtEl>
+                                          <p:spTgt spid="24"/>
+                                        </p:tgtEl>
+                                        <p:attrNameLst>
+                                          <p:attrName>style.visibility</p:attrName>
+                                        </p:attrNameLst>
+                                      </p:cBhvr>
+                                      <p:to>
+                                        <p:strVal val="visible"/>
+                                      </p:to>
+                                    </p:set>
+                                    <p:animEffect transition="in" filter="fade">
+                                      <p:cBhvr>
+                                        <p:cTn id="31" dur="500"/>
+                                        <p:tgtEl>
+                                          <p:spTgt spid="24"/>
+                                        </p:tgtEl>
+                                      </p:cBhvr>
+                                    </p:animEffect>
+                                  </p:childTnLst>
+                                </p:cTn>
+                              </p:par>
+                            </p:childTnLst>
+                          </p:cTn>
+                        </p:par>
+                      </p:childTnLst>
+                    </p:cTn>
+                  </p:par>
+                  <p:par>
+                    <p:cTn id="32" fill="hold">
+                      <p:stCondLst>
+                        <p:cond delay="indefinite"/>
+                      </p:stCondLst>
+                      <p:childTnLst>
+                        <p:par>
+                          <p:cTn id="33" fill="hold">
+                            <p:stCondLst>
+                              <p:cond delay="0"/>
+                            </p:stCondLst>
+                            <p:childTnLst>
+                              <p:par>
+                                <p:cTn id="34" presetID="10" presetClass="entr" presetSubtype="0" fill="hold" grpId="0" nodeType="clickEffect">
+                                  <p:stCondLst>
+                                    <p:cond delay="0"/>
+                                  </p:stCondLst>
+                                  <p:childTnLst>
+                                    <p:set>
+                                      <p:cBhvr>
+                                        <p:cTn id="35" dur="1" fill="hold">
+                                          <p:stCondLst>
+                                            <p:cond delay="0"/>
+                                          </p:stCondLst>
+                                        </p:cTn>
+                                        <p:tgtEl>
+                                          <p:spTgt spid="10"/>
+                                        </p:tgtEl>
+                                        <p:attrNameLst>
+                                          <p:attrName>style.visibility</p:attrName>
+                                        </p:attrNameLst>
+                                      </p:cBhvr>
+                                      <p:to>
+                                        <p:strVal val="visible"/>
+                                      </p:to>
+                                    </p:set>
+                                    <p:animEffect transition="in" filter="fade">
+                                      <p:cBhvr>
+                                        <p:cTn id="36" dur="500"/>
+                                        <p:tgtEl>
                                           <p:spTgt spid="10"/>
                                         </p:tgtEl>
                                       </p:cBhvr>
@@ -37487,14 +40790,14 @@
                                 </p:cTn>
                               </p:par>
                               <p:par>
-                                <p:cTn id="8" presetID="10" presetClass="entr" presetSubtype="0" fill="hold" grpId="0" nodeType="withEffect">
+                                <p:cTn id="37" presetID="10" presetClass="entr" presetSubtype="0" fill="hold" grpId="0" nodeType="withEffect">
                                   <p:stCondLst>
                                     <p:cond delay="0"/>
                                   </p:stCondLst>
                                   <p:childTnLst>
                                     <p:set>
                                       <p:cBhvr>
-                                        <p:cTn id="9" dur="1" fill="hold">
+                                        <p:cTn id="38" dur="1" fill="hold">
                                           <p:stCondLst>
                                             <p:cond delay="0"/>
                                           </p:stCondLst>
@@ -37512,7 +40815,7 @@
                                     </p:set>
                                     <p:animEffect transition="in" filter="fade">
                                       <p:cBhvr>
-                                        <p:cTn id="10" dur="500"/>
+                                        <p:cTn id="39" dur="500"/>
                                         <p:tgtEl>
                                           <p:spTgt spid="9"/>
                                         </p:tgtEl>
@@ -37528,26 +40831,131 @@
                     </p:cTn>
                   </p:par>
                   <p:par>
-                    <p:cTn id="11" fill="hold">
+                    <p:cTn id="40" fill="hold">
                       <p:stCondLst>
                         <p:cond delay="indefinite"/>
                       </p:stCondLst>
                       <p:childTnLst>
                         <p:par>
-                          <p:cTn id="12" fill="hold">
+                          <p:cTn id="41" fill="hold">
                             <p:stCondLst>
                               <p:cond delay="0"/>
                             </p:stCondLst>
                             <p:childTnLst>
                               <p:par>
-                                <p:cTn id="13" presetID="10" presetClass="entr" presetSubtype="0" fill="hold" grpId="0" nodeType="clickEffect">
+                                <p:cTn id="42" presetID="10" presetClass="entr" presetSubtype="0" fill="hold" grpId="0" nodeType="clickEffect">
                                   <p:stCondLst>
                                     <p:cond delay="0"/>
                                   </p:stCondLst>
                                   <p:childTnLst>
                                     <p:set>
                                       <p:cBhvr>
-                                        <p:cTn id="14" dur="1" fill="hold">
+                                        <p:cTn id="43" dur="1" fill="hold">
+                                          <p:stCondLst>
+                                            <p:cond delay="0"/>
+                                          </p:stCondLst>
+                                        </p:cTn>
+                                        <p:tgtEl>
+                                          <p:spTgt spid="15"/>
+                                        </p:tgtEl>
+                                        <p:attrNameLst>
+                                          <p:attrName>style.visibility</p:attrName>
+                                        </p:attrNameLst>
+                                      </p:cBhvr>
+                                      <p:to>
+                                        <p:strVal val="visible"/>
+                                      </p:to>
+                                    </p:set>
+                                    <p:animEffect transition="in" filter="fade">
+                                      <p:cBhvr>
+                                        <p:cTn id="44" dur="500"/>
+                                        <p:tgtEl>
+                                          <p:spTgt spid="15"/>
+                                        </p:tgtEl>
+                                      </p:cBhvr>
+                                    </p:animEffect>
+                                  </p:childTnLst>
+                                </p:cTn>
+                              </p:par>
+                              <p:par>
+                                <p:cTn id="45" presetID="10" presetClass="entr" presetSubtype="0" fill="hold" grpId="0" nodeType="withEffect">
+                                  <p:stCondLst>
+                                    <p:cond delay="0"/>
+                                  </p:stCondLst>
+                                  <p:childTnLst>
+                                    <p:set>
+                                      <p:cBhvr>
+                                        <p:cTn id="46" dur="1" fill="hold">
+                                          <p:stCondLst>
+                                            <p:cond delay="0"/>
+                                          </p:stCondLst>
+                                        </p:cTn>
+                                        <p:tgtEl>
+                                          <p:spTgt spid="4"/>
+                                        </p:tgtEl>
+                                        <p:attrNameLst>
+                                          <p:attrName>style.visibility</p:attrName>
+                                        </p:attrNameLst>
+                                      </p:cBhvr>
+                                      <p:to>
+                                        <p:strVal val="visible"/>
+                                      </p:to>
+                                    </p:set>
+                                    <p:animEffect transition="in" filter="fade">
+                                      <p:cBhvr>
+                                        <p:cTn id="47" dur="500"/>
+                                        <p:tgtEl>
+                                          <p:spTgt spid="4"/>
+                                        </p:tgtEl>
+                                      </p:cBhvr>
+                                    </p:animEffect>
+                                  </p:childTnLst>
+                                </p:cTn>
+                              </p:par>
+                              <p:par>
+                                <p:cTn id="48" presetID="10" presetClass="entr" presetSubtype="0" fill="hold" grpId="0" nodeType="withEffect">
+                                  <p:stCondLst>
+                                    <p:cond delay="0"/>
+                                  </p:stCondLst>
+                                  <p:childTnLst>
+                                    <p:set>
+                                      <p:cBhvr>
+                                        <p:cTn id="49" dur="1" fill="hold">
+                                          <p:stCondLst>
+                                            <p:cond delay="0"/>
+                                          </p:stCondLst>
+                                        </p:cTn>
+                                        <p:tgtEl>
+                                          <p:spTgt spid="16"/>
+                                        </p:tgtEl>
+                                        <p:attrNameLst>
+                                          <p:attrName>style.visibility</p:attrName>
+                                        </p:attrNameLst>
+                                      </p:cBhvr>
+                                      <p:to>
+                                        <p:strVal val="visible"/>
+                                      </p:to>
+                                    </p:set>
+                                    <p:animEffect transition="in" filter="fade">
+                                      <p:cBhvr>
+                                        <p:cTn id="50" dur="500"/>
+                                        <p:tgtEl>
+                                          <p:spTgt spid="16"/>
+                                        </p:tgtEl>
+                                      </p:cBhvr>
+                                    </p:animEffect>
+                                  </p:childTnLst>
+                                </p:cTn>
+                              </p:par>
+                              <p:par>
+                                <p:cTn id="51" presetID="10" presetClass="entr" presetSubtype="0" fill="hold" grpId="0" nodeType="withEffect">
+                                  <p:stCondLst>
+                                    <p:cond delay="0"/>
+                                  </p:stCondLst>
+                                  <p:childTnLst>
+                                    <p:set>
+                                      <p:cBhvr>
+                                        <p:cTn id="52" dur="1" fill="hold">
                                           <p:stCondLst>
                                             <p:cond delay="0"/>
                                           </p:stCondLst>
@@ -37565,380 +40973,12 @@
                                     </p:set>
                                     <p:animEffect transition="in" filter="fade">
                                       <p:cBhvr>
-                                        <p:cTn id="15" dur="500"/>
+                                        <p:cTn id="53" dur="500"/>
                                         <p:tgtEl>
                                           <p:spTgt spid="7"/>
                                         </p:tgtEl>
                                       </p:cBhvr>
                                     </p:animEffect>
-                                  </p:childTnLst>
-                                </p:cTn>
-                              </p:par>
-                              <p:par>
-                                <p:cTn id="16" presetID="10" presetClass="entr" presetSubtype="0" fill="hold" grpId="0" nodeType="withEffect">
-                                  <p:stCondLst>
-                                    <p:cond delay="0"/>
-                                  </p:stCondLst>
-                                  <p:childTnLst>
-                                    <p:set>
-                                      <p:cBhvr>
-                                        <p:cTn id="17" dur="1" fill="hold">
-                                          <p:stCondLst>
-                                            <p:cond delay="0"/>
-                                          </p:stCondLst>
-                                        </p:cTn>
-                                        <p:tgtEl>
-                                          <p:spTgt spid="4"/>
-                                        </p:tgtEl>
-                                        <p:attrNameLst>
-                                          <p:attrName>style.visibility</p:attrName>
-                                        </p:attrNameLst>
-                                      </p:cBhvr>
-                                      <p:to>
-                                        <p:strVal val="visible"/>
-                                      </p:to>
-                                    </p:set>
-                                    <p:animEffect transition="in" filter="fade">
-                                      <p:cBhvr>
-                                        <p:cTn id="18" dur="500"/>
-                                        <p:tgtEl>
-                                          <p:spTgt spid="4"/>
-                                        </p:tgtEl>
-                                      </p:cBhvr>
-                                    </p:animEffect>
-                                  </p:childTnLst>
-                                </p:cTn>
-                              </p:par>
-                              <p:par>
-                                <p:cTn id="19" presetID="10" presetClass="entr" presetSubtype="0" fill="hold" grpId="0" nodeType="withEffect">
-                                  <p:stCondLst>
-                                    <p:cond delay="0"/>
-                                  </p:stCondLst>
-                                  <p:childTnLst>
-                                    <p:set>
-                                      <p:cBhvr>
-                                        <p:cTn id="20" dur="1" fill="hold">
-                                          <p:stCondLst>
-                                            <p:cond delay="0"/>
-                                          </p:stCondLst>
-                                        </p:cTn>
-                                        <p:tgtEl>
-                                          <p:spTgt spid="8"/>
-                                        </p:tgtEl>
-                                        <p:attrNameLst>
-                                          <p:attrName>style.visibility</p:attrName>
-                                        </p:attrNameLst>
-                                      </p:cBhvr>
-                                      <p:to>
-                                        <p:strVal val="visible"/>
-                                      </p:to>
-                                    </p:set>
-                                    <p:animEffect transition="in" filter="fade">
-                                      <p:cBhvr>
-                                        <p:cTn id="21" dur="500"/>
-                                        <p:tgtEl>
-                                          <p:spTgt spid="8"/>
-                                        </p:tgtEl>
-                                      </p:cBhvr>
-                                    </p:animEffect>
-                                  </p:childTnLst>
-                                </p:cTn>
-                              </p:par>
-                              <p:par>
-                                <p:cTn id="22" presetID="10" presetClass="entr" presetSubtype="0" fill="hold" grpId="0" nodeType="withEffect">
-                                  <p:stCondLst>
-                                    <p:cond delay="0"/>
-                                  </p:stCondLst>
-                                  <p:childTnLst>
-                                    <p:set>
-                                      <p:cBhvr>
-                                        <p:cTn id="23" dur="1" fill="hold">
-                                          <p:stCondLst>
-                                            <p:cond delay="0"/>
-                                          </p:stCondLst>
-                                        </p:cTn>
-                                        <p:tgtEl>
-                                          <p:spTgt spid="6"/>
-                                        </p:tgtEl>
-                                        <p:attrNameLst>
-                                          <p:attrName>style.visibility</p:attrName>
-                                        </p:attrNameLst>
-                                      </p:cBhvr>
-                                      <p:to>
-                                        <p:strVal val="visible"/>
-                                      </p:to>
-                                    </p:set>
-                                    <p:animEffect transition="in" filter="fade">
-                                      <p:cBhvr>
-                                        <p:cTn id="24" dur="500"/>
-                                        <p:tgtEl>
-                                          <p:spTgt spid="6"/>
-                                        </p:tgtEl>
-                                      </p:cBhvr>
-                                    </p:animEffect>
-                                  </p:childTnLst>
-                                </p:cTn>
-                              </p:par>
-                              <p:par>
-                                <p:cTn id="25" presetID="10" presetClass="exit" presetSubtype="0" fill="hold" grpId="1" nodeType="withEffect">
-                                  <p:stCondLst>
-                                    <p:cond delay="0"/>
-                                  </p:stCondLst>
-                                  <p:childTnLst>
-                                    <p:animEffect transition="out" filter="fade">
-                                      <p:cBhvr>
-                                        <p:cTn id="26" dur="500"/>
-                                        <p:tgtEl>
-                                          <p:spTgt spid="9"/>
-                                        </p:tgtEl>
-                                      </p:cBhvr>
-                                    </p:animEffect>
-                                    <p:set>
-                                      <p:cBhvr>
-                                        <p:cTn id="27" dur="1" fill="hold">
-                                          <p:stCondLst>
-                                            <p:cond delay="499"/>
-                                          </p:stCondLst>
-                                        </p:cTn>
-                                        <p:tgtEl>
-                                          <p:spTgt spid="9"/>
-                                        </p:tgtEl>
-                                        <p:attrNameLst>
-                                          <p:attrName>style.visibility</p:attrName>
-                                        </p:attrNameLst>
-                                      </p:cBhvr>
-                                      <p:to>
-                                        <p:strVal val="hidden"/>
-                                      </p:to>
-                                    </p:set>
-                                  </p:childTnLst>
-                                </p:cTn>
-                              </p:par>
-                              <p:par>
-                                <p:cTn id="28" presetID="10" presetClass="exit" presetSubtype="0" fill="hold" grpId="1" nodeType="withEffect">
-                                  <p:stCondLst>
-                                    <p:cond delay="0"/>
-                                  </p:stCondLst>
-                                  <p:childTnLst>
-                                    <p:animEffect transition="out" filter="fade">
-                                      <p:cBhvr>
-                                        <p:cTn id="29" dur="500"/>
-                                        <p:tgtEl>
-                                          <p:spTgt spid="10"/>
-                                        </p:tgtEl>
-                                      </p:cBhvr>
-                                    </p:animEffect>
-                                    <p:set>
-                                      <p:cBhvr>
-                                        <p:cTn id="30" dur="1" fill="hold">
-                                          <p:stCondLst>
-                                            <p:cond delay="499"/>
-                                          </p:stCondLst>
-                                        </p:cTn>
-                                        <p:tgtEl>
-                                          <p:spTgt spid="10"/>
-                                        </p:tgtEl>
-                                        <p:attrNameLst>
-                                          <p:attrName>style.visibility</p:attrName>
-                                        </p:attrNameLst>
-                                      </p:cBhvr>
-                                      <p:to>
-                                        <p:strVal val="hidden"/>
-                                      </p:to>
-                                    </p:set>
-                                  </p:childTnLst>
-                                </p:cTn>
-                              </p:par>
-                            </p:childTnLst>
-                          </p:cTn>
-                        </p:par>
-                      </p:childTnLst>
-                    </p:cTn>
-                  </p:par>
-                  <p:par>
-                    <p:cTn id="31" fill="hold">
-                      <p:stCondLst>
-                        <p:cond delay="indefinite"/>
-                      </p:stCondLst>
-                      <p:childTnLst>
-                        <p:par>
-                          <p:cTn id="32" fill="hold">
-                            <p:stCondLst>
-                              <p:cond delay="0"/>
-                            </p:stCondLst>
-                            <p:childTnLst>
-                              <p:par>
-                                <p:cTn id="33" presetID="10" presetClass="entr" presetSubtype="0" fill="hold" grpId="0" nodeType="clickEffect">
-                                  <p:stCondLst>
-                                    <p:cond delay="0"/>
-                                  </p:stCondLst>
-                                  <p:childTnLst>
-                                    <p:set>
-                                      <p:cBhvr>
-                                        <p:cTn id="34" dur="1" fill="hold">
-                                          <p:stCondLst>
-                                            <p:cond delay="0"/>
-                                          </p:stCondLst>
-                                        </p:cTn>
-                                        <p:tgtEl>
-                                          <p:spTgt spid="11"/>
-                                        </p:tgtEl>
-                                        <p:attrNameLst>
-                                          <p:attrName>style.visibility</p:attrName>
-                                        </p:attrNameLst>
-                                      </p:cBhvr>
-                                      <p:to>
-                                        <p:strVal val="visible"/>
-                                      </p:to>
-                                    </p:set>
-                                    <p:animEffect transition="in" filter="fade">
-                                      <p:cBhvr>
-                                        <p:cTn id="35" dur="500"/>
-                                        <p:tgtEl>
-                                          <p:spTgt spid="11"/>
-                                        </p:tgtEl>
-                                      </p:cBhvr>
-                                    </p:animEffect>
-                                  </p:childTnLst>
-                                </p:cTn>
-                              </p:par>
-                              <p:par>
-                                <p:cTn id="36" presetID="10" presetClass="exit" presetSubtype="0" fill="hold" grpId="1" nodeType="withEffect">
-                                  <p:stCondLst>
-                                    <p:cond delay="0"/>
-                                  </p:stCondLst>
-                                  <p:childTnLst>
-                                    <p:animEffect transition="out" filter="fade">
-                                      <p:cBhvr>
-                                        <p:cTn id="37" dur="500"/>
-                                        <p:tgtEl>
-                                          <p:spTgt spid="7"/>
-                                        </p:tgtEl>
-                                      </p:cBhvr>
-                                    </p:animEffect>
-                                    <p:set>
-                                      <p:cBhvr>
-                                        <p:cTn id="38" dur="1" fill="hold">
-                                          <p:stCondLst>
-                                            <p:cond delay="499"/>
-                                          </p:stCondLst>
-                                        </p:cTn>
-                                        <p:tgtEl>
-                                          <p:spTgt spid="7"/>
-                                        </p:tgtEl>
-                                        <p:attrNameLst>
-                                          <p:attrName>style.visibility</p:attrName>
-                                        </p:attrNameLst>
-                                      </p:cBhvr>
-                                      <p:to>
-                                        <p:strVal val="hidden"/>
-                                      </p:to>
-                                    </p:set>
-                                  </p:childTnLst>
-                                </p:cTn>
-                              </p:par>
-                              <p:par>
-                                <p:cTn id="39" presetID="10" presetClass="exit" presetSubtype="0" fill="hold" grpId="1" nodeType="withEffect">
-                                  <p:stCondLst>
-                                    <p:cond delay="0"/>
-                                  </p:stCondLst>
-                                  <p:childTnLst>
-                                    <p:animEffect transition="out" filter="fade">
-                                      <p:cBhvr>
-                                        <p:cTn id="40" dur="500"/>
-                                        <p:tgtEl>
-                                          <p:spTgt spid="4"/>
-                                        </p:tgtEl>
-                                      </p:cBhvr>
-                                    </p:animEffect>
-                                    <p:set>
-                                      <p:cBhvr>
-                                        <p:cTn id="41" dur="1" fill="hold">
-                                          <p:stCondLst>
-                                            <p:cond delay="499"/>
-                                          </p:stCondLst>
-                                        </p:cTn>
-                                        <p:tgtEl>
-                                          <p:spTgt spid="4"/>
-                                        </p:tgtEl>
-                                        <p:attrNameLst>
-                                          <p:attrName>style.visibility</p:attrName>
-                                        </p:attrNameLst>
-                                      </p:cBhvr>
-                                      <p:to>
-                                        <p:strVal val="hidden"/>
-                                      </p:to>
-                                    </p:set>
-                                  </p:childTnLst>
-                                </p:cTn>
-                              </p:par>
-                              <p:par>
-                                <p:cTn id="42" presetID="10" presetClass="exit" presetSubtype="0" fill="hold" grpId="1" nodeType="withEffect">
-                                  <p:stCondLst>
-                                    <p:cond delay="0"/>
-                                  </p:stCondLst>
-                                  <p:childTnLst>
-                                    <p:animEffect transition="out" filter="fade">
-                                      <p:cBhvr>
-                                        <p:cTn id="43" dur="500"/>
-                                        <p:tgtEl>
-                                          <p:spTgt spid="8"/>
-                                        </p:tgtEl>
-                                      </p:cBhvr>
-                                    </p:animEffect>
-                                    <p:set>
-                                      <p:cBhvr>
-                                        <p:cTn id="44" dur="1" fill="hold">
-                                          <p:stCondLst>
-                                            <p:cond delay="499"/>
-                                          </p:stCondLst>
-                                        </p:cTn>
-                                        <p:tgtEl>
-                                          <p:spTgt spid="8"/>
-                                        </p:tgtEl>
-                                        <p:attrNameLst>
-                                          <p:attrName>style.visibility</p:attrName>
-                                        </p:attrNameLst>
-                                      </p:cBhvr>
-                                      <p:to>
-                                        <p:strVal val="hidden"/>
-                                      </p:to>
-                                    </p:set>
-                                  </p:childTnLst>
-                                </p:cTn>
-                              </p:par>
-                              <p:par>
-                                <p:cTn id="45" presetID="10" presetClass="exit" presetSubtype="0" fill="hold" grpId="1" nodeType="withEffect">
-                                  <p:stCondLst>
-                                    <p:cond delay="0"/>
-                                  </p:stCondLst>
-                                  <p:childTnLst>
-                                    <p:animEffect transition="out" filter="fade">
-                                      <p:cBhvr>
-                                        <p:cTn id="46" dur="500"/>
-                                        <p:tgtEl>
-                                          <p:spTgt spid="6"/>
-                                        </p:tgtEl>
-                                      </p:cBhvr>
-                                    </p:animEffect>
-                                    <p:set>
-                                      <p:cBhvr>
-                                        <p:cTn id="47" dur="1" fill="hold">
-                                          <p:stCondLst>
-                                            <p:cond delay="499"/>
-                                          </p:stCondLst>
-                                        </p:cTn>
-                                        <p:tgtEl>
-                                          <p:spTgt spid="6"/>
-                                        </p:tgtEl>
-                                        <p:attrNameLst>
-                                          <p:attrName>style.visibility</p:attrName>
-                                        </p:attrNameLst>
-                                      </p:cBhvr>
-                                      <p:to>
-                                        <p:strVal val="hidden"/>
-                                      </p:to>
-                                    </p:set>
                                   </p:childTnLst>
                                 </p:cTn>
                               </p:par>
@@ -37970,19 +41010,17 @@
       </p:par>
     </p:tnLst>
     <p:bldLst>
+      <p:bldP spid="11" grpId="0" animBg="1"/>
+      <p:bldP spid="14" grpId="0" animBg="1"/>
       <p:bldP spid="4" grpId="0" animBg="1"/>
-      <p:bldP spid="4" grpId="1" animBg="1"/>
-      <p:bldP spid="6" grpId="0" animBg="1"/>
-      <p:bldP spid="6" grpId="1" animBg="1"/>
       <p:bldP spid="7" grpId="0"/>
-      <p:bldP spid="7" grpId="1"/>
-      <p:bldP spid="8" grpId="0"/>
-      <p:bldP spid="8" grpId="1"/>
+      <p:bldP spid="13" grpId="0" animBg="1"/>
       <p:bldP spid="9" grpId="0" animBg="1"/>
-      <p:bldP spid="9" grpId="1" animBg="1"/>
       <p:bldP spid="10" grpId="0"/>
-      <p:bldP spid="10" grpId="1"/>
-      <p:bldP spid="11" grpId="0" animBg="1"/>
+      <p:bldP spid="15" grpId="0" animBg="1"/>
+      <p:bldP spid="16" grpId="0"/>
+      <p:bldP spid="21" grpId="0" animBg="1"/>
+      <p:bldP spid="24" grpId="0" animBg="1"/>
     </p:bldLst>
   </p:timing>
 </p:sld>
@@ -38021,10 +41059,9 @@
           <a:lstStyle/>
           <a:p>
             <a:r>
-              <a:rPr lang="en-US" dirty="0" smtClean="0"/>
+              <a:rPr lang="en-US" dirty="0"/>
               <a:t>Defining a function</a:t>
             </a:r>
-            <a:endParaRPr lang="en-US" dirty="0"/>
           </a:p>
         </p:txBody>
       </p:sp>
@@ -38113,22 +41150,13 @@
               <a:t>	</a:t>
             </a:r>
             <a:r>
-              <a:rPr lang="en-US" sz="4000" dirty="0" err="1">
-                <a:solidFill>
-                  <a:srgbClr val="0070C0"/>
-                </a:solidFill>
-                <a:latin typeface="Consolas" panose="020B0609020204030204" pitchFamily="49" charset="0"/>
-              </a:rPr>
-              <a:t>var</a:t>
-            </a:r>
-            <a:r>
               <a:rPr lang="en-US" sz="4000" dirty="0">
                 <a:solidFill>
                   <a:srgbClr val="0070C0"/>
                 </a:solidFill>
                 <a:latin typeface="Consolas" panose="020B0609020204030204" pitchFamily="49" charset="0"/>
               </a:rPr>
-              <a:t> x = 1;	</a:t>
+              <a:t>let x = 1;	</a:t>
             </a:r>
           </a:p>
           <a:p>
@@ -38142,31 +41170,13 @@
                 </a:solidFill>
                 <a:latin typeface="Consolas" panose="020B0609020204030204" pitchFamily="49" charset="0"/>
               </a:rPr>
-              <a:t>	alert(x</a:t>
-            </a:r>
-            <a:r>
-              <a:rPr lang="en-US" sz="4000" dirty="0" smtClean="0">
-                <a:solidFill>
-                  <a:srgbClr val="0070C0"/>
-                </a:solidFill>
-                <a:latin typeface="Consolas" panose="020B0609020204030204" pitchFamily="49" charset="0"/>
-              </a:rPr>
-              <a:t>);</a:t>
+              <a:t>	alert(x);</a:t>
             </a:r>
           </a:p>
           <a:p>
             <a:pPr marL="0" indent="0">
               <a:buNone/>
             </a:pPr>
-            <a:r>
-              <a:rPr lang="en-US" sz="4000" dirty="0" smtClean="0">
-                <a:solidFill>
-                  <a:srgbClr val="0070C0"/>
-                </a:solidFill>
-                <a:latin typeface="Consolas" panose="020B0609020204030204" pitchFamily="49" charset="0"/>
-              </a:rPr>
-              <a:t> </a:t>
-            </a:r>
             <a:r>
               <a:rPr lang="en-US" sz="4000" dirty="0">
                 <a:solidFill>
@@ -38174,7 +41184,7 @@
                 </a:solidFill>
                 <a:latin typeface="Consolas" panose="020B0609020204030204" pitchFamily="49" charset="0"/>
               </a:rPr>
-              <a:t>	</a:t>
+              <a:t> 	</a:t>
             </a:r>
           </a:p>
           <a:p>
@@ -38210,7 +41220,7 @@
               <a:buNone/>
             </a:pPr>
             <a:r>
-              <a:rPr lang="en-US" sz="4000" dirty="0" smtClean="0">
+              <a:rPr lang="en-US" sz="4000" dirty="0">
                 <a:solidFill>
                   <a:srgbClr val="FFC000"/>
                 </a:solidFill>
@@ -38218,12 +41228,6 @@
               </a:rPr>
               <a:t>}</a:t>
             </a:r>
-            <a:endParaRPr lang="en-US" sz="4000" dirty="0">
-              <a:solidFill>
-                <a:srgbClr val="FFC000"/>
-              </a:solidFill>
-              <a:latin typeface="Consolas" panose="020B0609020204030204" pitchFamily="49" charset="0"/>
-            </a:endParaRPr>
           </a:p>
         </p:txBody>
       </p:sp>
@@ -38268,20 +41272,12 @@
               <a:t>function</a:t>
             </a:r>
             <a:r>
-              <a:rPr lang="en-US" sz="4000" dirty="0" smtClean="0">
+              <a:rPr lang="en-US" sz="4000" dirty="0">
                 <a:solidFill>
                   <a:srgbClr val="FF0000"/>
                 </a:solidFill>
               </a:rPr>
-              <a:t> </a:t>
-            </a:r>
-            <a:r>
-              <a:rPr lang="en-US" sz="4000" dirty="0" smtClean="0">
-                <a:solidFill>
-                  <a:srgbClr val="FF0000"/>
-                </a:solidFill>
-              </a:rPr>
-              <a:t>keyword</a:t>
+              <a:t> keyword</a:t>
             </a:r>
             <a:endParaRPr lang="en-US" sz="4000" dirty="0">
               <a:solidFill>
@@ -38296,25 +41292,12 @@
                   <a:srgbClr val="00B050"/>
                 </a:solidFill>
               </a:rPr>
-              <a:t>Function </a:t>
-            </a:r>
-            <a:r>
-              <a:rPr lang="en-US" sz="4000" dirty="0" smtClean="0">
-                <a:solidFill>
-                  <a:srgbClr val="00B050"/>
-                </a:solidFill>
-              </a:rPr>
-              <a:t>name</a:t>
-            </a:r>
-            <a:endParaRPr lang="en-US" sz="4000" dirty="0">
-              <a:solidFill>
-                <a:srgbClr val="00B050"/>
-              </a:solidFill>
-            </a:endParaRPr>
-          </a:p>
-          <a:p>
-            <a:r>
-              <a:rPr lang="en-US" sz="4000" dirty="0" smtClean="0">
+              <a:t>Function name</a:t>
+            </a:r>
+          </a:p>
+          <a:p>
+            <a:r>
+              <a:rPr lang="en-US" sz="4000" dirty="0">
                 <a:solidFill>
                   <a:srgbClr val="7030A0"/>
                 </a:solidFill>
@@ -38334,25 +41317,12 @@
                   <a:srgbClr val="FFC000"/>
                 </a:solidFill>
               </a:rPr>
-              <a:t>Curly </a:t>
-            </a:r>
-            <a:r>
-              <a:rPr lang="en-US" sz="4000" dirty="0" smtClean="0">
-                <a:solidFill>
-                  <a:srgbClr val="FFC000"/>
-                </a:solidFill>
-              </a:rPr>
-              <a:t>brackets</a:t>
-            </a:r>
-            <a:endParaRPr lang="en-US" sz="4000" dirty="0">
-              <a:solidFill>
-                <a:srgbClr val="FFC000"/>
-              </a:solidFill>
-            </a:endParaRPr>
-          </a:p>
-          <a:p>
-            <a:r>
-              <a:rPr lang="en-US" sz="4000" dirty="0" smtClean="0">
+              <a:t>Curly brackets</a:t>
+            </a:r>
+          </a:p>
+          <a:p>
+            <a:r>
+              <a:rPr lang="en-US" sz="4000" dirty="0">
                 <a:solidFill>
                   <a:srgbClr val="0070C0"/>
                 </a:solidFill>
@@ -38747,10 +41717,9 @@
           <a:lstStyle/>
           <a:p>
             <a:r>
-              <a:rPr lang="en-US" dirty="0" smtClean="0"/>
+              <a:rPr lang="en-US" dirty="0"/>
               <a:t>Calling a function</a:t>
             </a:r>
-            <a:endParaRPr lang="en-US" dirty="0"/>
           </a:p>
         </p:txBody>
       </p:sp>
@@ -38969,7 +41938,7 @@
               <a:buNone/>
             </a:pPr>
             <a:r>
-              <a:rPr lang="en-US" sz="4400" dirty="0" err="1" smtClean="0">
+              <a:rPr lang="en-US" sz="4400" dirty="0" err="1">
                 <a:solidFill>
                   <a:srgbClr val="00B050"/>
                 </a:solidFill>
@@ -38978,7 +41947,7 @@
               <a:t>sayNumbers</a:t>
             </a:r>
             <a:r>
-              <a:rPr lang="en-US" sz="4400" dirty="0" smtClean="0">
+              <a:rPr lang="en-US" sz="4400" dirty="0">
                 <a:solidFill>
                   <a:srgbClr val="7030A0"/>
                 </a:solidFill>
@@ -38986,7 +41955,7 @@
               </a:rPr>
               <a:t>()</a:t>
             </a:r>
-            <a:endParaRPr lang="en-US" sz="4400" dirty="0" smtClean="0">
+            <a:endParaRPr lang="en-US" sz="4400" dirty="0">
               <a:solidFill>
                 <a:srgbClr val="FFC000"/>
               </a:solidFill>
@@ -39027,22 +41996,17 @@
           <a:lstStyle/>
           <a:p>
             <a:r>
-              <a:rPr lang="en-US" sz="4000" dirty="0" smtClean="0">
+              <a:rPr lang="en-US" sz="4000" dirty="0">
                 <a:solidFill>
                   <a:srgbClr val="00B050"/>
                 </a:solidFill>
               </a:rPr>
               <a:t>Function name</a:t>
             </a:r>
-            <a:endParaRPr lang="en-US" sz="4000" dirty="0">
-              <a:solidFill>
-                <a:srgbClr val="00B050"/>
-              </a:solidFill>
-            </a:endParaRPr>
-          </a:p>
-          <a:p>
-            <a:r>
-              <a:rPr lang="en-US" sz="4000" dirty="0" smtClean="0">
+          </a:p>
+          <a:p>
+            <a:r>
+              <a:rPr lang="en-US" sz="4000" dirty="0">
                 <a:solidFill>
                   <a:srgbClr val="7030A0"/>
                 </a:solidFill>
@@ -39075,7 +42039,7 @@
           <a:lstStyle/>
           <a:p>
             <a:r>
-              <a:rPr lang="en-US" sz="4000" i="1" dirty="0" smtClean="0">
+              <a:rPr lang="en-US" sz="4000" i="1" dirty="0">
                 <a:solidFill>
                   <a:schemeClr val="tx2"/>
                 </a:solidFill>
@@ -39083,18 +42047,13 @@
               <a:t>Calling</a:t>
             </a:r>
             <a:r>
-              <a:rPr lang="en-US" sz="4000" dirty="0" smtClean="0">
+              <a:rPr lang="en-US" sz="4000" dirty="0">
                 <a:solidFill>
                   <a:schemeClr val="tx2"/>
                 </a:solidFill>
               </a:rPr>
               <a:t> a function will cause the JavaScript code in the function body to execute</a:t>
             </a:r>
-            <a:endParaRPr lang="en-US" sz="4000" dirty="0">
-              <a:solidFill>
-                <a:schemeClr val="tx2"/>
-              </a:solidFill>
-            </a:endParaRPr>
           </a:p>
         </p:txBody>
       </p:sp>
@@ -39488,10 +42447,9 @@
           <a:lstStyle/>
           <a:p>
             <a:r>
-              <a:rPr lang="en-US" dirty="0" smtClean="0"/>
-              <a:t>Built-in functions</a:t>
-            </a:r>
-            <a:endParaRPr lang="en-US" dirty="0"/>
+              <a:rPr lang="en-US" dirty="0"/>
+              <a:t>Built-in functions… with input</a:t>
+            </a:r>
           </a:p>
         </p:txBody>
       </p:sp>
@@ -39668,7 +42626,7 @@
               <a:t>ul</a:t>
             </a:r>
             <a:r>
-              <a:rPr lang="en-US" sz="4000" dirty="0" smtClean="0">
+              <a:rPr lang="en-US" sz="4000" dirty="0">
                 <a:solidFill>
                   <a:srgbClr val="CE9178"/>
                 </a:solidFill>
@@ -39677,7 +42635,7 @@
               <a:t>"</a:t>
             </a:r>
             <a:r>
-              <a:rPr lang="en-US" sz="4000" dirty="0" smtClean="0">
+              <a:rPr lang="en-US" sz="4000" dirty="0">
                 <a:solidFill>
                   <a:srgbClr val="D4D4D4"/>
                 </a:solidFill>
@@ -39685,7 +42643,7 @@
               </a:rPr>
               <a:t>);</a:t>
             </a:r>
-            <a:endParaRPr lang="en-US" sz="4000" dirty="0" smtClean="0">
+            <a:endParaRPr lang="en-US" sz="4000" dirty="0">
               <a:solidFill>
                 <a:schemeClr val="bg1"/>
               </a:solidFill>
@@ -39703,7 +42661,7 @@
               <a:buNone/>
             </a:pPr>
             <a:r>
-              <a:rPr lang="en-US" dirty="0" smtClean="0">
+              <a:rPr lang="en-US" dirty="0">
                 <a:solidFill>
                   <a:schemeClr val="bg1"/>
                 </a:solidFill>
@@ -39711,7 +42669,7 @@
               <a:t>When a developer uses these statements, they are </a:t>
             </a:r>
             <a:r>
-              <a:rPr lang="en-US" i="1" dirty="0" smtClean="0">
+              <a:rPr lang="en-US" i="1" dirty="0">
                 <a:solidFill>
                   <a:schemeClr val="bg1"/>
                 </a:solidFill>
@@ -39719,7 +42677,7 @@
               <a:t>calling</a:t>
             </a:r>
             <a:r>
-              <a:rPr lang="en-US" dirty="0" smtClean="0">
+              <a:rPr lang="en-US" dirty="0">
                 <a:solidFill>
                   <a:schemeClr val="bg1"/>
                 </a:solidFill>
@@ -39742,18 +42700,13 @@
               <a:buNone/>
             </a:pPr>
             <a:r>
-              <a:rPr lang="en-US" sz="3200" i="1" dirty="0" smtClean="0">
+              <a:rPr lang="en-US" sz="3200" i="1" dirty="0">
                 <a:solidFill>
                   <a:srgbClr val="E95EBE"/>
                 </a:solidFill>
               </a:rPr>
               <a:t>What are some other examples of built-in functions?</a:t>
             </a:r>
-            <a:endParaRPr lang="en-US" sz="3200" i="1" dirty="0">
-              <a:solidFill>
-                <a:srgbClr val="E95EBE"/>
-              </a:solidFill>
-            </a:endParaRPr>
           </a:p>
         </p:txBody>
       </p:sp>
@@ -40144,10 +43097,9 @@
           <a:lstStyle/>
           <a:p>
             <a:r>
-              <a:rPr lang="en-US" dirty="0" smtClean="0"/>
-              <a:t>Function parameters</a:t>
-            </a:r>
-            <a:endParaRPr lang="en-US" dirty="0"/>
+              <a:rPr lang="en-US" dirty="0"/>
+              <a:t>Function parameters: Input for functions</a:t>
+            </a:r>
           </a:p>
         </p:txBody>
       </p:sp>
@@ -40172,7 +43124,7 @@
               <a:buNone/>
             </a:pPr>
             <a:r>
-              <a:rPr lang="en-US" sz="4000" dirty="0" smtClean="0"/>
+              <a:rPr lang="en-US" sz="4000" dirty="0"/>
               <a:t>Sometimes, functions need information from the caller in order to execute</a:t>
             </a:r>
           </a:p>
@@ -40202,19 +43154,10 @@
                 </a:solidFill>
                 <a:latin typeface="Consolas" panose="020B0609020204030204" pitchFamily="49" charset="0"/>
               </a:rPr>
-              <a:t>"Hello</a:t>
-            </a:r>
-            <a:r>
-              <a:rPr lang="en-US" sz="4800" dirty="0" smtClean="0">
-                <a:solidFill>
-                  <a:srgbClr val="A31515"/>
-                </a:solidFill>
-                <a:latin typeface="Consolas" panose="020B0609020204030204" pitchFamily="49" charset="0"/>
-              </a:rPr>
-              <a:t>"</a:t>
-            </a:r>
-            <a:r>
-              <a:rPr lang="en-US" sz="4800" dirty="0" smtClean="0">
+              <a:t>"Hello"</a:t>
+            </a:r>
+            <a:r>
+              <a:rPr lang="en-US" sz="4800" dirty="0">
                 <a:solidFill>
                   <a:srgbClr val="000000"/>
                 </a:solidFill>
@@ -40239,19 +43182,19 @@
               <a:buNone/>
             </a:pPr>
             <a:r>
-              <a:rPr lang="en-US" sz="4300" dirty="0" smtClean="0"/>
+              <a:rPr lang="en-US" sz="4300" dirty="0"/>
               <a:t>This is called a </a:t>
             </a:r>
             <a:r>
-              <a:rPr lang="en-US" sz="4300" i="1" dirty="0" smtClean="0"/>
+              <a:rPr lang="en-US" sz="4300" i="1" dirty="0"/>
               <a:t>parameter</a:t>
             </a:r>
             <a:r>
-              <a:rPr lang="en-US" sz="4300" dirty="0" smtClean="0"/>
+              <a:rPr lang="en-US" sz="4300" dirty="0"/>
               <a:t>. For the </a:t>
             </a:r>
             <a:r>
-              <a:rPr lang="en-US" sz="4300" dirty="0" smtClean="0">
+              <a:rPr lang="en-US" sz="4300" dirty="0">
                 <a:solidFill>
                   <a:srgbClr val="000000"/>
                 </a:solidFill>
@@ -40261,13 +43204,8 @@
             </a:r>
             <a:r>
               <a:rPr lang="en-US" sz="4300" dirty="0"/>
-              <a:t> </a:t>
-            </a:r>
-            <a:r>
-              <a:rPr lang="en-US" sz="4300" dirty="0" smtClean="0"/>
-              <a:t>function, the parameter provides the text for the message</a:t>
-            </a:r>
-            <a:endParaRPr lang="en-US" sz="4300" dirty="0"/>
+              <a:t> function, the parameter provides the text for the message</a:t>
+            </a:r>
           </a:p>
           <a:p>
             <a:pPr marL="57150" indent="0">
@@ -40689,10 +43627,9 @@
           <a:lstStyle/>
           <a:p>
             <a:r>
-              <a:rPr lang="en-US" dirty="0" smtClean="0"/>
+              <a:rPr lang="en-US" dirty="0"/>
               <a:t>Using a parameter when Defining a function</a:t>
             </a:r>
-            <a:endParaRPr lang="en-US" dirty="0"/>
           </a:p>
         </p:txBody>
       </p:sp>
@@ -40732,7 +43669,7 @@
               <a:t> </a:t>
             </a:r>
             <a:r>
-              <a:rPr lang="en-US" sz="4000" dirty="0" err="1" smtClean="0">
+              <a:rPr lang="en-US" sz="4000" dirty="0" err="1">
                 <a:solidFill>
                   <a:srgbClr val="00B050"/>
                 </a:solidFill>
@@ -40741,7 +43678,7 @@
               <a:t>sayNumbers</a:t>
             </a:r>
             <a:r>
-              <a:rPr lang="en-US" sz="4000" dirty="0" smtClean="0">
+              <a:rPr lang="en-US" sz="4000" dirty="0">
                 <a:solidFill>
                   <a:srgbClr val="7030A0"/>
                 </a:solidFill>
@@ -40750,7 +43687,7 @@
               <a:t>(</a:t>
             </a:r>
             <a:r>
-              <a:rPr lang="en-US" sz="4000" b="1" dirty="0" err="1" smtClean="0">
+              <a:rPr lang="en-US" sz="4000" b="1" dirty="0" err="1">
                 <a:solidFill>
                   <a:srgbClr val="E95EBE"/>
                 </a:solidFill>
@@ -40759,7 +43696,7 @@
               <a:t>num</a:t>
             </a:r>
             <a:r>
-              <a:rPr lang="en-US" sz="4000" dirty="0" smtClean="0">
+              <a:rPr lang="en-US" sz="4000" dirty="0">
                 <a:solidFill>
                   <a:srgbClr val="7030A0"/>
                 </a:solidFill>
@@ -40768,13 +43705,13 @@
               <a:t>)</a:t>
             </a:r>
             <a:r>
-              <a:rPr lang="en-US" sz="4000" dirty="0" smtClean="0">
+              <a:rPr lang="en-US" sz="4000" dirty="0">
                 <a:latin typeface="Consolas" panose="020B0609020204030204" pitchFamily="49" charset="0"/>
               </a:rPr>
               <a:t> </a:t>
             </a:r>
             <a:r>
-              <a:rPr lang="en-US" sz="4000" dirty="0" smtClean="0">
+              <a:rPr lang="en-US" sz="4000" dirty="0">
                 <a:solidFill>
                   <a:srgbClr val="FFC000"/>
                 </a:solidFill>
@@ -40788,28 +43725,10 @@
               <a:buNone/>
             </a:pPr>
             <a:r>
-              <a:rPr lang="en-US" sz="4000" dirty="0" smtClean="0">
+              <a:rPr lang="en-US" sz="4000" dirty="0">
                 <a:latin typeface="Consolas" panose="020B0609020204030204" pitchFamily="49" charset="0"/>
               </a:rPr>
               <a:t>	</a:t>
-            </a:r>
-            <a:r>
-              <a:rPr lang="en-US" sz="4000" dirty="0" err="1" smtClean="0">
-                <a:solidFill>
-                  <a:srgbClr val="0070C0"/>
-                </a:solidFill>
-                <a:latin typeface="Consolas" panose="020B0609020204030204" pitchFamily="49" charset="0"/>
-              </a:rPr>
-              <a:t>var</a:t>
-            </a:r>
-            <a:r>
-              <a:rPr lang="en-US" sz="4000" dirty="0" smtClean="0">
-                <a:solidFill>
-                  <a:srgbClr val="0070C0"/>
-                </a:solidFill>
-                <a:latin typeface="Consolas" panose="020B0609020204030204" pitchFamily="49" charset="0"/>
-              </a:rPr>
-              <a:t> </a:t>
             </a:r>
             <a:r>
               <a:rPr lang="en-US" sz="4000" dirty="0">
@@ -40818,19 +43737,10 @@
                 </a:solidFill>
                 <a:latin typeface="Consolas" panose="020B0609020204030204" pitchFamily="49" charset="0"/>
               </a:rPr>
-              <a:t>x</a:t>
-            </a:r>
-            <a:r>
-              <a:rPr lang="en-US" sz="4000" dirty="0" smtClean="0">
-                <a:solidFill>
-                  <a:srgbClr val="0070C0"/>
-                </a:solidFill>
-                <a:latin typeface="Consolas" panose="020B0609020204030204" pitchFamily="49" charset="0"/>
-              </a:rPr>
-              <a:t> = </a:t>
-            </a:r>
-            <a:r>
-              <a:rPr lang="en-US" sz="4000" b="1" dirty="0" err="1" smtClean="0">
+              <a:t>let x = </a:t>
+            </a:r>
+            <a:r>
+              <a:rPr lang="en-US" sz="4000" b="1" dirty="0">
                 <a:solidFill>
                   <a:srgbClr val="E95EBE"/>
                 </a:solidFill>
@@ -40839,7 +43749,7 @@
               <a:t>num</a:t>
             </a:r>
             <a:r>
-              <a:rPr lang="en-US" sz="4000" dirty="0" smtClean="0">
+              <a:rPr lang="en-US" sz="4000" dirty="0">
                 <a:solidFill>
                   <a:srgbClr val="E95EBE"/>
                 </a:solidFill>
@@ -40854,16 +43764,7 @@
                 </a:solidFill>
                 <a:latin typeface="Consolas" panose="020B0609020204030204" pitchFamily="49" charset="0"/>
               </a:rPr>
-              <a:t>+ </a:t>
-            </a:r>
-            <a:r>
-              <a:rPr lang="en-US" sz="4000" dirty="0" smtClean="0">
-                <a:solidFill>
-                  <a:srgbClr val="0070C0"/>
-                </a:solidFill>
-                <a:latin typeface="Consolas" panose="020B0609020204030204" pitchFamily="49" charset="0"/>
-              </a:rPr>
-              <a:t>1;	</a:t>
+              <a:t>+ 1;	</a:t>
             </a:r>
           </a:p>
           <a:p>
@@ -40871,7 +43772,7 @@
               <a:buNone/>
             </a:pPr>
             <a:r>
-              <a:rPr lang="en-US" sz="4000" dirty="0" smtClean="0">
+              <a:rPr lang="en-US" sz="4000" dirty="0">
                 <a:solidFill>
                   <a:srgbClr val="0070C0"/>
                 </a:solidFill>
@@ -40885,22 +43786,13 @@
               <a:buNone/>
             </a:pPr>
             <a:r>
-              <a:rPr lang="en-US" sz="4000" dirty="0" smtClean="0">
-                <a:solidFill>
-                  <a:srgbClr val="0070C0"/>
-                </a:solidFill>
-                <a:latin typeface="Consolas" panose="020B0609020204030204" pitchFamily="49" charset="0"/>
-              </a:rPr>
-              <a:t> </a:t>
-            </a:r>
-            <a:r>
               <a:rPr lang="en-US" sz="4000" dirty="0">
                 <a:solidFill>
                   <a:srgbClr val="0070C0"/>
                 </a:solidFill>
                 <a:latin typeface="Consolas" panose="020B0609020204030204" pitchFamily="49" charset="0"/>
               </a:rPr>
-              <a:t>	</a:t>
+              <a:t> 	</a:t>
             </a:r>
           </a:p>
           <a:p>
@@ -40936,7 +43828,7 @@
               <a:buNone/>
             </a:pPr>
             <a:r>
-              <a:rPr lang="en-US" sz="4000" dirty="0" smtClean="0">
+              <a:rPr lang="en-US" sz="4000" dirty="0">
                 <a:solidFill>
                   <a:srgbClr val="FFC000"/>
                 </a:solidFill>
@@ -40944,12 +43836,6 @@
               </a:rPr>
               <a:t>}</a:t>
             </a:r>
-            <a:endParaRPr lang="en-US" sz="4000" dirty="0">
-              <a:solidFill>
-                <a:srgbClr val="FFC000"/>
-              </a:solidFill>
-              <a:latin typeface="Consolas" panose="020B0609020204030204" pitchFamily="49" charset="0"/>
-            </a:endParaRPr>
           </a:p>
         </p:txBody>
       </p:sp>
@@ -40994,20 +43880,12 @@
               <a:t>function</a:t>
             </a:r>
             <a:r>
-              <a:rPr lang="en-US" sz="4000" dirty="0" smtClean="0">
+              <a:rPr lang="en-US" sz="4000" dirty="0">
                 <a:solidFill>
                   <a:srgbClr val="FF0000"/>
                 </a:solidFill>
               </a:rPr>
-              <a:t> </a:t>
-            </a:r>
-            <a:r>
-              <a:rPr lang="en-US" sz="4000" dirty="0" smtClean="0">
-                <a:solidFill>
-                  <a:srgbClr val="FF0000"/>
-                </a:solidFill>
-              </a:rPr>
-              <a:t>keyword</a:t>
+              <a:t> keyword</a:t>
             </a:r>
             <a:endParaRPr lang="en-US" sz="4000" dirty="0">
               <a:solidFill>
@@ -41022,25 +43900,12 @@
                   <a:srgbClr val="00B050"/>
                 </a:solidFill>
               </a:rPr>
-              <a:t>Function </a:t>
-            </a:r>
-            <a:r>
-              <a:rPr lang="en-US" sz="4000" dirty="0" smtClean="0">
-                <a:solidFill>
-                  <a:srgbClr val="00B050"/>
-                </a:solidFill>
-              </a:rPr>
-              <a:t>name</a:t>
-            </a:r>
-            <a:endParaRPr lang="en-US" sz="4000" dirty="0">
-              <a:solidFill>
-                <a:srgbClr val="00B050"/>
-              </a:solidFill>
-            </a:endParaRPr>
-          </a:p>
-          <a:p>
-            <a:r>
-              <a:rPr lang="en-US" sz="4000" dirty="0" smtClean="0">
+              <a:t>Function name</a:t>
+            </a:r>
+          </a:p>
+          <a:p>
+            <a:r>
+              <a:rPr lang="en-US" sz="4000" dirty="0">
                 <a:solidFill>
                   <a:srgbClr val="7030A0"/>
                 </a:solidFill>
@@ -41050,18 +43915,13 @@
           </a:p>
           <a:p>
             <a:r>
-              <a:rPr lang="en-US" sz="4000" b="1" i="1" dirty="0" smtClean="0">
+              <a:rPr lang="en-US" sz="4000" b="1" i="1" dirty="0">
                 <a:solidFill>
                   <a:srgbClr val="E95EBE"/>
                 </a:solidFill>
               </a:rPr>
               <a:t>Parameter</a:t>
             </a:r>
-            <a:endParaRPr lang="en-US" sz="4000" b="1" i="1" dirty="0">
-              <a:solidFill>
-                <a:srgbClr val="E95EBE"/>
-              </a:solidFill>
-            </a:endParaRPr>
           </a:p>
           <a:p>
             <a:r>
@@ -41070,25 +43930,12 @@
                   <a:srgbClr val="FFC000"/>
                 </a:solidFill>
               </a:rPr>
-              <a:t>Curly </a:t>
-            </a:r>
-            <a:r>
-              <a:rPr lang="en-US" sz="4000" dirty="0" smtClean="0">
-                <a:solidFill>
-                  <a:srgbClr val="FFC000"/>
-                </a:solidFill>
-              </a:rPr>
-              <a:t>brackets</a:t>
-            </a:r>
-            <a:endParaRPr lang="en-US" sz="4000" dirty="0">
-              <a:solidFill>
-                <a:srgbClr val="FFC000"/>
-              </a:solidFill>
-            </a:endParaRPr>
-          </a:p>
-          <a:p>
-            <a:r>
-              <a:rPr lang="en-US" sz="4000" dirty="0" smtClean="0">
+              <a:t>Curly brackets</a:t>
+            </a:r>
+          </a:p>
+          <a:p>
+            <a:r>
+              <a:rPr lang="en-US" sz="4000" dirty="0">
                 <a:solidFill>
                   <a:srgbClr val="0070C0"/>
                 </a:solidFill>
@@ -41544,10 +44391,9 @@
           <a:lstStyle/>
           <a:p>
             <a:r>
-              <a:rPr lang="en-US" dirty="0" smtClean="0"/>
-              <a:t>Calling a function with a parameter</a:t>
-            </a:r>
-            <a:endParaRPr lang="en-US" dirty="0"/>
+              <a:rPr lang="en-US" dirty="0"/>
+              <a:t>Calling a function with an argument</a:t>
+            </a:r>
           </a:p>
         </p:txBody>
       </p:sp>
@@ -41766,7 +44612,7 @@
               <a:buNone/>
             </a:pPr>
             <a:r>
-              <a:rPr lang="en-US" sz="4400" dirty="0" err="1" smtClean="0">
+              <a:rPr lang="en-US" sz="4400" dirty="0" err="1">
                 <a:solidFill>
                   <a:srgbClr val="00B050"/>
                 </a:solidFill>
@@ -41775,7 +44621,7 @@
               <a:t>sayNumbers</a:t>
             </a:r>
             <a:r>
-              <a:rPr lang="en-US" sz="4400" dirty="0" smtClean="0">
+              <a:rPr lang="en-US" sz="4400" dirty="0">
                 <a:solidFill>
                   <a:srgbClr val="7030A0"/>
                 </a:solidFill>
@@ -41784,7 +44630,7 @@
               <a:t>(</a:t>
             </a:r>
             <a:r>
-              <a:rPr lang="en-US" sz="4400" b="1" dirty="0" smtClean="0">
+              <a:rPr lang="en-US" sz="4400" b="1" dirty="0">
                 <a:solidFill>
                   <a:srgbClr val="E95EBE"/>
                 </a:solidFill>
@@ -41793,7 +44639,7 @@
               <a:t>8</a:t>
             </a:r>
             <a:r>
-              <a:rPr lang="en-US" sz="4400" dirty="0" smtClean="0">
+              <a:rPr lang="en-US" sz="4400" dirty="0">
                 <a:solidFill>
                   <a:srgbClr val="7030A0"/>
                 </a:solidFill>
@@ -41801,7 +44647,7 @@
               </a:rPr>
               <a:t>)</a:t>
             </a:r>
-            <a:endParaRPr lang="en-US" sz="4400" dirty="0" smtClean="0">
+            <a:endParaRPr lang="en-US" sz="4400" dirty="0">
               <a:solidFill>
                 <a:srgbClr val="FFC000"/>
               </a:solidFill>
@@ -41842,22 +44688,17 @@
           <a:lstStyle/>
           <a:p>
             <a:r>
-              <a:rPr lang="en-US" sz="4000" dirty="0" smtClean="0">
+              <a:rPr lang="en-US" sz="4000" dirty="0">
                 <a:solidFill>
                   <a:srgbClr val="00B050"/>
                 </a:solidFill>
               </a:rPr>
               <a:t>Function name</a:t>
             </a:r>
-            <a:endParaRPr lang="en-US" sz="4000" dirty="0">
-              <a:solidFill>
-                <a:srgbClr val="00B050"/>
-              </a:solidFill>
-            </a:endParaRPr>
-          </a:p>
-          <a:p>
-            <a:r>
-              <a:rPr lang="en-US" sz="4000" dirty="0" smtClean="0">
+          </a:p>
+          <a:p>
+            <a:r>
+              <a:rPr lang="en-US" sz="4000" dirty="0">
                 <a:solidFill>
                   <a:srgbClr val="7030A0"/>
                 </a:solidFill>
@@ -41867,18 +44708,13 @@
           </a:p>
           <a:p>
             <a:r>
-              <a:rPr lang="en-US" sz="4000" b="1" i="1" dirty="0" smtClean="0">
+              <a:rPr lang="en-US" sz="4000" b="1" i="1" dirty="0">
                 <a:solidFill>
                   <a:srgbClr val="E95EBE"/>
                 </a:solidFill>
               </a:rPr>
-              <a:t>Parameter</a:t>
-            </a:r>
-            <a:endParaRPr lang="en-US" sz="4000" b="1" i="1" dirty="0" smtClean="0">
-              <a:solidFill>
-                <a:srgbClr val="E95EBE"/>
-              </a:solidFill>
-            </a:endParaRPr>
+              <a:t>Argument</a:t>
+            </a:r>
           </a:p>
         </p:txBody>
       </p:sp>
@@ -41905,7 +44741,7 @@
           <a:lstStyle/>
           <a:p>
             <a:r>
-              <a:rPr lang="en-US" sz="4000" dirty="0" smtClean="0">
+              <a:rPr lang="en-US" sz="4000" dirty="0">
                 <a:solidFill>
                   <a:schemeClr val="tx2"/>
                 </a:solidFill>
@@ -41913,7 +44749,7 @@
               <a:t>Now, in the </a:t>
             </a:r>
             <a:r>
-              <a:rPr lang="en-US" sz="4000" i="1" dirty="0" smtClean="0">
+              <a:rPr lang="en-US" sz="4000" i="1" dirty="0">
                 <a:solidFill>
                   <a:schemeClr val="tx2"/>
                 </a:solidFill>
@@ -41921,7 +44757,7 @@
               <a:t>body</a:t>
             </a:r>
             <a:r>
-              <a:rPr lang="en-US" sz="4000" dirty="0" smtClean="0">
+              <a:rPr lang="en-US" sz="4000" dirty="0">
                 <a:solidFill>
                   <a:schemeClr val="tx2"/>
                 </a:solidFill>
@@ -41929,7 +44765,7 @@
               <a:t> of the function, the </a:t>
             </a:r>
             <a:r>
-              <a:rPr lang="en-US" sz="4000" dirty="0" err="1" smtClean="0">
+              <a:rPr lang="en-US" sz="4000" dirty="0">
                 <a:solidFill>
                   <a:schemeClr val="accent5">
                     <a:lumMod val="10000"/>
@@ -41940,15 +44776,15 @@
               <a:t>num</a:t>
             </a:r>
             <a:r>
-              <a:rPr lang="en-US" sz="4000" dirty="0" smtClean="0">
+              <a:rPr lang="en-US" sz="4000" dirty="0">
                 <a:solidFill>
                   <a:schemeClr val="tx2"/>
                 </a:solidFill>
               </a:rPr>
-              <a:t> variable will be set to </a:t>
-            </a:r>
-            <a:r>
-              <a:rPr lang="en-US" sz="4000" dirty="0" smtClean="0">
+              <a:t> parameter variable will be set to </a:t>
+            </a:r>
+            <a:r>
+              <a:rPr lang="en-US" sz="4000" dirty="0">
                 <a:solidFill>
                   <a:schemeClr val="accent5">
                     <a:lumMod val="10000"/>
@@ -41958,14 +44794,6 @@
               </a:rPr>
               <a:t>8</a:t>
             </a:r>
-            <a:endParaRPr lang="en-US" sz="4000" dirty="0">
-              <a:solidFill>
-                <a:schemeClr val="accent5">
-                  <a:lumMod val="10000"/>
-                </a:schemeClr>
-              </a:solidFill>
-              <a:latin typeface="Consolas" panose="020B0609020204030204" pitchFamily="49" charset="0"/>
-            </a:endParaRPr>
           </a:p>
         </p:txBody>
       </p:sp>
@@ -42420,14 +45248,9 @@
           <a:lstStyle/>
           <a:p>
             <a:r>
-              <a:rPr lang="en-US" dirty="0" smtClean="0"/>
-              <a:t>Function parameters </a:t>
-            </a:r>
-            <a:r>
-              <a:rPr lang="en-US" dirty="0" smtClean="0"/>
-              <a:t>example</a:t>
-            </a:r>
-            <a:endParaRPr lang="en-US" dirty="0"/>
+              <a:rPr lang="en-US" dirty="0"/>
+              <a:t>Function parameters example</a:t>
+            </a:r>
           </a:p>
         </p:txBody>
       </p:sp>
@@ -42452,12 +45275,12 @@
               <a:buNone/>
             </a:pPr>
             <a:r>
-              <a:rPr lang="en-US" sz="11500" dirty="0">
+              <a:rPr lang="en-US" sz="9600" dirty="0">
                 <a:hlinkClick r:id="rId3"/>
               </a:rPr>
-              <a:t>https://repl.it/repls/QuarrelsomeTrivialPlans</a:t>
-            </a:r>
-            <a:endParaRPr lang="en-US" sz="13800" dirty="0"/>
+              <a:t>https://replit.com/@HylandOutreach/ParameterExample</a:t>
+            </a:r>
+            <a:endParaRPr lang="en-US" sz="11500" dirty="0"/>
           </a:p>
         </p:txBody>
       </p:sp>
@@ -42474,13 +45297,6 @@
   <p:transition>
     <p:fade/>
   </p:transition>
-  <p:timing>
-    <p:tnLst>
-      <p:par>
-        <p:cTn id="1" dur="indefinite" restart="never" nodeType="tmRoot"/>
-      </p:par>
-    </p:tnLst>
-  </p:timing>
 </p:sld>
 </file>
 
